--- a/help/data-sheets/assets/StandardSupportDatasheet.pptx
+++ b/help/data-sheets/assets/StandardSupportDatasheet.pptx
@@ -273,30 +273,6 @@
     </pc:docChg>
   </pc:docChgLst>
   <pc:docChgLst>
-    <pc:chgData name="Ankita Sood" userId="S::asood@adobe.com::c93a62e3-2a47-429d-82c6-c2a8fd110ae7" providerId="AD" clId="Web-{50BEA215-43CC-DCCF-058B-AC2C3A37AC06}"/>
-    <pc:docChg chg="modSld">
-      <pc:chgData name="Ankita Sood" userId="S::asood@adobe.com::c93a62e3-2a47-429d-82c6-c2a8fd110ae7" providerId="AD" clId="Web-{50BEA215-43CC-DCCF-058B-AC2C3A37AC06}" dt="2022-01-20T19:40:10.448" v="1"/>
-      <pc:docMkLst>
-        <pc:docMk/>
-      </pc:docMkLst>
-      <pc:sldChg chg="modSp">
-        <pc:chgData name="Ankita Sood" userId="S::asood@adobe.com::c93a62e3-2a47-429d-82c6-c2a8fd110ae7" providerId="AD" clId="Web-{50BEA215-43CC-DCCF-058B-AC2C3A37AC06}" dt="2022-01-20T19:40:10.448" v="1"/>
-        <pc:sldMkLst>
-          <pc:docMk/>
-          <pc:sldMk cId="0" sldId="256"/>
-        </pc:sldMkLst>
-        <pc:graphicFrameChg chg="mod modGraphic">
-          <ac:chgData name="Ankita Sood" userId="S::asood@adobe.com::c93a62e3-2a47-429d-82c6-c2a8fd110ae7" providerId="AD" clId="Web-{50BEA215-43CC-DCCF-058B-AC2C3A37AC06}" dt="2022-01-20T19:40:10.448" v="1"/>
-          <ac:graphicFrameMkLst>
-            <pc:docMk/>
-            <pc:sldMk cId="0" sldId="256"/>
-            <ac:graphicFrameMk id="9" creationId="{00000000-0000-0000-0000-000000000000}"/>
-          </ac:graphicFrameMkLst>
-        </pc:graphicFrameChg>
-      </pc:sldChg>
-    </pc:docChg>
-  </pc:docChgLst>
-  <pc:docChgLst>
     <pc:chgData name="Akilah Johnson" userId="S::akjohnso@adobe.com::2fa3aa60-0c9c-4d06-bae2-795983241227" providerId="AD" clId="Web-{CF46E89E-48FC-BA32-13C5-654DDA452FDC}"/>
     <pc:docChg chg="modSld">
       <pc:chgData name="Akilah Johnson" userId="S::akjohnso@adobe.com::2fa3aa60-0c9c-4d06-bae2-795983241227" providerId="AD" clId="Web-{CF46E89E-48FC-BA32-13C5-654DDA452FDC}" dt="2021-10-12T17:00:50.675" v="21" actId="20577"/>
@@ -371,6 +347,30 @@
             <ac:spMk id="56" creationId="{00000000-0000-0000-0000-000000000000}"/>
           </ac:spMkLst>
         </pc:spChg>
+      </pc:sldChg>
+    </pc:docChg>
+  </pc:docChgLst>
+  <pc:docChgLst>
+    <pc:chgData name="Ankita Sood" userId="S::asood@adobe.com::c93a62e3-2a47-429d-82c6-c2a8fd110ae7" providerId="AD" clId="Web-{50BEA215-43CC-DCCF-058B-AC2C3A37AC06}"/>
+    <pc:docChg chg="modSld">
+      <pc:chgData name="Ankita Sood" userId="S::asood@adobe.com::c93a62e3-2a47-429d-82c6-c2a8fd110ae7" providerId="AD" clId="Web-{50BEA215-43CC-DCCF-058B-AC2C3A37AC06}" dt="2022-01-20T19:40:10.448" v="1"/>
+      <pc:docMkLst>
+        <pc:docMk/>
+      </pc:docMkLst>
+      <pc:sldChg chg="modSp">
+        <pc:chgData name="Ankita Sood" userId="S::asood@adobe.com::c93a62e3-2a47-429d-82c6-c2a8fd110ae7" providerId="AD" clId="Web-{50BEA215-43CC-DCCF-058B-AC2C3A37AC06}" dt="2022-01-20T19:40:10.448" v="1"/>
+        <pc:sldMkLst>
+          <pc:docMk/>
+          <pc:sldMk cId="0" sldId="256"/>
+        </pc:sldMkLst>
+        <pc:graphicFrameChg chg="mod modGraphic">
+          <ac:chgData name="Ankita Sood" userId="S::asood@adobe.com::c93a62e3-2a47-429d-82c6-c2a8fd110ae7" providerId="AD" clId="Web-{50BEA215-43CC-DCCF-058B-AC2C3A37AC06}" dt="2022-01-20T19:40:10.448" v="1"/>
+          <ac:graphicFrameMkLst>
+            <pc:docMk/>
+            <pc:sldMk cId="0" sldId="256"/>
+            <ac:graphicFrameMk id="9" creationId="{00000000-0000-0000-0000-000000000000}"/>
+          </ac:graphicFrameMkLst>
+        </pc:graphicFrameChg>
       </pc:sldChg>
     </pc:docChg>
   </pc:docChgLst>
@@ -515,7 +515,7 @@
           <a:p>
             <a:fld id="{A438815C-EDE5-F947-A55F-7634403F36C4}" type="datetimeFigureOut">
               <a:rPr lang="en-US" smtClean="0"/>
-              <a:t>1/20/2022</a:t>
+              <a:t>3/3/2022</a:t>
             </a:fld>
             <a:endParaRPr lang="en-US"/>
           </a:p>
@@ -1138,7 +1138,7 @@
           <a:p>
             <a:fld id="{1D8BD707-D9CF-40AE-B4C6-C98DA3205C09}" type="datetimeFigureOut">
               <a:rPr lang="en-US"/>
-              <a:t>1/20/2022</a:t>
+              <a:t>3/3/2022</a:t>
             </a:fld>
             <a:endParaRPr lang="en-US"/>
           </a:p>
@@ -1322,7 +1322,7 @@
           <a:p>
             <a:fld id="{1D8BD707-D9CF-40AE-B4C6-C98DA3205C09}" type="datetimeFigureOut">
               <a:rPr lang="en-US"/>
-              <a:t>1/20/2022</a:t>
+              <a:t>3/3/2022</a:t>
             </a:fld>
             <a:endParaRPr lang="en-US"/>
           </a:p>
@@ -1624,7 +1624,7 @@
           <a:p>
             <a:fld id="{1D8BD707-D9CF-40AE-B4C6-C98DA3205C09}" type="datetimeFigureOut">
               <a:rPr lang="en-US"/>
-              <a:t>1/20/2022</a:t>
+              <a:t>3/3/2022</a:t>
             </a:fld>
             <a:endParaRPr lang="en-US"/>
           </a:p>
@@ -1879,7 +1879,7 @@
         <p:spPr>
           <a:xfrm>
             <a:off x="95250" y="7228840"/>
-            <a:ext cx="2884717" cy="227626"/>
+            <a:ext cx="3867150" cy="227626"/>
           </a:xfrm>
           <a:prstGeom prst="rect">
             <a:avLst/>
@@ -1897,7 +1897,7 @@
               </a:spcBef>
             </a:pPr>
             <a:r>
-              <a:rPr sz="1400" b="1" u="heavy" spc="10" dirty="0">
+              <a:rPr lang="ja-JP" sz="1400" b="1" u="heavy" dirty="0">
                 <a:solidFill>
                   <a:srgbClr val="020302"/>
                 </a:solidFill>
@@ -1906,90 +1906,12 @@
                     <a:srgbClr val="020302"/>
                   </a:solidFill>
                 </a:uFill>
-                <a:latin typeface="Adobe Clean"/>
+                <a:latin typeface="Adobe Clean Han Bold" panose="020B0600000000000000" pitchFamily="34" charset="-128"/>
+                <a:ea typeface="Adobe Clean Han Bold" panose="020B0600000000000000" pitchFamily="34" charset="-128"/>
                 <a:cs typeface="Adobe Clean"/>
               </a:rPr>
-              <a:t>Service </a:t>
+              <a:t>サービスレベルターゲット：初期対応</a:t>
             </a:r>
-            <a:r>
-              <a:rPr sz="1400" b="1" u="heavy" spc="-10" dirty="0">
-                <a:solidFill>
-                  <a:srgbClr val="020302"/>
-                </a:solidFill>
-                <a:uFill>
-                  <a:solidFill>
-                    <a:srgbClr val="020302"/>
-                  </a:solidFill>
-                </a:uFill>
-                <a:latin typeface="Adobe Clean"/>
-                <a:cs typeface="Adobe Clean"/>
-              </a:rPr>
-              <a:t>Level </a:t>
-            </a:r>
-            <a:r>
-              <a:rPr sz="1400" b="1" u="heavy" spc="-45" dirty="0">
-                <a:solidFill>
-                  <a:srgbClr val="020302"/>
-                </a:solidFill>
-                <a:uFill>
-                  <a:solidFill>
-                    <a:srgbClr val="020302"/>
-                  </a:solidFill>
-                </a:uFill>
-                <a:latin typeface="Adobe Clean"/>
-                <a:cs typeface="Adobe Clean"/>
-              </a:rPr>
-              <a:t>Targets: </a:t>
-            </a:r>
-            <a:r>
-              <a:rPr sz="1400" b="1" u="heavy" spc="-10" dirty="0">
-                <a:solidFill>
-                  <a:srgbClr val="020302"/>
-                </a:solidFill>
-                <a:uFill>
-                  <a:solidFill>
-                    <a:srgbClr val="020302"/>
-                  </a:solidFill>
-                </a:uFill>
-                <a:latin typeface="Adobe Clean"/>
-                <a:cs typeface="Adobe Clean"/>
-              </a:rPr>
-              <a:t>Initial</a:t>
-            </a:r>
-            <a:r>
-              <a:rPr lang="en-US" sz="1400" b="1" u="heavy" spc="-10" dirty="0">
-                <a:solidFill>
-                  <a:srgbClr val="020302"/>
-                </a:solidFill>
-                <a:uFill>
-                  <a:solidFill>
-                    <a:srgbClr val="020302"/>
-                  </a:solidFill>
-                </a:uFill>
-                <a:latin typeface="Adobe Clean"/>
-                <a:cs typeface="Adobe Clean"/>
-              </a:rPr>
-              <a:t> </a:t>
-            </a:r>
-            <a:r>
-              <a:rPr sz="1400" b="1" u="heavy" spc="-15" dirty="0">
-                <a:solidFill>
-                  <a:srgbClr val="020302"/>
-                </a:solidFill>
-                <a:uFill>
-                  <a:solidFill>
-                    <a:srgbClr val="020302"/>
-                  </a:solidFill>
-                </a:uFill>
-                <a:latin typeface="Adobe Clean"/>
-                <a:cs typeface="Adobe Clean"/>
-              </a:rPr>
-              <a:t>Response</a:t>
-            </a:r>
-            <a:endParaRPr sz="1400" dirty="0">
-              <a:latin typeface="Adobe Clean"/>
-              <a:cs typeface="Adobe Clean"/>
-            </a:endParaRPr>
           </a:p>
         </p:txBody>
       </p:sp>
@@ -2030,8 +1952,8 @@
         </p:nvSpPr>
         <p:spPr>
           <a:xfrm>
-            <a:off x="136772" y="813361"/>
-            <a:ext cx="6035427" cy="1089529"/>
+            <a:off x="136773" y="582690"/>
+            <a:ext cx="5959228" cy="1246110"/>
           </a:xfrm>
           <a:prstGeom prst="rect">
             <a:avLst/>
@@ -2052,35 +1974,50 @@
               </a:spcBef>
             </a:pPr>
             <a:r>
-              <a:rPr lang="en-US" sz="1200" b="1" dirty="0">
+              <a:rPr lang="ja-JP" sz="1200" b="1" spc="-30" dirty="0">
                 <a:solidFill>
                   <a:schemeClr val="bg1"/>
                 </a:solidFill>
+                <a:latin typeface="Adobe Clean Han Bold" panose="020B0600000000000000" pitchFamily="34" charset="-128"/>
+                <a:ea typeface="Adobe Clean Han Bold" panose="020B0600000000000000" pitchFamily="34" charset="-128"/>
               </a:rPr>
-              <a:t>Standard</a:t>
+              <a:t>標準</a:t>
             </a:r>
             <a:r>
-              <a:rPr lang="en-US" sz="1200" dirty="0">
+              <a:rPr lang="ja-JP" sz="1200" spc="-30" dirty="0">
                 <a:solidFill>
                   <a:schemeClr val="bg1"/>
                 </a:solidFill>
-                <a:latin typeface="Adobe Clean Light"/>
+                <a:latin typeface="Adobe Clean Han Bold" panose="020B0600000000000000" pitchFamily="34" charset="-128"/>
+                <a:ea typeface="Adobe Clean Han Bold" panose="020B0600000000000000" pitchFamily="34" charset="-128"/>
               </a:rPr>
-              <a:t> | Enterprise | Elite</a:t>
+              <a:t> </a:t>
+            </a:r>
+            <a:r>
+              <a:rPr lang="ja-JP" sz="1200" spc="-30" dirty="0">
+                <a:solidFill>
+                  <a:schemeClr val="bg1"/>
+                </a:solidFill>
+                <a:latin typeface="Adobe Clean Han Light" panose="020B0300000000000000" pitchFamily="34" charset="-128"/>
+                <a:ea typeface="Adobe Clean Han Light" panose="020B0300000000000000" pitchFamily="34" charset="-128"/>
+              </a:rPr>
+              <a:t>| エンタープライズ | エリート</a:t>
             </a:r>
             <a:br>
-              <a:rPr lang="en-US" sz="900" dirty="0">
-                <a:latin typeface="Adobe Clean Light" panose="020B0303020404020204" pitchFamily="34" charset="0"/>
+              <a:rPr lang="ja-JP" sz="900" spc="-30" dirty="0">
+                <a:latin typeface="Adobe Clean Han Light" panose="020B0300000000000000" pitchFamily="34" charset="-128"/>
+                <a:ea typeface="Adobe Clean Han Light" panose="020B0300000000000000" pitchFamily="34" charset="-128"/>
               </a:rPr>
             </a:br>
             <a:r>
-              <a:rPr lang="en-US" sz="900" dirty="0">
+              <a:rPr lang="ja-JP" sz="900" spc="-30" dirty="0">
                 <a:solidFill>
                   <a:schemeClr val="bg1"/>
                 </a:solidFill>
-                <a:latin typeface="Adobe Clean SemiLight"/>
+                <a:latin typeface="Adobe Clean Han Light" panose="020B0300000000000000" pitchFamily="34" charset="-128"/>
+                <a:ea typeface="Adobe Clean Han Light" panose="020B0300000000000000" pitchFamily="34" charset="-128"/>
               </a:rPr>
-              <a:t>Adobe provides a comprehensive range of technical resources to help support your business included as part of your Experience Cloud license subscription. Online support includes access to personalized learning paths and monitored community forums via the Adobe Experience League. You can take advantage of our detailed and in-depth technical product documentation and current release notes published on </a:t>
+              <a:t>アドビでは、お客様のビジネスをサポートするために、包括的なテクニカルリソースを提供しています。これらのリソースは、Experience Cloud のライセンスサブスクリプションに含まれています。標準サポートでは、Adobe Experience League のパーソナライズされたラーニングパスやモニタリングされているコミュニティフォーラムへのアクセスが提供されます。アドビ製品に関する詳細なテクニカルドキュメントや最新のリリースノートは </a:t>
             </a:r>
             <a:r>
               <a:rPr lang="en-US" sz="900" u="sng" dirty="0">
@@ -2096,24 +2033,18 @@
                   </a:extLst>
                 </a:hlinkClick>
               </a:rPr>
-              <a:t>http://www.adobe.com. </a:t>
+              <a:t>http://www.adobe.com</a:t>
             </a:r>
             <a:r>
-              <a:rPr lang="en-US" sz="900" dirty="0">
+              <a:rPr lang="ja-JP" sz="900" spc="-30" dirty="0">
                 <a:solidFill>
                   <a:schemeClr val="bg1"/>
                 </a:solidFill>
-                <a:latin typeface="Adobe Clean SemiLight"/>
+                <a:latin typeface="Adobe Clean Han Light" panose="020B0300000000000000" pitchFamily="34" charset="-128"/>
+                <a:ea typeface="Adobe Clean Han Light" panose="020B0300000000000000" pitchFamily="34" charset="-128"/>
               </a:rPr>
-              <a:t>Our Online package also includes access to our technical support teams for any critical P1 product issues via telephone to help protect your business at the most critical times as well as providing the ability to log lower priority requests for assistance via support web portal.</a:t>
+              <a:t>で公開されており、いつでも参照可能です。また、オンラインサポートには、テクニカルサポートチームへのアクセスが含まれています。優先度 1（P1）に分類される最も深刻な問題については、必要なときに電話による直接サポートを受けることができます。より優先度が低いリクエストなどは、サポート web ポータルを使用して申請することが可能です。</a:t>
             </a:r>
-            <a:endParaRPr lang="en-US" sz="900" dirty="0">
-              <a:solidFill>
-                <a:schemeClr val="bg1"/>
-              </a:solidFill>
-              <a:latin typeface="Adobe Clean SemiLight"/>
-              <a:cs typeface="AdobeClean-Light"/>
-            </a:endParaRPr>
           </a:p>
         </p:txBody>
       </p:sp>
@@ -2155,7 +2086,7 @@
           <p:nvPr>
             <p:extLst>
               <p:ext uri="{D42A27DB-BD31-4B8C-83A1-F6EECF244321}">
-                <p14:modId xmlns:p14="http://schemas.microsoft.com/office/powerpoint/2010/main" val="2360421745"/>
+                <p14:modId xmlns:p14="http://schemas.microsoft.com/office/powerpoint/2010/main" val="2604263489"/>
               </p:ext>
             </p:extLst>
           </p:nvPr>
@@ -2171,38 +2102,38 @@
                 <a:tableStyleId>{2D5ABB26-0587-4C30-8999-92F81FD0307C}</a:tableStyleId>
               </a:tblPr>
               <a:tblGrid>
-                <a:gridCol w="1192779">
+                <a:gridCol w="1295400">
                   <a:extLst>
                     <a:ext uri="{9D8B030D-6E8A-4147-A177-3AD203B41FA5}">
                       <a16:colId xmlns:a16="http://schemas.microsoft.com/office/drawing/2014/main" val="1674920574"/>
                     </a:ext>
                   </a:extLst>
                 </a:gridCol>
-                <a:gridCol w="2922021">
+                <a:gridCol w="3429000">
                   <a:extLst>
                     <a:ext uri="{9D8B030D-6E8A-4147-A177-3AD203B41FA5}">
                       <a16:colId xmlns:a16="http://schemas.microsoft.com/office/drawing/2014/main" val="20001"/>
                     </a:ext>
                   </a:extLst>
                 </a:gridCol>
-                <a:gridCol w="1219200">
+                <a:gridCol w="838200">
                   <a:extLst>
                     <a:ext uri="{9D8B030D-6E8A-4147-A177-3AD203B41FA5}">
                       <a16:colId xmlns:a16="http://schemas.microsoft.com/office/drawing/2014/main" val="20002"/>
                     </a:ext>
                   </a:extLst>
                 </a:gridCol>
-                <a:gridCol w="1143000">
+                <a:gridCol w="1066800">
                   <a:extLst>
                     <a:ext uri="{9D8B030D-6E8A-4147-A177-3AD203B41FA5}">
                       <a16:colId xmlns:a16="http://schemas.microsoft.com/office/drawing/2014/main" val="20003"/>
                     </a:ext>
                   </a:extLst>
                 </a:gridCol>
-                <a:gridCol w="1228343">
+                <a:gridCol w="1075943">
                   <a:extLst>
                     <a:ext uri="{9D8B030D-6E8A-4147-A177-3AD203B41FA5}">
-                      <a16:colId xmlns:a16="http://schemas.microsoft.com/office/drawing/2014/main" val="2812960027"/>
+                      <a16:colId xmlns:a16="http://schemas.microsoft.com/office/drawing/2014/main" val="2432042428"/>
                     </a:ext>
                   </a:extLst>
                 </a:gridCol>
@@ -2242,29 +2173,16 @@
                         </a:spcBef>
                       </a:pPr>
                       <a:r>
-                        <a:rPr lang="en-US" sz="900" spc="0" dirty="0">
+                        <a:rPr lang="ja-JP" sz="900" dirty="0">
                           <a:solidFill>
                             <a:srgbClr val="404040"/>
                           </a:solidFill>
-                          <a:latin typeface="Adobe Clean"/>
+                          <a:latin typeface="Adobe Clean Han Bold" panose="020B0600000000000000" pitchFamily="34" charset="-128"/>
+                          <a:ea typeface="Adobe Clean Han Bold" panose="020B0600000000000000" pitchFamily="34" charset="-128"/>
                           <a:cs typeface="Adobe Clean"/>
                         </a:rPr>
-                        <a:t>Standard </a:t>
+                        <a:t>標準サポート</a:t>
                       </a:r>
-                      <a:r>
-                        <a:rPr sz="900" spc="0" dirty="0">
-                          <a:solidFill>
-                            <a:srgbClr val="404040"/>
-                          </a:solidFill>
-                          <a:latin typeface="Adobe Clean"/>
-                          <a:cs typeface="Adobe Clean"/>
-                        </a:rPr>
-                        <a:t>Support</a:t>
-                      </a:r>
-                      <a:endParaRPr sz="900" spc="0" dirty="0">
-                        <a:latin typeface="Adobe Clean"/>
-                        <a:cs typeface="Adobe Clean"/>
-                      </a:endParaRPr>
                     </a:p>
                   </a:txBody>
                   <a:tcPr marL="0" marR="0" marT="7620" marB="0" anchor="ctr">
@@ -2299,17 +2217,34 @@
                         </a:spcBef>
                       </a:pPr>
                       <a:r>
-                        <a:rPr lang="en-US" sz="900" spc="0" dirty="0">
+                        <a:rPr lang="ja-JP" sz="900" dirty="0">
                           <a:solidFill>
                             <a:srgbClr val="FFFFFF"/>
                           </a:solidFill>
-                          <a:latin typeface="Adobe Clean"/>
+                          <a:latin typeface="Adobe Clean Han Bold" panose="020B0600000000000000" pitchFamily="34" charset="-128"/>
+                          <a:ea typeface="Adobe Clean Han Bold" panose="020B0600000000000000" pitchFamily="34" charset="-128"/>
                         </a:rPr>
-                        <a:t>Enterprise Support</a:t>
+                        <a:t>エンタープライ</a:t>
                       </a:r>
-                      <a:endParaRPr sz="900" spc="0" dirty="0">
-                        <a:latin typeface="Adobe Clean"/>
-                      </a:endParaRPr>
+                      <a:br>
+                        <a:rPr lang="cs-CZ" altLang="ja-JP" sz="900" dirty="0">
+                          <a:solidFill>
+                            <a:srgbClr val="FFFFFF"/>
+                          </a:solidFill>
+                          <a:latin typeface="Adobe Clean Han Bold" panose="020B0600000000000000" pitchFamily="34" charset="-128"/>
+                          <a:ea typeface="Adobe Clean Han Bold" panose="020B0600000000000000" pitchFamily="34" charset="-128"/>
+                        </a:rPr>
+                      </a:br>
+                      <a:r>
+                        <a:rPr lang="ja-JP" sz="900" dirty="0">
+                          <a:solidFill>
+                            <a:srgbClr val="FFFFFF"/>
+                          </a:solidFill>
+                          <a:latin typeface="Adobe Clean Han Bold" panose="020B0600000000000000" pitchFamily="34" charset="-128"/>
+                          <a:ea typeface="Adobe Clean Han Bold" panose="020B0600000000000000" pitchFamily="34" charset="-128"/>
+                        </a:rPr>
+                        <a:t>ズサポート</a:t>
+                      </a:r>
                     </a:p>
                   </a:txBody>
                   <a:tcPr marL="0" marR="0" marT="7620" marB="0" anchor="ctr">
@@ -2350,17 +2285,22 @@
                         </a:spcBef>
                       </a:pPr>
                       <a:r>
-                        <a:rPr lang="en-US" sz="900" spc="0" dirty="0">
+                        <a:rPr lang="ja-JP" sz="900" dirty="0">
                           <a:solidFill>
                             <a:srgbClr val="FFFFFF"/>
                           </a:solidFill>
-                          <a:latin typeface="Adobe Clean"/>
+                          <a:latin typeface="Adobe Clean Han Bold" panose="020B0600000000000000" pitchFamily="34" charset="-128"/>
+                          <a:ea typeface="Adobe Clean Han Bold" panose="020B0600000000000000" pitchFamily="34" charset="-128"/>
                           <a:cs typeface="Adobe Clean"/>
                         </a:rPr>
-                        <a:t>Elite Support</a:t>
+                        <a:t>エリートサポート</a:t>
                       </a:r>
-                      <a:endParaRPr sz="900" spc="0" dirty="0">
-                        <a:latin typeface="Adobe Clean"/>
+                      <a:endParaRPr lang="ja-JP" sz="900" dirty="0">
+                        <a:solidFill>
+                          <a:srgbClr val="FFFFFF"/>
+                        </a:solidFill>
+                        <a:latin typeface="Adobe Clean Han Bold" panose="020B0600000000000000" pitchFamily="34" charset="-128"/>
+                        <a:ea typeface="Adobe Clean Han Bold" panose="020B0600000000000000" pitchFamily="34" charset="-128"/>
                       </a:endParaRPr>
                     </a:p>
                   </a:txBody>
@@ -2374,11 +2314,14 @@
                       <a:headEnd type="none" w="med" len="med"/>
                       <a:tailEnd type="none" w="med" len="med"/>
                     </a:lnL>
-                    <a:lnR w="3175">
+                    <a:lnR w="3175" cap="flat" cmpd="sng" algn="ctr">
                       <a:solidFill>
                         <a:srgbClr val="B7B8B8"/>
                       </a:solidFill>
                       <a:prstDash val="solid"/>
+                      <a:round/>
+                      <a:headEnd type="none" w="med" len="med"/>
+                      <a:tailEnd type="none" w="med" len="med"/>
                     </a:lnR>
                     <a:lnB w="76200" cap="flat" cmpd="sng" algn="ctr">
                       <a:solidFill>
@@ -2426,7 +2369,7 @@
                     <a:bodyPr/>
                     <a:lstStyle/>
                     <a:p>
-                      <a:pPr marL="255904" marR="248920" indent="-25400">
+                      <a:pPr marL="255904" marR="248920" indent="-25400" algn="l" rtl="0">
                         <a:lnSpc>
                           <a:spcPct val="100000"/>
                         </a:lnSpc>
@@ -2471,7 +2414,7 @@
                     <a:bodyPr/>
                     <a:lstStyle/>
                     <a:p>
-                      <a:pPr marL="934085">
+                      <a:pPr marL="934085" algn="l" rtl="0">
                         <a:lnSpc>
                           <a:spcPct val="100000"/>
                         </a:lnSpc>
@@ -2492,11 +2435,14 @@
                       </a:solidFill>
                       <a:prstDash val="solid"/>
                     </a:lnL>
-                    <a:lnR w="3175">
+                    <a:lnR w="3175" cap="flat" cmpd="sng" algn="ctr">
                       <a:solidFill>
                         <a:srgbClr val="B7B8B8"/>
                       </a:solidFill>
                       <a:prstDash val="solid"/>
+                      <a:round/>
+                      <a:headEnd type="none" w="med" len="med"/>
+                      <a:tailEnd type="none" w="med" len="med"/>
                     </a:lnR>
                     <a:lnT w="76200" cap="flat" cmpd="sng" algn="ctr">
                       <a:solidFill>
@@ -2523,7 +2469,7 @@
                     <a:bodyPr/>
                     <a:lstStyle/>
                     <a:p>
-                      <a:endParaRPr lang="en-US"/>
+                      <a:endParaRPr lang="cs-CZ"/>
                     </a:p>
                   </a:txBody>
                   <a:tcPr/>
@@ -2549,22 +2495,16 @@
                         </a:spcBef>
                       </a:pPr>
                       <a:r>
-                        <a:rPr lang="en-US" sz="1000" b="1" i="0" spc="0" dirty="0">
+                        <a:rPr lang="ja-JP" sz="1000" b="1" i="0" dirty="0">
                           <a:solidFill>
                             <a:schemeClr val="bg1"/>
                           </a:solidFill>
-                          <a:latin typeface="Adobe Clean" panose="020B0503020404020204" pitchFamily="34" charset="0"/>
+                          <a:latin typeface="Adobe Clean Han Bold" panose="020B0600000000000000" pitchFamily="34" charset="-128"/>
+                          <a:ea typeface="Adobe Clean Han Bold" panose="020B0600000000000000" pitchFamily="34" charset="-128"/>
                           <a:cs typeface="AdobeClean-Light"/>
                         </a:rPr>
-                        <a:t>Assigned Experts</a:t>
+                        <a:t>担当エキスパート</a:t>
                       </a:r>
-                      <a:endParaRPr sz="1000" b="1" i="0" spc="0" dirty="0">
-                        <a:solidFill>
-                          <a:schemeClr val="bg1"/>
-                        </a:solidFill>
-                        <a:latin typeface="Adobe Clean" panose="020B0503020404020204" pitchFamily="34" charset="0"/>
-                        <a:cs typeface="AdobeClean-Light"/>
-                      </a:endParaRPr>
                     </a:p>
                   </a:txBody>
                   <a:tcPr marL="0" marR="0" marT="58419" marB="0" anchor="ctr">
@@ -2611,19 +2551,16 @@
                         </a:spcBef>
                       </a:pPr>
                       <a:r>
-                        <a:rPr sz="900" spc="0" dirty="0">
+                        <a:rPr lang="ja-JP" sz="900" dirty="0">
                           <a:solidFill>
                             <a:srgbClr val="020302"/>
                           </a:solidFill>
-                          <a:latin typeface="AdobeClean-Light"/>
+                          <a:latin typeface="Adobe Clean Han Light" panose="020B0300000000000000" pitchFamily="34" charset="-128"/>
+                          <a:ea typeface="Adobe Clean Han Light" panose="020B0300000000000000" pitchFamily="34" charset="-128"/>
                           <a:cs typeface="AdobeClean-Light"/>
                         </a:rPr>
-                        <a:t>Account Support Lead</a:t>
+                        <a:t>アカウントサポートリード</a:t>
                       </a:r>
-                      <a:endParaRPr sz="900" spc="0" dirty="0">
-                        <a:latin typeface="AdobeClean-Light"/>
-                        <a:cs typeface="AdobeClean-Light"/>
-                      </a:endParaRPr>
                     </a:p>
                   </a:txBody>
                   <a:tcPr marL="0" marR="0" marT="58419" marB="0">
@@ -2652,7 +2589,7 @@
                     <a:bodyPr/>
                     <a:lstStyle/>
                     <a:p>
-                      <a:pPr>
+                      <a:pPr algn="l" rtl="0">
                         <a:lnSpc>
                           <a:spcPct val="100000"/>
                         </a:lnSpc>
@@ -2688,7 +2625,7 @@
                     <a:bodyPr/>
                     <a:lstStyle/>
                     <a:p>
-                      <a:pPr algn="ctr">
+                      <a:pPr algn="l" rtl="0">
                         <a:lnSpc>
                           <a:spcPct val="100000"/>
                         </a:lnSpc>
@@ -2716,7 +2653,7 @@
                     <a:bodyPr/>
                     <a:lstStyle/>
                     <a:p>
-                      <a:pPr algn="ctr">
+                      <a:pPr algn="l" rtl="0">
                         <a:lnSpc>
                           <a:spcPct val="100000"/>
                         </a:lnSpc>
@@ -2760,7 +2697,7 @@
                     <a:bodyPr/>
                     <a:lstStyle/>
                     <a:p>
-                      <a:pPr marL="50800">
+                      <a:pPr marL="50800" algn="l" rtl="0">
                         <a:lnSpc>
                           <a:spcPct val="100000"/>
                         </a:lnSpc>
@@ -2806,19 +2743,16 @@
                         </a:spcBef>
                       </a:pPr>
                       <a:r>
-                        <a:rPr sz="900" spc="0" dirty="0">
+                        <a:rPr lang="ja-JP" sz="900">
                           <a:solidFill>
                             <a:srgbClr val="020302"/>
                           </a:solidFill>
-                          <a:latin typeface="AdobeClean-Light"/>
+                          <a:latin typeface="Adobe Clean Han Light" panose="020B0300000000000000" pitchFamily="34" charset="-128"/>
+                          <a:ea typeface="Adobe Clean Han Light" panose="020B0300000000000000" pitchFamily="34" charset="-128"/>
                           <a:cs typeface="AdobeClean-Light"/>
                         </a:rPr>
-                        <a:t>Named Support Engineer</a:t>
+                        <a:t>専任サポートエンジニア</a:t>
                       </a:r>
-                      <a:endParaRPr sz="900" spc="0" dirty="0">
-                        <a:latin typeface="AdobeClean-Light"/>
-                        <a:cs typeface="AdobeClean-Light"/>
-                      </a:endParaRPr>
                     </a:p>
                   </a:txBody>
                   <a:tcPr marL="0" marR="0" marT="58419" marB="0">
@@ -2841,7 +2775,7 @@
                     <a:bodyPr/>
                     <a:lstStyle/>
                     <a:p>
-                      <a:pPr>
+                      <a:pPr algn="l" rtl="0">
                         <a:lnSpc>
                           <a:spcPct val="100000"/>
                         </a:lnSpc>
@@ -2880,17 +2814,15 @@
                         </a:spcBef>
                       </a:pPr>
                       <a:r>
-                        <a:rPr sz="900" spc="0" dirty="0">
+                        <a:rPr lang="ja-JP" sz="900">
                           <a:solidFill>
                             <a:srgbClr val="020302"/>
                           </a:solidFill>
                           <a:latin typeface="Wingdings"/>
+                          <a:ea typeface="MS Mincho"/>
                         </a:rPr>
                         <a:t></a:t>
                       </a:r>
-                      <a:endParaRPr sz="900" spc="0" dirty="0">
-                        <a:latin typeface="Wingdings"/>
-                      </a:endParaRPr>
                     </a:p>
                   </a:txBody>
                   <a:tcPr marL="0" marR="0" marT="0" marB="0"/>
@@ -2909,17 +2841,22 @@
                         </a:spcBef>
                       </a:pPr>
                       <a:r>
-                        <a:rPr lang="en-US" sz="900" spc="0">
+                        <a:rPr lang="ja-JP" sz="900">
                           <a:solidFill>
                             <a:srgbClr val="020302"/>
                           </a:solidFill>
                           <a:latin typeface="Wingdings"/>
+                          <a:ea typeface="MS Mincho"/>
                           <a:cs typeface="Wingdings"/>
                         </a:rPr>
                         <a:t></a:t>
                       </a:r>
-                      <a:endParaRPr sz="900" spc="0" dirty="0">
+                      <a:endParaRPr lang="ja-JP" sz="900">
+                        <a:solidFill>
+                          <a:srgbClr val="020302"/>
+                        </a:solidFill>
                         <a:latin typeface="Wingdings"/>
+                        <a:ea typeface="MS Mincho"/>
                       </a:endParaRPr>
                     </a:p>
                   </a:txBody>
@@ -2944,7 +2881,7 @@
                     <a:bodyPr/>
                     <a:lstStyle/>
                     <a:p>
-                      <a:pPr marL="50800">
+                      <a:pPr marL="50800" algn="l" rtl="0">
                         <a:lnSpc>
                           <a:spcPct val="100000"/>
                         </a:lnSpc>
@@ -3002,19 +2939,16 @@
                         </a:spcBef>
                       </a:pPr>
                       <a:r>
-                        <a:rPr sz="900" spc="0" dirty="0">
+                        <a:rPr lang="ja-JP" sz="900">
                           <a:solidFill>
                             <a:srgbClr val="020302"/>
                           </a:solidFill>
-                          <a:latin typeface="AdobeClean-Light"/>
+                          <a:latin typeface="Adobe Clean Han Light" panose="020B0300000000000000" pitchFamily="34" charset="-128"/>
+                          <a:ea typeface="Adobe Clean Han Light" panose="020B0300000000000000" pitchFamily="34" charset="-128"/>
                           <a:cs typeface="AdobeClean-Light"/>
                         </a:rPr>
-                        <a:t>Technical Account Manager</a:t>
+                        <a:t>テクニカルアカウントマネージャー</a:t>
                       </a:r>
-                      <a:endParaRPr sz="900" spc="0" dirty="0">
-                        <a:latin typeface="AdobeClean-Light"/>
-                        <a:cs typeface="AdobeClean-Light"/>
-                      </a:endParaRPr>
                     </a:p>
                   </a:txBody>
                   <a:tcPr marL="0" marR="0" marT="63500" marB="0">
@@ -3043,7 +2977,7 @@
                     <a:bodyPr/>
                     <a:lstStyle/>
                     <a:p>
-                      <a:pPr>
+                      <a:pPr algn="l" rtl="0">
                         <a:lnSpc>
                           <a:spcPct val="100000"/>
                         </a:lnSpc>
@@ -3079,7 +3013,7 @@
                     <a:bodyPr/>
                     <a:lstStyle/>
                     <a:p>
-                      <a:pPr>
+                      <a:pPr algn="l" rtl="0">
                         <a:lnSpc>
                           <a:spcPct val="100000"/>
                         </a:lnSpc>
@@ -3104,17 +3038,18 @@
                     <a:bodyPr/>
                     <a:lstStyle/>
                     <a:p>
-                      <a:pPr>
+                      <a:pPr algn="l" rtl="0">
                         <a:lnSpc>
                           <a:spcPct val="100000"/>
                         </a:lnSpc>
                       </a:pPr>
                       <a:r>
-                        <a:rPr lang="en-US" sz="900" spc="0">
+                        <a:rPr lang="ja-JP" sz="900">
                           <a:solidFill>
                             <a:srgbClr val="020302"/>
                           </a:solidFill>
                           <a:latin typeface="Wingdings"/>
+                          <a:ea typeface="MS Mincho"/>
                           <a:cs typeface="Wingdings"/>
                         </a:rPr>
                         <a:t></a:t>
@@ -3164,22 +3099,16 @@
                         </a:spcBef>
                       </a:pPr>
                       <a:r>
-                        <a:rPr lang="en-US" sz="1000" b="1" i="0" spc="0" dirty="0">
+                        <a:rPr lang="ja-JP" sz="1000" b="1" i="0" dirty="0">
                           <a:solidFill>
                             <a:schemeClr val="bg1"/>
                           </a:solidFill>
-                          <a:latin typeface="Adobe Clean" panose="020B0503020404020204" pitchFamily="34" charset="0"/>
+                          <a:latin typeface="Adobe Clean Han Bold" panose="020B0600000000000000" pitchFamily="34" charset="-128"/>
+                          <a:ea typeface="Adobe Clean Han Bold" panose="020B0600000000000000" pitchFamily="34" charset="-128"/>
                           <a:cs typeface="AdobeClean-Light"/>
                         </a:rPr>
-                        <a:t>Support Services</a:t>
+                        <a:t>サポートサービス</a:t>
                       </a:r>
-                      <a:endParaRPr sz="1000" b="1" i="0" spc="0" dirty="0">
-                        <a:solidFill>
-                          <a:schemeClr val="bg1"/>
-                        </a:solidFill>
-                        <a:latin typeface="Adobe Clean" panose="020B0503020404020204" pitchFamily="34" charset="0"/>
-                        <a:cs typeface="AdobeClean-Light"/>
-                      </a:endParaRPr>
                     </a:p>
                   </a:txBody>
                   <a:tcPr marL="0" marR="0" marT="57150" marB="0" anchor="ctr">
@@ -3235,29 +3164,16 @@
                         </a:spcBef>
                       </a:pPr>
                       <a:r>
-                        <a:rPr lang="en-US" sz="900" spc="0" dirty="0">
+                        <a:rPr lang="ja-JP" sz="900" dirty="0">
                           <a:solidFill>
                             <a:srgbClr val="020302"/>
                           </a:solidFill>
-                          <a:latin typeface="AdobeClean-Light"/>
+                          <a:latin typeface="Adobe Clean Han Light" panose="020B0300000000000000" pitchFamily="34" charset="-128"/>
+                          <a:ea typeface="Adobe Clean Han Light" panose="020B0300000000000000" pitchFamily="34" charset="-128"/>
                           <a:cs typeface="AdobeClean-Light"/>
                         </a:rPr>
-                        <a:t>Online </a:t>
+                        <a:t>オンラインサポート</a:t>
                       </a:r>
-                      <a:r>
-                        <a:rPr sz="900" spc="0" dirty="0">
-                          <a:solidFill>
-                            <a:srgbClr val="020302"/>
-                          </a:solidFill>
-                          <a:latin typeface="AdobeClean-Light"/>
-                          <a:cs typeface="AdobeClean-Light"/>
-                        </a:rPr>
-                        <a:t> Support</a:t>
-                      </a:r>
-                      <a:endParaRPr sz="900" spc="0" dirty="0">
-                        <a:latin typeface="AdobeClean-Light"/>
-                        <a:cs typeface="AdobeClean-Light"/>
-                      </a:endParaRPr>
                     </a:p>
                   </a:txBody>
                   <a:tcPr marL="0" marR="0" marT="57150" marB="0">
@@ -3295,19 +3211,16 @@
                         </a:spcBef>
                       </a:pPr>
                       <a:r>
-                        <a:rPr sz="800" spc="0" dirty="0">
+                        <a:rPr lang="ja-JP" sz="800" dirty="0">
                           <a:solidFill>
                             <a:srgbClr val="020302"/>
                           </a:solidFill>
-                          <a:latin typeface="AdobeClean-Light"/>
+                          <a:latin typeface="Adobe Clean Han Light" panose="020B0300000000000000" pitchFamily="34" charset="-128"/>
+                          <a:ea typeface="Adobe Clean Han Light" panose="020B0300000000000000" pitchFamily="34" charset="-128"/>
                           <a:cs typeface="AdobeClean-Light"/>
                         </a:rPr>
-                        <a:t>Business hours</a:t>
+                        <a:t>営業時間内</a:t>
                       </a:r>
-                      <a:endParaRPr sz="800" spc="0" dirty="0">
-                        <a:latin typeface="AdobeClean-Light"/>
-                        <a:cs typeface="AdobeClean-Light"/>
-                      </a:endParaRPr>
                     </a:p>
                   </a:txBody>
                   <a:tcPr marL="0" marR="0" marT="67945" marB="0">
@@ -3344,17 +3257,15 @@
                         </a:spcBef>
                       </a:pPr>
                       <a:r>
-                        <a:rPr sz="800" spc="0" dirty="0">
+                        <a:rPr lang="ja-JP" sz="800" dirty="0">
                           <a:solidFill>
                             <a:srgbClr val="020302"/>
                           </a:solidFill>
-                          <a:latin typeface="AdobeClean-Light"/>
+                          <a:latin typeface="Adobe Clean Han Light" panose="020B0300000000000000" pitchFamily="34" charset="-128"/>
+                          <a:ea typeface="Adobe Clean Han Light" panose="020B0300000000000000" pitchFamily="34" charset="-128"/>
                         </a:rPr>
-                        <a:t>24X5</a:t>
+                        <a:t>平日 24 時間</a:t>
                       </a:r>
-                      <a:endParaRPr sz="800" spc="0" dirty="0">
-                        <a:latin typeface="AdobeClean-Light"/>
-                      </a:endParaRPr>
                     </a:p>
                   </a:txBody>
                   <a:tcPr marL="0" marR="0" marT="67945" marB="0">
@@ -3380,17 +3291,22 @@
                         </a:spcBef>
                       </a:pPr>
                       <a:r>
-                        <a:rPr lang="en-US" sz="800" spc="0">
+                        <a:rPr lang="ja-JP" sz="800">
                           <a:solidFill>
                             <a:srgbClr val="020302"/>
                           </a:solidFill>
-                          <a:latin typeface="AdobeClean-Light"/>
+                          <a:latin typeface="Adobe Clean Han Light" panose="020B0300000000000000" pitchFamily="34" charset="-128"/>
+                          <a:ea typeface="Adobe Clean Han Light" panose="020B0300000000000000" pitchFamily="34" charset="-128"/>
                           <a:cs typeface="AdobeClean-Light"/>
                         </a:rPr>
-                        <a:t>24X5</a:t>
+                        <a:t>平日 24 時間</a:t>
                       </a:r>
-                      <a:endParaRPr sz="800" spc="0" dirty="0">
-                        <a:latin typeface="AdobeClean-Light"/>
+                      <a:endParaRPr lang="ja-JP" sz="800" dirty="0">
+                        <a:solidFill>
+                          <a:srgbClr val="020302"/>
+                        </a:solidFill>
+                        <a:latin typeface="Adobe Clean Han Light" panose="020B0300000000000000" pitchFamily="34" charset="-128"/>
+                        <a:ea typeface="Adobe Clean Han Light" panose="020B0300000000000000" pitchFamily="34" charset="-128"/>
                       </a:endParaRPr>
                     </a:p>
                   </a:txBody>
@@ -3424,7 +3340,7 @@
                     <a:bodyPr/>
                     <a:lstStyle/>
                     <a:p>
-                      <a:pPr marL="50800">
+                      <a:pPr marL="50800" algn="l" rtl="0">
                         <a:lnSpc>
                           <a:spcPct val="100000"/>
                         </a:lnSpc>
@@ -3473,39 +3389,16 @@
                         </a:spcBef>
                       </a:pPr>
                       <a:r>
-                        <a:rPr sz="900" spc="0" dirty="0">
+                        <a:rPr lang="ja-JP" sz="900">
                           <a:solidFill>
                             <a:srgbClr val="020302"/>
                           </a:solidFill>
-                          <a:latin typeface="AdobeClean-Light"/>
+                          <a:latin typeface="Adobe Clean Han Light" panose="020B0300000000000000" pitchFamily="34" charset="-128"/>
+                          <a:ea typeface="Adobe Clean Han Light" panose="020B0300000000000000" pitchFamily="34" charset="-128"/>
                           <a:cs typeface="AdobeClean-Light"/>
                         </a:rPr>
-                        <a:t>24x7</a:t>
+                        <a:t>24 時間年中無休の P1 の問題のサポート</a:t>
                       </a:r>
-                      <a:r>
-                        <a:rPr lang="en-US" sz="900" spc="0" dirty="0">
-                          <a:solidFill>
-                            <a:srgbClr val="020302"/>
-                          </a:solidFill>
-                          <a:latin typeface="AdobeClean-Light"/>
-                          <a:cs typeface="AdobeClean-Light"/>
-                        </a:rPr>
-                        <a:t>x365</a:t>
-                      </a:r>
-                      <a:r>
-                        <a:rPr sz="900" spc="0" dirty="0">
-                          <a:solidFill>
-                            <a:srgbClr val="020302"/>
-                          </a:solidFill>
-                          <a:latin typeface="AdobeClean-Light"/>
-                          <a:cs typeface="AdobeClean-Light"/>
-                        </a:rPr>
-                        <a:t> P1 Issue Support</a:t>
-                      </a:r>
-                      <a:endParaRPr sz="900" spc="0" dirty="0">
-                        <a:latin typeface="AdobeClean-Light"/>
-                        <a:cs typeface="AdobeClean-Light"/>
-                      </a:endParaRPr>
                     </a:p>
                   </a:txBody>
                   <a:tcPr marL="0" marR="0" marT="57785" marB="0">
@@ -3537,19 +3430,16 @@
                         </a:spcBef>
                       </a:pPr>
                       <a:r>
-                        <a:rPr sz="900" spc="0" dirty="0">
+                        <a:rPr lang="ja-JP" sz="900">
                           <a:solidFill>
                             <a:srgbClr val="020302"/>
                           </a:solidFill>
                           <a:latin typeface="Wingdings"/>
+                          <a:ea typeface="MS Mincho"/>
                           <a:cs typeface="Wingdings"/>
                         </a:rPr>
                         <a:t></a:t>
                       </a:r>
-                      <a:endParaRPr sz="900" spc="0">
-                        <a:latin typeface="Wingdings"/>
-                        <a:cs typeface="Wingdings"/>
-                      </a:endParaRPr>
                     </a:p>
                   </a:txBody>
                   <a:tcPr marL="0" marR="0" marT="58419" marB="0">
@@ -3580,17 +3470,15 @@
                         </a:spcBef>
                       </a:pPr>
                       <a:r>
-                        <a:rPr sz="900" spc="0" dirty="0">
+                        <a:rPr lang="ja-JP" sz="900">
                           <a:solidFill>
                             <a:srgbClr val="020302"/>
                           </a:solidFill>
                           <a:latin typeface="Wingdings"/>
+                          <a:ea typeface="MS Mincho"/>
                         </a:rPr>
                         <a:t></a:t>
                       </a:r>
-                      <a:endParaRPr sz="900" spc="0" dirty="0">
-                        <a:latin typeface="Wingdings"/>
-                      </a:endParaRPr>
                     </a:p>
                   </a:txBody>
                   <a:tcPr marL="0" marR="0" marT="58419" marB="0"/>
@@ -3609,17 +3497,22 @@
                         </a:spcBef>
                       </a:pPr>
                       <a:r>
-                        <a:rPr lang="en-US" sz="900" spc="0">
+                        <a:rPr lang="ja-JP" sz="900">
                           <a:solidFill>
                             <a:srgbClr val="020302"/>
                           </a:solidFill>
                           <a:latin typeface="Wingdings"/>
+                          <a:ea typeface="MS Mincho"/>
                           <a:cs typeface="Wingdings"/>
                         </a:rPr>
                         <a:t></a:t>
                       </a:r>
-                      <a:endParaRPr sz="900" spc="0" dirty="0">
+                      <a:endParaRPr lang="ja-JP" sz="900">
+                        <a:solidFill>
+                          <a:srgbClr val="020302"/>
+                        </a:solidFill>
                         <a:latin typeface="Wingdings"/>
+                        <a:ea typeface="MS Mincho"/>
                       </a:endParaRPr>
                     </a:p>
                   </a:txBody>
@@ -3644,7 +3537,7 @@
                     <a:bodyPr/>
                     <a:lstStyle/>
                     <a:p>
-                      <a:pPr marL="50800">
+                      <a:pPr marL="50800" algn="l" rtl="0">
                         <a:lnSpc>
                           <a:spcPct val="100000"/>
                         </a:lnSpc>
@@ -3693,19 +3586,16 @@
                         </a:spcBef>
                       </a:pPr>
                       <a:r>
-                        <a:rPr lang="en-US" sz="900" spc="0" dirty="0">
+                        <a:rPr lang="ja-JP" sz="900">
                           <a:solidFill>
                             <a:srgbClr val="020302"/>
                           </a:solidFill>
-                          <a:latin typeface="AdobeClean-Light"/>
+                          <a:latin typeface="Adobe Clean Han Light" panose="020B0300000000000000" pitchFamily="34" charset="-128"/>
+                          <a:ea typeface="Adobe Clean Han Light" panose="020B0300000000000000" pitchFamily="34" charset="-128"/>
                           <a:cs typeface="AdobeClean-Light"/>
                         </a:rPr>
-                        <a:t>Named Support Contacts (per product)</a:t>
+                        <a:t>サポート対象ユーザー（製品単位）</a:t>
                       </a:r>
-                      <a:endParaRPr sz="900" spc="0" dirty="0">
-                        <a:latin typeface="AdobeClean-Light"/>
-                        <a:cs typeface="AdobeClean-Light"/>
-                      </a:endParaRPr>
                     </a:p>
                   </a:txBody>
                   <a:tcPr marL="0" marR="0" marT="57785" marB="0">
@@ -3737,19 +3627,16 @@
                         </a:spcBef>
                       </a:pPr>
                       <a:r>
-                        <a:rPr sz="900" spc="0" dirty="0">
+                        <a:rPr lang="ja-JP" sz="900" dirty="0">
                           <a:solidFill>
                             <a:srgbClr val="020302"/>
                           </a:solidFill>
-                          <a:latin typeface="AdobeClean-Light"/>
+                          <a:latin typeface="Adobe Clean Han Light" panose="020B0300000000000000" pitchFamily="34" charset="-128"/>
+                          <a:ea typeface="Adobe Clean Han Light" panose="020B0300000000000000" pitchFamily="34" charset="-128"/>
                           <a:cs typeface="AdobeClean-Light"/>
                         </a:rPr>
                         <a:t>4</a:t>
                       </a:r>
-                      <a:endParaRPr sz="900" spc="0" dirty="0">
-                        <a:latin typeface="AdobeClean-Light"/>
-                        <a:cs typeface="AdobeClean-Light"/>
-                      </a:endParaRPr>
                     </a:p>
                   </a:txBody>
                   <a:tcPr marL="0" marR="0" marT="57785" marB="0">
@@ -3780,17 +3667,15 @@
                         </a:spcBef>
                       </a:pPr>
                       <a:r>
-                        <a:rPr sz="900" spc="0" dirty="0">
+                        <a:rPr lang="ja-JP" sz="900" dirty="0">
                           <a:solidFill>
                             <a:srgbClr val="020302"/>
                           </a:solidFill>
-                          <a:latin typeface="AdobeClean-Light"/>
+                          <a:latin typeface="Adobe Clean Han Light" panose="020B0300000000000000" pitchFamily="34" charset="-128"/>
+                          <a:ea typeface="Adobe Clean Han Light" panose="020B0300000000000000" pitchFamily="34" charset="-128"/>
                         </a:rPr>
                         <a:t>10</a:t>
                       </a:r>
-                      <a:endParaRPr sz="900" spc="0" dirty="0">
-                        <a:latin typeface="AdobeClean-Light"/>
-                      </a:endParaRPr>
                     </a:p>
                   </a:txBody>
                   <a:tcPr marL="0" marR="0" marT="57785" marB="0"/>
@@ -3809,17 +3694,22 @@
                         </a:spcBef>
                       </a:pPr>
                       <a:r>
-                        <a:rPr lang="en-US" sz="900" spc="0">
+                        <a:rPr lang="ja-JP" sz="900">
                           <a:solidFill>
                             <a:srgbClr val="020302"/>
                           </a:solidFill>
-                          <a:latin typeface="AdobeClean-Light"/>
+                          <a:latin typeface="Adobe Clean Han Light" panose="020B0300000000000000" pitchFamily="34" charset="-128"/>
+                          <a:ea typeface="Adobe Clean Han Light" panose="020B0300000000000000" pitchFamily="34" charset="-128"/>
                           <a:cs typeface="AdobeClean-Light"/>
                         </a:rPr>
                         <a:t>15</a:t>
                       </a:r>
-                      <a:endParaRPr sz="900" spc="0" dirty="0">
-                        <a:latin typeface="AdobeClean-Light"/>
+                      <a:endParaRPr lang="ja-JP" sz="900" dirty="0">
+                        <a:solidFill>
+                          <a:srgbClr val="020302"/>
+                        </a:solidFill>
+                        <a:latin typeface="Adobe Clean Han Light" panose="020B0300000000000000" pitchFamily="34" charset="-128"/>
+                        <a:ea typeface="Adobe Clean Han Light" panose="020B0300000000000000" pitchFamily="34" charset="-128"/>
                       </a:endParaRPr>
                     </a:p>
                   </a:txBody>
@@ -3844,7 +3734,7 @@
                     <a:bodyPr/>
                     <a:lstStyle/>
                     <a:p>
-                      <a:pPr marL="50800">
+                      <a:pPr marL="50800" algn="l" rtl="0">
                         <a:lnSpc>
                           <a:spcPct val="100000"/>
                         </a:lnSpc>
@@ -3893,19 +3783,16 @@
                         </a:spcBef>
                       </a:pPr>
                       <a:r>
-                        <a:rPr lang="en-US" sz="900" spc="0" dirty="0">
+                        <a:rPr lang="ja-JP" sz="900" dirty="0">
                           <a:solidFill>
                             <a:srgbClr val="020302"/>
                           </a:solidFill>
-                          <a:latin typeface="AdobeClean-Light"/>
+                          <a:latin typeface="Adobe Clean Han Light" panose="020B0300000000000000" pitchFamily="34" charset="-128"/>
+                          <a:ea typeface="Adobe Clean Han Light" panose="020B0300000000000000" pitchFamily="34" charset="-128"/>
                           <a:cs typeface="AdobeClean-Light"/>
                         </a:rPr>
-                        <a:t>Live Telephone Support</a:t>
+                        <a:t>電話サポート（ライブ）</a:t>
                       </a:r>
-                      <a:endParaRPr sz="900" spc="0" dirty="0">
-                        <a:latin typeface="AdobeClean-Light"/>
-                        <a:cs typeface="AdobeClean-Light"/>
-                      </a:endParaRPr>
                     </a:p>
                   </a:txBody>
                   <a:tcPr marL="0" marR="0" marT="57785" marB="0">
@@ -3928,7 +3815,7 @@
                     <a:bodyPr/>
                     <a:lstStyle/>
                     <a:p>
-                      <a:pPr>
+                      <a:pPr algn="l" rtl="0">
                         <a:lnSpc>
                           <a:spcPct val="100000"/>
                         </a:lnSpc>
@@ -3967,17 +3854,15 @@
                         </a:spcBef>
                       </a:pPr>
                       <a:r>
-                        <a:rPr sz="900" spc="0" dirty="0">
+                        <a:rPr lang="ja-JP" sz="900">
                           <a:solidFill>
                             <a:srgbClr val="020302"/>
                           </a:solidFill>
                           <a:latin typeface="Wingdings"/>
+                          <a:ea typeface="MS Mincho"/>
                         </a:rPr>
                         <a:t></a:t>
                       </a:r>
-                      <a:endParaRPr sz="900" spc="0" dirty="0">
-                        <a:latin typeface="Wingdings"/>
-                      </a:endParaRPr>
                     </a:p>
                   </a:txBody>
                   <a:tcPr marL="0" marR="0" marT="59054" marB="0"/>
@@ -3996,17 +3881,22 @@
                         </a:spcBef>
                       </a:pPr>
                       <a:r>
-                        <a:rPr lang="en-US" sz="900" spc="0">
+                        <a:rPr lang="ja-JP" sz="900">
                           <a:solidFill>
                             <a:srgbClr val="020302"/>
                           </a:solidFill>
                           <a:latin typeface="Wingdings"/>
+                          <a:ea typeface="MS Mincho"/>
                           <a:cs typeface="Wingdings"/>
                         </a:rPr>
                         <a:t></a:t>
                       </a:r>
-                      <a:endParaRPr sz="900" spc="0" dirty="0">
+                      <a:endParaRPr lang="ja-JP" sz="900">
+                        <a:solidFill>
+                          <a:srgbClr val="020302"/>
+                        </a:solidFill>
                         <a:latin typeface="Wingdings"/>
+                        <a:ea typeface="MS Mincho"/>
                       </a:endParaRPr>
                     </a:p>
                   </a:txBody>
@@ -4031,7 +3921,7 @@
                     <a:bodyPr/>
                     <a:lstStyle/>
                     <a:p>
-                      <a:pPr marL="50800">
+                      <a:pPr marL="50800" algn="l" rtl="0">
                         <a:lnSpc>
                           <a:spcPct val="100000"/>
                         </a:lnSpc>
@@ -4080,19 +3970,16 @@
                         </a:spcBef>
                       </a:pPr>
                       <a:r>
-                        <a:rPr sz="900" spc="0" dirty="0">
+                        <a:rPr lang="ja-JP" sz="900">
                           <a:solidFill>
                             <a:srgbClr val="020302"/>
                           </a:solidFill>
-                          <a:latin typeface="AdobeClean-Light"/>
+                          <a:latin typeface="Adobe Clean Han Light" panose="020B0300000000000000" pitchFamily="34" charset="-128"/>
+                          <a:ea typeface="Adobe Clean Han Light" panose="020B0300000000000000" pitchFamily="34" charset="-128"/>
                           <a:cs typeface="AdobeClean-Light"/>
                         </a:rPr>
-                        <a:t>Escalation Management</a:t>
+                        <a:t>エスカレーション管理</a:t>
                       </a:r>
-                      <a:endParaRPr sz="900" spc="0" dirty="0">
-                        <a:latin typeface="AdobeClean-Light"/>
-                        <a:cs typeface="AdobeClean-Light"/>
-                      </a:endParaRPr>
                     </a:p>
                   </a:txBody>
                   <a:tcPr marL="0" marR="0" marT="58419" marB="0">
@@ -4115,7 +4002,7 @@
                     <a:bodyPr/>
                     <a:lstStyle/>
                     <a:p>
-                      <a:pPr>
+                      <a:pPr algn="l" rtl="0">
                         <a:lnSpc>
                           <a:spcPct val="100000"/>
                         </a:lnSpc>
@@ -4154,17 +4041,15 @@
                         </a:spcBef>
                       </a:pPr>
                       <a:r>
-                        <a:rPr sz="900" spc="0" dirty="0">
+                        <a:rPr lang="ja-JP" sz="900">
                           <a:solidFill>
                             <a:srgbClr val="020302"/>
                           </a:solidFill>
                           <a:latin typeface="Wingdings"/>
+                          <a:ea typeface="MS Mincho"/>
                         </a:rPr>
                         <a:t></a:t>
                       </a:r>
-                      <a:endParaRPr sz="900" spc="0" dirty="0">
-                        <a:latin typeface="Wingdings"/>
-                      </a:endParaRPr>
                     </a:p>
                   </a:txBody>
                   <a:tcPr marL="0" marR="0" marT="59690" marB="0"/>
@@ -4183,17 +4068,22 @@
                         </a:spcBef>
                       </a:pPr>
                       <a:r>
-                        <a:rPr lang="en-US" sz="900" spc="0">
+                        <a:rPr lang="ja-JP" sz="900">
                           <a:solidFill>
                             <a:srgbClr val="020302"/>
                           </a:solidFill>
                           <a:latin typeface="Wingdings"/>
+                          <a:ea typeface="MS Mincho"/>
                           <a:cs typeface="Wingdings"/>
                         </a:rPr>
                         <a:t></a:t>
                       </a:r>
-                      <a:endParaRPr sz="900" spc="0" dirty="0">
+                      <a:endParaRPr lang="ja-JP" sz="900">
+                        <a:solidFill>
+                          <a:srgbClr val="020302"/>
+                        </a:solidFill>
                         <a:latin typeface="Wingdings"/>
+                        <a:ea typeface="MS Mincho"/>
                       </a:endParaRPr>
                     </a:p>
                   </a:txBody>
@@ -4218,7 +4108,7 @@
                     <a:bodyPr/>
                     <a:lstStyle/>
                     <a:p>
-                      <a:pPr marL="50800">
+                      <a:pPr marL="50800" algn="l" rtl="0">
                         <a:lnSpc>
                           <a:spcPct val="100000"/>
                         </a:lnSpc>
@@ -4267,19 +4157,16 @@
                         </a:spcBef>
                       </a:pPr>
                       <a:r>
-                        <a:rPr sz="900" spc="0" dirty="0">
+                        <a:rPr lang="ja-JP" sz="900">
                           <a:solidFill>
                             <a:srgbClr val="020302"/>
                           </a:solidFill>
-                          <a:latin typeface="AdobeClean-Light"/>
+                          <a:latin typeface="Adobe Clean Han Light" panose="020B0300000000000000" pitchFamily="34" charset="-128"/>
+                          <a:ea typeface="Adobe Clean Han Light" panose="020B0300000000000000" pitchFamily="34" charset="-128"/>
                           <a:cs typeface="AdobeClean-Light"/>
                         </a:rPr>
-                        <a:t>Service Reviews  per Year</a:t>
+                        <a:t>年間のサービスレビュー</a:t>
                       </a:r>
-                      <a:endParaRPr sz="900" spc="0" dirty="0">
-                        <a:latin typeface="AdobeClean-Light"/>
-                        <a:cs typeface="AdobeClean-Light"/>
-                      </a:endParaRPr>
                     </a:p>
                   </a:txBody>
                   <a:tcPr marL="0" marR="0" marT="57150" marB="0">
@@ -4302,7 +4189,7 @@
                     <a:bodyPr/>
                     <a:lstStyle/>
                     <a:p>
-                      <a:pPr>
+                      <a:pPr algn="l" rtl="0">
                         <a:lnSpc>
                           <a:spcPct val="100000"/>
                         </a:lnSpc>
@@ -4341,17 +4228,15 @@
                         </a:spcBef>
                       </a:pPr>
                       <a:r>
-                        <a:rPr sz="900" spc="0" dirty="0">
+                        <a:rPr lang="ja-JP" sz="900" dirty="0">
                           <a:solidFill>
                             <a:srgbClr val="020302"/>
                           </a:solidFill>
-                          <a:latin typeface="AdobeClean-Light"/>
+                          <a:latin typeface="Adobe Clean Han Light" panose="020B0300000000000000" pitchFamily="34" charset="-128"/>
+                          <a:ea typeface="Adobe Clean Han Light" panose="020B0300000000000000" pitchFamily="34" charset="-128"/>
                         </a:rPr>
                         <a:t>2</a:t>
                       </a:r>
-                      <a:endParaRPr sz="900" spc="0" dirty="0">
-                        <a:latin typeface="AdobeClean-Light"/>
-                      </a:endParaRPr>
                     </a:p>
                   </a:txBody>
                   <a:tcPr marL="0" marR="0" marT="0" marB="0"/>
@@ -4370,17 +4255,22 @@
                         </a:spcBef>
                       </a:pPr>
                       <a:r>
-                        <a:rPr lang="en-US" sz="900" spc="0">
+                        <a:rPr lang="ja-JP" sz="900">
                           <a:solidFill>
                             <a:srgbClr val="020302"/>
                           </a:solidFill>
-                          <a:latin typeface="AdobeClean-Light"/>
+                          <a:latin typeface="Adobe Clean Han Light" panose="020B0300000000000000" pitchFamily="34" charset="-128"/>
+                          <a:ea typeface="Adobe Clean Han Light" panose="020B0300000000000000" pitchFamily="34" charset="-128"/>
                           <a:cs typeface="AdobeClean-Light"/>
                         </a:rPr>
                         <a:t>4</a:t>
                       </a:r>
-                      <a:endParaRPr sz="900" spc="0" dirty="0">
-                        <a:latin typeface="AdobeClean-Light"/>
+                      <a:endParaRPr lang="ja-JP" sz="900" dirty="0">
+                        <a:solidFill>
+                          <a:srgbClr val="020302"/>
+                        </a:solidFill>
+                        <a:latin typeface="Adobe Clean Han Light" panose="020B0300000000000000" pitchFamily="34" charset="-128"/>
+                        <a:ea typeface="Adobe Clean Han Light" panose="020B0300000000000000" pitchFamily="34" charset="-128"/>
                       </a:endParaRPr>
                     </a:p>
                   </a:txBody>
@@ -4424,16 +4314,13 @@
                         </a:spcBef>
                       </a:pPr>
                       <a:r>
-                        <a:rPr lang="en-US" sz="900" spc="0" dirty="0">
-                          <a:latin typeface="AdobeClean-Light"/>
+                        <a:rPr lang="ja-JP" sz="900" dirty="0">
+                          <a:latin typeface="Adobe Clean Han Light" panose="020B0300000000000000" pitchFamily="34" charset="-128"/>
+                          <a:ea typeface="Adobe Clean Han Light" panose="020B0300000000000000" pitchFamily="34" charset="-128"/>
                           <a:cs typeface="AdobeClean-Light"/>
                         </a:rPr>
-                        <a:t>Expert Sessions per Year</a:t>
+                        <a:t>年間のエキスパートセッション</a:t>
                       </a:r>
-                      <a:endParaRPr sz="900" spc="0" dirty="0">
-                        <a:latin typeface="AdobeClean-Light"/>
-                        <a:cs typeface="AdobeClean-Light"/>
-                      </a:endParaRPr>
                     </a:p>
                   </a:txBody>
                   <a:tcPr marL="0" marR="0" marT="57150" marB="0">
@@ -4462,7 +4349,7 @@
                     <a:bodyPr/>
                     <a:lstStyle/>
                     <a:p>
-                      <a:pPr>
+                      <a:pPr algn="l" rtl="0">
                         <a:lnSpc>
                           <a:spcPct val="100000"/>
                         </a:lnSpc>
@@ -4504,14 +4391,12 @@
                         </a:spcBef>
                       </a:pPr>
                       <a:r>
-                        <a:rPr lang="en-US" sz="900" spc="0" dirty="0">
-                          <a:latin typeface="AdobeClean-Light"/>
+                        <a:rPr lang="ja-JP" sz="900" dirty="0">
+                          <a:latin typeface="Adobe Clean Han Light" panose="020B0300000000000000" pitchFamily="34" charset="-128"/>
+                          <a:ea typeface="Adobe Clean Han Light" panose="020B0300000000000000" pitchFamily="34" charset="-128"/>
                         </a:rPr>
                         <a:t>2</a:t>
                       </a:r>
-                      <a:endParaRPr sz="900" spc="0" dirty="0">
-                        <a:latin typeface="AdobeClean-Light"/>
-                      </a:endParaRPr>
                     </a:p>
                   </a:txBody>
                   <a:tcPr marL="0" marR="0" marT="0" marB="0"/>
@@ -4530,14 +4415,16 @@
                         </a:spcBef>
                       </a:pPr>
                       <a:r>
-                        <a:rPr lang="en-US" sz="900" spc="0">
-                          <a:latin typeface="AdobeClean-Light"/>
+                        <a:rPr lang="ja-JP" sz="900">
+                          <a:latin typeface="Adobe Clean Han Light" panose="020B0300000000000000" pitchFamily="34" charset="-128"/>
+                          <a:ea typeface="Adobe Clean Han Light" panose="020B0300000000000000" pitchFamily="34" charset="-128"/>
                           <a:cs typeface="AdobeClean-Light"/>
                         </a:rPr>
                         <a:t>4</a:t>
                       </a:r>
-                      <a:endParaRPr sz="900" spc="0" dirty="0">
-                        <a:latin typeface="AdobeClean-Light"/>
+                      <a:endParaRPr lang="ja-JP" sz="900" dirty="0">
+                        <a:latin typeface="Adobe Clean Han Light" panose="020B0300000000000000" pitchFamily="34" charset="-128"/>
+                        <a:ea typeface="Adobe Clean Han Light" panose="020B0300000000000000" pitchFamily="34" charset="-128"/>
                       </a:endParaRPr>
                     </a:p>
                   </a:txBody>
@@ -4581,16 +4468,13 @@
                         </a:spcBef>
                       </a:pPr>
                       <a:r>
-                        <a:rPr lang="en-US" sz="900" spc="0" dirty="0">
-                          <a:latin typeface="AdobeClean-Light"/>
+                        <a:rPr lang="ja-JP" sz="900">
+                          <a:latin typeface="Adobe Clean Han Light" panose="020B0300000000000000" pitchFamily="34" charset="-128"/>
+                          <a:ea typeface="Adobe Clean Han Light" panose="020B0300000000000000" pitchFamily="34" charset="-128"/>
                           <a:cs typeface="AdobeClean-Light"/>
                         </a:rPr>
-                        <a:t>Case Reviews</a:t>
+                        <a:t>ケースレビュー</a:t>
                       </a:r>
-                      <a:endParaRPr sz="900" spc="0" dirty="0">
-                        <a:latin typeface="AdobeClean-Light"/>
-                        <a:cs typeface="AdobeClean-Light"/>
-                      </a:endParaRPr>
                     </a:p>
                   </a:txBody>
                   <a:tcPr marL="0" marR="0" marT="57150" marB="0">
@@ -4619,7 +4503,7 @@
                     <a:bodyPr/>
                     <a:lstStyle/>
                     <a:p>
-                      <a:pPr>
+                      <a:pPr algn="l" rtl="0">
                         <a:lnSpc>
                           <a:spcPct val="100000"/>
                         </a:lnSpc>
@@ -4670,17 +4554,15 @@
                         <a:defRPr/>
                       </a:pPr>
                       <a:r>
-                        <a:rPr lang="en-US" sz="900" spc="0" dirty="0">
+                        <a:rPr lang="ja-JP" sz="900" dirty="0">
                           <a:solidFill>
                             <a:srgbClr val="020302"/>
                           </a:solidFill>
                           <a:latin typeface="Wingdings"/>
+                          <a:ea typeface="MS Mincho"/>
                         </a:rPr>
                         <a:t></a:t>
                       </a:r>
-                      <a:endParaRPr lang="en-US" sz="900" spc="0" dirty="0">
-                        <a:latin typeface="Wingdings"/>
-                      </a:endParaRPr>
                     </a:p>
                   </a:txBody>
                   <a:tcPr marL="0" marR="0" marT="0" marB="0"/>
@@ -4708,17 +4590,22 @@
                         <a:defRPr/>
                       </a:pPr>
                       <a:r>
-                        <a:rPr lang="en-US" sz="900" spc="0">
+                        <a:rPr lang="ja-JP" sz="900">
                           <a:solidFill>
                             <a:srgbClr val="020302"/>
                           </a:solidFill>
                           <a:latin typeface="Wingdings"/>
+                          <a:ea typeface="MS Mincho"/>
                           <a:cs typeface="Wingdings"/>
                         </a:rPr>
                         <a:t></a:t>
                       </a:r>
-                      <a:endParaRPr lang="en-US" sz="900" spc="0" dirty="0">
+                      <a:endParaRPr lang="ja-JP" sz="900">
+                        <a:solidFill>
+                          <a:srgbClr val="020302"/>
+                        </a:solidFill>
                         <a:latin typeface="Wingdings"/>
+                        <a:ea typeface="MS Mincho"/>
                       </a:endParaRPr>
                     </a:p>
                   </a:txBody>
@@ -4743,7 +4630,7 @@
                     <a:bodyPr/>
                     <a:lstStyle/>
                     <a:p>
-                      <a:pPr marL="48895">
+                      <a:pPr marL="48895" algn="l" rtl="0">
                         <a:lnSpc>
                           <a:spcPct val="100000"/>
                         </a:lnSpc>
@@ -4792,19 +4679,16 @@
                         </a:spcBef>
                       </a:pPr>
                       <a:r>
-                        <a:rPr sz="900" spc="0" dirty="0">
+                        <a:rPr lang="ja-JP" sz="900" dirty="0">
                           <a:solidFill>
                             <a:srgbClr val="020302"/>
                           </a:solidFill>
-                          <a:latin typeface="AdobeClean-Light"/>
+                          <a:latin typeface="Adobe Clean Han Light" panose="020B0300000000000000" pitchFamily="34" charset="-128"/>
+                          <a:ea typeface="Adobe Clean Han Light" panose="020B0300000000000000" pitchFamily="34" charset="-128"/>
                           <a:cs typeface="AdobeClean-Light"/>
                         </a:rPr>
-                        <a:t>Event Management</a:t>
+                        <a:t>イベント管理</a:t>
                       </a:r>
-                      <a:endParaRPr sz="900" spc="0" dirty="0">
-                        <a:latin typeface="AdobeClean-Light"/>
-                        <a:cs typeface="AdobeClean-Light"/>
-                      </a:endParaRPr>
                     </a:p>
                   </a:txBody>
                   <a:tcPr marL="0" marR="0" marT="58419" marB="0">
@@ -4827,7 +4711,7 @@
                     <a:bodyPr/>
                     <a:lstStyle/>
                     <a:p>
-                      <a:pPr>
+                      <a:pPr algn="l" rtl="0">
                         <a:lnSpc>
                           <a:spcPct val="100000"/>
                         </a:lnSpc>
@@ -4857,7 +4741,7 @@
                     <a:bodyPr/>
                     <a:lstStyle/>
                     <a:p>
-                      <a:pPr>
+                      <a:pPr algn="l" rtl="0">
                         <a:lnSpc>
                           <a:spcPct val="100000"/>
                         </a:lnSpc>
@@ -4875,17 +4759,18 @@
                     <a:bodyPr/>
                     <a:lstStyle/>
                     <a:p>
-                      <a:pPr>
+                      <a:pPr algn="l" rtl="0">
                         <a:lnSpc>
                           <a:spcPct val="100000"/>
                         </a:lnSpc>
                       </a:pPr>
                       <a:r>
-                        <a:rPr lang="en-US" sz="900" spc="0">
+                        <a:rPr lang="ja-JP" sz="900">
                           <a:solidFill>
                             <a:srgbClr val="020302"/>
                           </a:solidFill>
                           <a:latin typeface="Wingdings"/>
+                          <a:ea typeface="MS Mincho"/>
                           <a:cs typeface="Wingdings"/>
                         </a:rPr>
                         <a:t></a:t>
@@ -4917,7 +4802,7 @@
                     <a:bodyPr/>
                     <a:lstStyle/>
                     <a:p>
-                      <a:pPr marL="48895">
+                      <a:pPr marL="48895" algn="l" rtl="0">
                         <a:lnSpc>
                           <a:spcPct val="100000"/>
                         </a:lnSpc>
@@ -4975,34 +4860,15 @@
                         </a:spcBef>
                       </a:pPr>
                       <a:r>
-                        <a:rPr sz="900" spc="0" dirty="0">
+                        <a:rPr lang="ja-JP" sz="900" dirty="0">
                           <a:solidFill>
                             <a:srgbClr val="020302"/>
                           </a:solidFill>
-                          <a:latin typeface="AdobeClean-Light"/>
+                          <a:latin typeface="Adobe Clean Han Light" panose="020B0300000000000000" pitchFamily="34" charset="-128"/>
+                          <a:ea typeface="Adobe Clean Han Light" panose="020B0300000000000000" pitchFamily="34" charset="-128"/>
                           <a:cs typeface="AdobeClean-Light"/>
                         </a:rPr>
-                        <a:t>Environment</a:t>
-                      </a:r>
-                      <a:r>
-                        <a:rPr lang="en-US" sz="900" spc="0" dirty="0">
-                          <a:solidFill>
-                            <a:srgbClr val="020302"/>
-                          </a:solidFill>
-                          <a:latin typeface="AdobeClean-Light"/>
-                          <a:cs typeface="AdobeClean-Light"/>
-                        </a:rPr>
-                        <a:t> </a:t>
-                      </a:r>
-                      <a:r>
-                        <a:rPr sz="900" spc="0" dirty="0">
-                          <a:solidFill>
-                            <a:srgbClr val="020302"/>
-                          </a:solidFill>
-                          <a:latin typeface="AdobeClean-Light"/>
-                          <a:cs typeface="AdobeClean-Light"/>
-                        </a:rPr>
-                        <a:t>Review, Maintenance &amp; Monitoring</a:t>
+                        <a:t>環境レビュー、メンテナンスと監視</a:t>
                       </a:r>
                     </a:p>
                   </a:txBody>
@@ -5032,7 +4898,7 @@
                     <a:bodyPr/>
                     <a:lstStyle/>
                     <a:p>
-                      <a:pPr>
+                      <a:pPr algn="l" rtl="0">
                         <a:lnSpc>
                           <a:spcPct val="100000"/>
                         </a:lnSpc>
@@ -5065,7 +4931,7 @@
                     <a:bodyPr/>
                     <a:lstStyle/>
                     <a:p>
-                      <a:pPr>
+                      <a:pPr algn="l" rtl="0">
                         <a:lnSpc>
                           <a:spcPct val="100000"/>
                         </a:lnSpc>
@@ -5083,17 +4949,18 @@
                     <a:bodyPr/>
                     <a:lstStyle/>
                     <a:p>
-                      <a:pPr>
+                      <a:pPr algn="l" rtl="0">
                         <a:lnSpc>
                           <a:spcPct val="100000"/>
                         </a:lnSpc>
                       </a:pPr>
                       <a:r>
-                        <a:rPr lang="en-US" sz="900" spc="0">
+                        <a:rPr lang="ja-JP" sz="900">
                           <a:solidFill>
                             <a:srgbClr val="020302"/>
                           </a:solidFill>
                           <a:latin typeface="Wingdings"/>
+                          <a:ea typeface="MS Mincho"/>
                           <a:cs typeface="Wingdings"/>
                         </a:rPr>
                         <a:t></a:t>
@@ -5125,7 +4992,7 @@
                     <a:bodyPr/>
                     <a:lstStyle/>
                     <a:p>
-                      <a:pPr marL="49530">
+                      <a:pPr marL="49530" algn="l" rtl="0">
                         <a:lnSpc>
                           <a:spcPct val="100000"/>
                         </a:lnSpc>
@@ -5174,19 +5041,16 @@
                         </a:spcBef>
                       </a:pPr>
                       <a:r>
-                        <a:rPr sz="900" spc="0" dirty="0">
+                        <a:rPr lang="ja-JP" sz="900" dirty="0">
                           <a:solidFill>
                             <a:srgbClr val="020302"/>
                           </a:solidFill>
-                          <a:latin typeface="AdobeClean-Light"/>
+                          <a:latin typeface="Adobe Clean Han Light" panose="020B0300000000000000" pitchFamily="34" charset="-128"/>
+                          <a:ea typeface="Adobe Clean Han Light" panose="020B0300000000000000" pitchFamily="34" charset="-128"/>
                           <a:cs typeface="AdobeClean-Light"/>
                         </a:rPr>
-                        <a:t>Release, Migration, Upgrade &amp; Product Roadmap Review</a:t>
+                        <a:t>リリース、移行、アップグレード、製品ロードマップのレビュー</a:t>
                       </a:r>
-                      <a:endParaRPr sz="900" spc="0" dirty="0">
-                        <a:latin typeface="AdobeClean-Light"/>
-                        <a:cs typeface="AdobeClean-Light"/>
-                      </a:endParaRPr>
                     </a:p>
                   </a:txBody>
                   <a:tcPr marL="0" marR="0" marT="63500" marB="0">
@@ -5209,7 +5073,7 @@
                     <a:bodyPr/>
                     <a:lstStyle/>
                     <a:p>
-                      <a:pPr>
+                      <a:pPr algn="l" rtl="0">
                         <a:lnSpc>
                           <a:spcPct val="100000"/>
                         </a:lnSpc>
@@ -5239,7 +5103,7 @@
                     <a:bodyPr/>
                     <a:lstStyle/>
                     <a:p>
-                      <a:pPr>
+                      <a:pPr algn="l" rtl="0">
                         <a:lnSpc>
                           <a:spcPct val="100000"/>
                         </a:lnSpc>
@@ -5257,17 +5121,18 @@
                     <a:bodyPr/>
                     <a:lstStyle/>
                     <a:p>
-                      <a:pPr>
+                      <a:pPr algn="l" rtl="0">
                         <a:lnSpc>
                           <a:spcPct val="100000"/>
                         </a:lnSpc>
                       </a:pPr>
                       <a:r>
-                        <a:rPr lang="en-US" sz="900" spc="0">
+                        <a:rPr lang="ja-JP" sz="900">
                           <a:solidFill>
                             <a:srgbClr val="020302"/>
                           </a:solidFill>
                           <a:latin typeface="Wingdings"/>
+                          <a:ea typeface="MS Mincho"/>
                           <a:cs typeface="Wingdings"/>
                         </a:rPr>
                         <a:t></a:t>
@@ -5299,7 +5164,7 @@
                     <a:bodyPr/>
                     <a:lstStyle/>
                     <a:p>
-                      <a:pPr marL="49530">
+                      <a:pPr marL="49530" algn="l" rtl="0">
                         <a:lnSpc>
                           <a:spcPct val="100000"/>
                         </a:lnSpc>
@@ -5357,11 +5222,12 @@
                         </a:spcBef>
                       </a:pPr>
                       <a:r>
-                        <a:rPr sz="900" spc="0" dirty="0">
-                          <a:latin typeface="AdobeClean-Light"/>
+                        <a:rPr lang="ja-JP" sz="900" dirty="0">
+                          <a:latin typeface="Adobe Clean Han Light" panose="020B0300000000000000" pitchFamily="34" charset="-128"/>
+                          <a:ea typeface="Adobe Clean Han Light" panose="020B0300000000000000" pitchFamily="34" charset="-128"/>
                           <a:cs typeface="AdobeClean-Light"/>
                         </a:rPr>
-                        <a:t>Cloud Support Activities – Experience Manager as Cloud</a:t>
+                        <a:t>クラウドサポートアクティビティ – Experience Manager as Cloud</a:t>
                       </a:r>
                     </a:p>
                   </a:txBody>
@@ -5391,7 +5257,7 @@
                     <a:bodyPr/>
                     <a:lstStyle/>
                     <a:p>
-                      <a:pPr>
+                      <a:pPr algn="l" rtl="0">
                         <a:lnSpc>
                           <a:spcPct val="100000"/>
                         </a:lnSpc>
@@ -5436,17 +5302,15 @@
                         </a:spcBef>
                       </a:pPr>
                       <a:r>
-                        <a:rPr sz="900" spc="0" dirty="0">
+                        <a:rPr lang="ja-JP" sz="900">
                           <a:solidFill>
                             <a:srgbClr val="020302"/>
                           </a:solidFill>
                           <a:latin typeface="Wingdings"/>
+                          <a:ea typeface="MS Mincho"/>
                         </a:rPr>
                         <a:t></a:t>
                       </a:r>
-                      <a:endParaRPr sz="900" spc="0" dirty="0">
-                        <a:latin typeface="Wingdings"/>
-                      </a:endParaRPr>
                     </a:p>
                   </a:txBody>
                   <a:tcPr marL="0" marR="0" marT="0" marB="0">
@@ -5472,17 +5336,22 @@
                         </a:spcBef>
                       </a:pPr>
                       <a:r>
-                        <a:rPr lang="en-US" sz="900" spc="0">
+                        <a:rPr lang="ja-JP" sz="900">
                           <a:solidFill>
                             <a:srgbClr val="020302"/>
                           </a:solidFill>
                           <a:latin typeface="Wingdings"/>
+                          <a:ea typeface="MS Mincho"/>
                           <a:cs typeface="Wingdings"/>
                         </a:rPr>
                         <a:t></a:t>
                       </a:r>
-                      <a:endParaRPr sz="900" spc="0" dirty="0">
+                      <a:endParaRPr lang="ja-JP" sz="900">
+                        <a:solidFill>
+                          <a:srgbClr val="020302"/>
+                        </a:solidFill>
                         <a:latin typeface="Wingdings"/>
+                        <a:ea typeface="MS Mincho"/>
                       </a:endParaRPr>
                     </a:p>
                   </a:txBody>
@@ -5525,22 +5394,16 @@
                         </a:spcBef>
                       </a:pPr>
                       <a:r>
-                        <a:rPr lang="en-US" sz="1000" b="1" i="0" spc="0" dirty="0">
+                        <a:rPr lang="ja-JP" sz="1000" b="1" i="0" dirty="0">
                           <a:solidFill>
                             <a:schemeClr val="bg1"/>
                           </a:solidFill>
-                          <a:latin typeface="Adobe Clean" panose="020B0503020404020204" pitchFamily="34" charset="0"/>
+                          <a:latin typeface="Adobe Clean Han Bold" panose="020B0600000000000000" pitchFamily="34" charset="-128"/>
+                          <a:ea typeface="Adobe Clean Han Bold" panose="020B0600000000000000" pitchFamily="34" charset="-128"/>
                           <a:cs typeface="AdobeClean-Light"/>
                         </a:rPr>
-                        <a:t>Field Services</a:t>
+                        <a:t>フィールドサービス</a:t>
                       </a:r>
-                      <a:endParaRPr sz="1000" b="1" i="0" spc="0" dirty="0">
-                        <a:solidFill>
-                          <a:schemeClr val="bg1"/>
-                        </a:solidFill>
-                        <a:latin typeface="Adobe Clean" panose="020B0503020404020204" pitchFamily="34" charset="0"/>
-                        <a:cs typeface="AdobeClean-Light"/>
-                      </a:endParaRPr>
                     </a:p>
                   </a:txBody>
                   <a:tcPr marL="0" marR="0" marT="48260" marB="0" anchor="ctr">
@@ -5593,39 +5456,16 @@
                         </a:spcBef>
                       </a:pPr>
                       <a:r>
-                        <a:rPr sz="900" spc="0" dirty="0">
+                        <a:rPr lang="ja-JP" sz="900" dirty="0">
                           <a:solidFill>
                             <a:srgbClr val="020302"/>
                           </a:solidFill>
-                          <a:latin typeface="AdobeClean-Light"/>
+                          <a:latin typeface="Adobe Clean Han Light" panose="020B0300000000000000" pitchFamily="34" charset="-128"/>
+                          <a:ea typeface="Adobe Clean Han Light" panose="020B0300000000000000" pitchFamily="34" charset="-128"/>
                           <a:cs typeface="AdobeClean-Light"/>
                         </a:rPr>
-                        <a:t>Launch Advisory Services – First Year of </a:t>
+                        <a:t>Launch Advisory サービス – 製品導入の初年度</a:t>
                       </a:r>
-                      <a:r>
-                        <a:rPr lang="en-US" sz="900" spc="0" dirty="0">
-                          <a:solidFill>
-                            <a:srgbClr val="020302"/>
-                          </a:solidFill>
-                          <a:latin typeface="AdobeClean-Light"/>
-                          <a:cs typeface="AdobeClean-Light"/>
-                        </a:rPr>
-                        <a:t>a </a:t>
-                      </a:r>
-                      <a:r>
-                        <a:rPr sz="900" spc="0" dirty="0">
-                          <a:solidFill>
-                            <a:srgbClr val="020302"/>
-                          </a:solidFill>
-                          <a:latin typeface="AdobeClean-Light"/>
-                          <a:cs typeface="AdobeClean-Light"/>
-                        </a:rPr>
-                        <a:t>new solution</a:t>
-                      </a:r>
-                      <a:endParaRPr sz="900" spc="0" dirty="0">
-                        <a:latin typeface="AdobeClean-Light"/>
-                        <a:cs typeface="AdobeClean-Light"/>
-                      </a:endParaRPr>
                     </a:p>
                     <a:p>
                       <a:pPr marL="48260">
@@ -5637,11 +5477,12 @@
                         </a:spcBef>
                       </a:pPr>
                       <a:r>
-                        <a:rPr sz="900" spc="0" dirty="0">
-                          <a:latin typeface="AdobeClean-Light"/>
+                        <a:rPr lang="ja-JP" sz="900" dirty="0">
+                          <a:latin typeface="Adobe Clean Han Light" panose="020B0300000000000000" pitchFamily="34" charset="-128"/>
+                          <a:ea typeface="Adobe Clean Han Light" panose="020B0300000000000000" pitchFamily="34" charset="-128"/>
                           <a:cs typeface="AdobeClean-Light"/>
                         </a:rPr>
-                        <a:t>Field Service Activities</a:t>
+                        <a:t>フィールドサービスアクティビティ</a:t>
                       </a:r>
                     </a:p>
                   </a:txBody>
@@ -5677,7 +5518,7 @@
                     <a:bodyPr/>
                     <a:lstStyle/>
                     <a:p>
-                      <a:pPr>
+                      <a:pPr algn="l" rtl="0">
                         <a:lnSpc>
                           <a:spcPct val="100000"/>
                         </a:lnSpc>
@@ -5722,17 +5563,15 @@
                         </a:spcBef>
                       </a:pPr>
                       <a:r>
-                        <a:rPr sz="900" spc="0" dirty="0">
+                        <a:rPr lang="ja-JP" sz="900">
                           <a:solidFill>
                             <a:srgbClr val="020302"/>
                           </a:solidFill>
                           <a:latin typeface="Wingdings"/>
+                          <a:ea typeface="MS Mincho"/>
                         </a:rPr>
                         <a:t></a:t>
                       </a:r>
-                      <a:endParaRPr sz="900" spc="0" dirty="0">
-                        <a:latin typeface="Wingdings"/>
-                      </a:endParaRPr>
                     </a:p>
                   </a:txBody>
                   <a:tcPr marL="0" marR="0" marT="0" marB="0">
@@ -5758,17 +5597,22 @@
                         </a:spcBef>
                       </a:pPr>
                       <a:r>
-                        <a:rPr lang="en-US" sz="900" spc="0">
+                        <a:rPr lang="ja-JP" sz="900">
                           <a:solidFill>
                             <a:srgbClr val="020302"/>
                           </a:solidFill>
                           <a:latin typeface="Wingdings"/>
+                          <a:ea typeface="MS Mincho"/>
                           <a:cs typeface="Wingdings"/>
                         </a:rPr>
                         <a:t></a:t>
                       </a:r>
-                      <a:endParaRPr sz="900" spc="0" dirty="0">
+                      <a:endParaRPr lang="ja-JP" sz="900">
+                        <a:solidFill>
+                          <a:srgbClr val="020302"/>
+                        </a:solidFill>
                         <a:latin typeface="Wingdings"/>
+                        <a:ea typeface="MS Mincho"/>
                       </a:endParaRPr>
                     </a:p>
                   </a:txBody>
@@ -5847,7 +5691,7 @@
                     <a:bodyPr/>
                     <a:lstStyle/>
                     <a:p>
-                      <a:pPr>
+                      <a:pPr algn="l" rtl="0">
                         <a:lnSpc>
                           <a:spcPct val="100000"/>
                         </a:lnSpc>
@@ -5892,17 +5736,15 @@
                         </a:spcBef>
                       </a:pPr>
                       <a:r>
-                        <a:rPr sz="900" spc="0" dirty="0">
+                        <a:rPr lang="ja-JP" sz="900" dirty="0">
                           <a:solidFill>
                             <a:srgbClr val="020302"/>
                           </a:solidFill>
-                          <a:latin typeface="AdobeClean-Light"/>
+                          <a:latin typeface="Adobe Clean Han Light" panose="020B0300000000000000" pitchFamily="34" charset="-128"/>
+                          <a:ea typeface="Adobe Clean Han Light" panose="020B0300000000000000" pitchFamily="34" charset="-128"/>
                         </a:rPr>
                         <a:t>2</a:t>
                       </a:r>
-                      <a:endParaRPr sz="900" spc="0" dirty="0">
-                        <a:latin typeface="AdobeClean-Light"/>
-                      </a:endParaRPr>
                     </a:p>
                   </a:txBody>
                   <a:tcPr marL="0" marR="0" marT="0" marB="0">
@@ -5928,17 +5770,22 @@
                         </a:spcBef>
                       </a:pPr>
                       <a:r>
-                        <a:rPr lang="en-US" sz="900" spc="0" dirty="0">
+                        <a:rPr lang="ja-JP" sz="900" dirty="0">
                           <a:solidFill>
                             <a:srgbClr val="020302"/>
                           </a:solidFill>
-                          <a:latin typeface="AdobeClean-Light"/>
+                          <a:latin typeface="Adobe Clean Han Light" panose="020B0300000000000000" pitchFamily="34" charset="-128"/>
+                          <a:ea typeface="Adobe Clean Han Light" panose="020B0300000000000000" pitchFamily="34" charset="-128"/>
                           <a:cs typeface="AdobeClean-Light"/>
                         </a:rPr>
                         <a:t>4</a:t>
                       </a:r>
-                      <a:endParaRPr sz="900" spc="0" dirty="0">
-                        <a:latin typeface="AdobeClean-Light"/>
+                      <a:endParaRPr lang="ja-JP" sz="900" dirty="0">
+                        <a:solidFill>
+                          <a:srgbClr val="020302"/>
+                        </a:solidFill>
+                        <a:latin typeface="Adobe Clean Han Light" panose="020B0300000000000000" pitchFamily="34" charset="-128"/>
+                        <a:ea typeface="Adobe Clean Han Light" panose="020B0300000000000000" pitchFamily="34" charset="-128"/>
                       </a:endParaRPr>
                     </a:p>
                   </a:txBody>
@@ -5967,62 +5814,6 @@
           </a:graphicData>
         </a:graphic>
       </p:graphicFrame>
-      <p:sp>
-        <p:nvSpPr>
-          <p:cNvPr id="10" name="object 10"/>
-          <p:cNvSpPr txBox="1">
-            <a:spLocks noGrp="1"/>
-          </p:cNvSpPr>
-          <p:nvPr>
-            <p:ph type="ftr" sz="quarter" idx="5"/>
-          </p:nvPr>
-        </p:nvSpPr>
-        <p:spPr>
-          <a:xfrm>
-            <a:off x="5307201" y="9862966"/>
-            <a:ext cx="2270125" cy="132729"/>
-          </a:xfrm>
-          <a:prstGeom prst="rect">
-            <a:avLst/>
-          </a:prstGeom>
-        </p:spPr>
-        <p:txBody>
-          <a:bodyPr vert="horz" wrap="square" lIns="0" tIns="9525" rIns="0" bIns="0" rtlCol="0">
-            <a:spAutoFit/>
-          </a:bodyPr>
-          <a:lstStyle/>
-          <a:p>
-            <a:pPr marL="12700">
-              <a:lnSpc>
-                <a:spcPct val="100000"/>
-              </a:lnSpc>
-              <a:spcBef>
-                <a:spcPts val="75"/>
-              </a:spcBef>
-            </a:pPr>
-            <a:r>
-              <a:rPr spc="-5" dirty="0"/>
-              <a:t>©202</a:t>
-            </a:r>
-            <a:r>
-              <a:rPr lang="en-US" spc="-5" dirty="0"/>
-              <a:t>1</a:t>
-            </a:r>
-            <a:r>
-              <a:rPr spc="-5" dirty="0"/>
-              <a:t> Adobe. All Rights Reserved. Adobe</a:t>
-            </a:r>
-            <a:r>
-              <a:rPr spc="60" dirty="0"/>
-              <a:t> </a:t>
-            </a:r>
-            <a:r>
-              <a:rPr spc="-5" dirty="0"/>
-              <a:t>Confidential.</a:t>
-            </a:r>
-          </a:p>
-        </p:txBody>
-      </p:sp>
       <p:graphicFrame>
         <p:nvGraphicFramePr>
           <p:cNvPr id="9" name="object 9"/>
@@ -6032,14 +5823,14 @@
           <p:nvPr>
             <p:extLst>
               <p:ext uri="{D42A27DB-BD31-4B8C-83A1-F6EECF244321}">
-                <p14:modId xmlns:p14="http://schemas.microsoft.com/office/powerpoint/2010/main" val="3124525812"/>
+                <p14:modId xmlns:p14="http://schemas.microsoft.com/office/powerpoint/2010/main" val="3885365755"/>
               </p:ext>
             </p:extLst>
           </p:nvPr>
         </p:nvGraphicFramePr>
         <p:xfrm>
           <a:off x="33527" y="7483227"/>
-          <a:ext cx="7671815" cy="2172787"/>
+          <a:ext cx="7671815" cy="2263840"/>
         </p:xfrm>
         <a:graphic>
           <a:graphicData uri="http://schemas.openxmlformats.org/drawingml/2006/table">
@@ -6077,7 +5868,7 @@
                   </a:extLst>
                 </a:gridCol>
               </a:tblGrid>
-              <a:tr h="274318">
+              <a:tr h="365371">
                 <a:tc>
                   <a:txBody>
                     <a:bodyPr/>
@@ -6092,19 +5883,16 @@
                         </a:spcBef>
                       </a:pPr>
                       <a:r>
-                        <a:rPr sz="900" spc="0" dirty="0">
+                        <a:rPr lang="ja-JP" sz="900" dirty="0">
                           <a:solidFill>
                             <a:srgbClr val="020302"/>
                           </a:solidFill>
-                          <a:latin typeface="Adobe Clean"/>
+                          <a:latin typeface="Adobe Clean Han Bold" panose="020B0600000000000000" pitchFamily="34" charset="-128"/>
+                          <a:ea typeface="Adobe Clean Han Bold" panose="020B0600000000000000" pitchFamily="34" charset="-128"/>
                           <a:cs typeface="Adobe Clean"/>
                         </a:rPr>
-                        <a:t>Priority</a:t>
+                        <a:t>優先度</a:t>
                       </a:r>
-                      <a:endParaRPr sz="900" spc="0" dirty="0">
-                        <a:latin typeface="Adobe Clean"/>
-                        <a:cs typeface="Adobe Clean"/>
-                      </a:endParaRPr>
                     </a:p>
                   </a:txBody>
                   <a:tcPr marL="0" marR="0" marT="7620" marB="0" anchor="ctr">
@@ -6151,29 +5939,16 @@
                         </a:spcBef>
                       </a:pPr>
                       <a:r>
-                        <a:rPr lang="en-US" sz="900" spc="0" dirty="0">
+                        <a:rPr lang="ja-JP" sz="900" dirty="0">
                           <a:solidFill>
                             <a:srgbClr val="020302"/>
                           </a:solidFill>
-                          <a:latin typeface="Adobe Clean"/>
+                          <a:latin typeface="Adobe Clean Han Bold" panose="020B0600000000000000" pitchFamily="34" charset="-128"/>
+                          <a:ea typeface="Adobe Clean Han Bold" panose="020B0600000000000000" pitchFamily="34" charset="-128"/>
                           <a:cs typeface="Adobe Clean"/>
                         </a:rPr>
-                        <a:t>Standard  </a:t>
+                        <a:t>標準サポート</a:t>
                       </a:r>
-                      <a:r>
-                        <a:rPr sz="900" spc="0" dirty="0">
-                          <a:solidFill>
-                            <a:srgbClr val="020302"/>
-                          </a:solidFill>
-                          <a:latin typeface="Adobe Clean"/>
-                          <a:cs typeface="Adobe Clean"/>
-                        </a:rPr>
-                        <a:t>Support</a:t>
-                      </a:r>
-                      <a:endParaRPr sz="900" spc="0" dirty="0">
-                        <a:latin typeface="Adobe Clean"/>
-                        <a:cs typeface="Adobe Clean"/>
-                      </a:endParaRPr>
                     </a:p>
                   </a:txBody>
                   <a:tcPr marL="0" marR="0" marT="0" marB="0" anchor="ctr">
@@ -6223,39 +5998,37 @@
                         </a:spcBef>
                       </a:pPr>
                       <a:r>
-                        <a:rPr sz="900" spc="0" dirty="0">
+                        <a:rPr lang="ja-JP" sz="900" dirty="0">
                           <a:solidFill>
                             <a:srgbClr val="FFFFFF"/>
                           </a:solidFill>
-                          <a:latin typeface="Adobe Clean"/>
+                          <a:latin typeface="Adobe Clean Han Bold" panose="020B0600000000000000" pitchFamily="34" charset="-128"/>
+                          <a:ea typeface="Adobe Clean Han Bold" panose="020B0600000000000000" pitchFamily="34" charset="-128"/>
                           <a:cs typeface="Adobe Clean"/>
                         </a:rPr>
-                        <a:t>Enterprise </a:t>
+                        <a:t>エンタープライ</a:t>
                       </a:r>
-                      <a:r>
-                        <a:rPr lang="en-US" sz="900" spc="0" dirty="0">
+                      <a:br>
+                        <a:rPr lang="cs-CZ" altLang="ja-JP" sz="900" dirty="0">
                           <a:solidFill>
                             <a:srgbClr val="FFFFFF"/>
                           </a:solidFill>
-                          <a:latin typeface="Adobe Clean"/>
+                          <a:latin typeface="Adobe Clean Han Bold" panose="020B0600000000000000" pitchFamily="34" charset="-128"/>
+                          <a:ea typeface="Adobe Clean Han Bold" panose="020B0600000000000000" pitchFamily="34" charset="-128"/>
                           <a:cs typeface="Adobe Clean"/>
                         </a:rPr>
-                        <a:t> </a:t>
-                      </a:r>
+                      </a:br>
                       <a:r>
-                        <a:rPr sz="900" spc="0" dirty="0">
+                        <a:rPr lang="ja-JP" sz="900" dirty="0">
                           <a:solidFill>
                             <a:srgbClr val="FFFFFF"/>
                           </a:solidFill>
-                          <a:latin typeface="Adobe Clean"/>
+                          <a:latin typeface="Adobe Clean Han Bold" panose="020B0600000000000000" pitchFamily="34" charset="-128"/>
+                          <a:ea typeface="Adobe Clean Han Bold" panose="020B0600000000000000" pitchFamily="34" charset="-128"/>
                           <a:cs typeface="Adobe Clean"/>
                         </a:rPr>
-                        <a:t>Support</a:t>
+                        <a:t>ズサポート</a:t>
                       </a:r>
-                      <a:endParaRPr sz="900" spc="0" dirty="0">
-                        <a:latin typeface="Adobe Clean"/>
-                        <a:cs typeface="Adobe Clean"/>
-                      </a:endParaRPr>
                     </a:p>
                   </a:txBody>
                   <a:tcPr marL="0" marR="0" marT="0" marB="0" anchor="ctr">
@@ -6308,39 +6081,16 @@
                         </a:spcBef>
                       </a:pPr>
                       <a:r>
-                        <a:rPr sz="900" spc="0" dirty="0">
+                        <a:rPr lang="ja-JP" sz="900" dirty="0">
                           <a:solidFill>
                             <a:srgbClr val="FFFFFF"/>
                           </a:solidFill>
-                          <a:latin typeface="Adobe Clean"/>
+                          <a:latin typeface="Adobe Clean Han Bold" panose="020B0600000000000000" pitchFamily="34" charset="-128"/>
+                          <a:ea typeface="Adobe Clean Han Bold" panose="020B0600000000000000" pitchFamily="34" charset="-128"/>
                           <a:cs typeface="Adobe Clean"/>
                         </a:rPr>
-                        <a:t>Elite</a:t>
+                        <a:t>エリートサポート</a:t>
                       </a:r>
-                      <a:r>
-                        <a:rPr lang="en-US" sz="900" spc="0" dirty="0">
-                          <a:solidFill>
-                            <a:srgbClr val="FFFFFF"/>
-                          </a:solidFill>
-                          <a:latin typeface="Adobe Clean"/>
-                          <a:cs typeface="Adobe Clean"/>
-                        </a:rPr>
-                        <a:t> </a:t>
-                      </a:r>
-                      <a:r>
-                        <a:rPr sz="900" spc="0" dirty="0">
-                          <a:solidFill>
-                            <a:srgbClr val="FFFFFF"/>
-                          </a:solidFill>
-                          <a:latin typeface="Adobe Clean"/>
-                          <a:cs typeface="Adobe Clean"/>
-                        </a:rPr>
-                        <a:t>Support</a:t>
-                      </a:r>
-                      <a:endParaRPr sz="900" spc="0" dirty="0">
-                        <a:latin typeface="Adobe Clean"/>
-                        <a:cs typeface="Adobe Clean"/>
-                      </a:endParaRPr>
                     </a:p>
                   </a:txBody>
                   <a:tcPr marL="0" marR="0" marT="0" marB="0" anchor="ctr">
@@ -6397,19 +6147,16 @@
                         </a:spcBef>
                       </a:pPr>
                       <a:r>
-                        <a:rPr sz="900" b="1" spc="0" dirty="0">
+                        <a:rPr lang="ja-JP" sz="900" b="1" dirty="0">
                           <a:solidFill>
                             <a:srgbClr val="020302"/>
                           </a:solidFill>
-                          <a:latin typeface="Adobe Clean"/>
+                          <a:latin typeface="Adobe Clean Han Bold" panose="020B0600000000000000" pitchFamily="34" charset="-128"/>
+                          <a:ea typeface="Adobe Clean Han Bold" panose="020B0600000000000000" pitchFamily="34" charset="-128"/>
                           <a:cs typeface="Adobe Clean"/>
                         </a:rPr>
-                        <a:t>PRIORITY 1</a:t>
+                        <a:t>優先度 1</a:t>
                       </a:r>
-                      <a:endParaRPr sz="900" spc="0" dirty="0">
-                        <a:latin typeface="Adobe Clean"/>
-                        <a:cs typeface="Adobe Clean"/>
-                      </a:endParaRPr>
                     </a:p>
                     <a:p>
                       <a:pPr marL="50800" marR="387985">
@@ -6421,19 +6168,15 @@
                         </a:spcBef>
                       </a:pPr>
                       <a:r>
-                        <a:rPr lang="en-US" sz="900" b="0" i="0" spc="0" dirty="0">
+                        <a:rPr lang="ja-JP" sz="900" b="0" i="0" dirty="0">
                           <a:solidFill>
                             <a:srgbClr val="000000"/>
                           </a:solidFill>
-                          <a:effectLst/>
-                          <a:latin typeface="Adobe Clean Light" panose="020B0303020404020204" pitchFamily="34" charset="0"/>
+                          <a:latin typeface="Adobe Clean Han Light" panose="020B0300000000000000" pitchFamily="34" charset="-128"/>
+                          <a:ea typeface="Adobe Clean Han Light" panose="020B0300000000000000" pitchFamily="34" charset="-128"/>
                         </a:rPr>
-                        <a:t>Customer's production business functions are down or have significant data loss or service degradation and immediate attention is required to restore functionality and usability. </a:t>
+                        <a:t>お客様の本番業務機能がダウンしている、または著しいデータ損失やサービス低下があり、機能およびユーザビリティを復元するための早急な処置が必要。 </a:t>
                       </a:r>
-                      <a:endParaRPr sz="900" spc="0" dirty="0">
-                        <a:latin typeface="AdobeClean-Light"/>
-                        <a:cs typeface="AdobeClean-Light"/>
-                      </a:endParaRPr>
                     </a:p>
                   </a:txBody>
                   <a:tcPr marL="0" marR="0" marT="0" marB="0" anchor="ctr">
@@ -6473,113 +6216,170 @@
                     <a:p>
                       <a:pPr algn="ctr" fontAlgn="t"/>
                       <a:r>
-                        <a:rPr lang="en-US" sz="900" b="0" i="0" u="none" strike="noStrike" dirty="0">
+                        <a:rPr lang="ja-JP" sz="900" b="0" i="0" u="none" strike="noStrike" dirty="0">
                           <a:solidFill>
                             <a:srgbClr val="020302"/>
                           </a:solidFill>
-                          <a:effectLst/>
-                          <a:latin typeface="AdobeClean-Light"/>
+                          <a:latin typeface="Adobe Clean Han Light" panose="020B0300000000000000" pitchFamily="34" charset="-128"/>
+                          <a:ea typeface="Adobe Clean Han Light" panose="020B0300000000000000" pitchFamily="34" charset="-128"/>
                         </a:rPr>
-                        <a:t>24x7 / 1 hour</a:t>
+                        <a:t>24 時間年中無休／</a:t>
                       </a:r>
-                    </a:p>
-                  </a:txBody>
-                  <a:tcPr marL="9525" marR="9525" marT="9525" marB="0" anchor="ctr">
-                    <a:lnL w="3175">
-                      <a:solidFill>
-                        <a:srgbClr val="B7B8B8"/>
-                      </a:solidFill>
-                      <a:prstDash val="solid"/>
-                    </a:lnL>
-                    <a:lnR w="3175">
-                      <a:solidFill>
-                        <a:srgbClr val="B7B8B8"/>
-                      </a:solidFill>
-                      <a:prstDash val="solid"/>
-                    </a:lnR>
-                    <a:lnT w="76200">
-                      <a:solidFill>
-                        <a:srgbClr val="858585"/>
-                      </a:solidFill>
-                      <a:prstDash val="solid"/>
-                    </a:lnT>
-                    <a:lnB w="3175">
-                      <a:solidFill>
-                        <a:srgbClr val="B7B8B8"/>
-                      </a:solidFill>
-                      <a:prstDash val="solid"/>
-                    </a:lnB>
-                  </a:tcPr>
-                </a:tc>
-                <a:tc>
-                  <a:txBody>
-                    <a:bodyPr/>
-                    <a:lstStyle/>
-                    <a:p>
-                      <a:pPr algn="ctr" fontAlgn="t"/>
-                      <a:r>
-                        <a:rPr lang="en-US" sz="900" b="0" i="0" u="none" strike="noStrike" dirty="0">
+                      <a:br>
+                        <a:rPr lang="cs-CZ" altLang="ja-JP" sz="900" b="0" i="0" u="none" strike="noStrike" dirty="0">
                           <a:solidFill>
                             <a:srgbClr val="020302"/>
                           </a:solidFill>
-                          <a:effectLst/>
-                          <a:latin typeface="AdobeClean-Light"/>
+                          <a:latin typeface="Adobe Clean Han Light" panose="020B0300000000000000" pitchFamily="34" charset="-128"/>
+                          <a:ea typeface="Adobe Clean Han Light" panose="020B0300000000000000" pitchFamily="34" charset="-128"/>
                         </a:rPr>
-                        <a:t>24x7 / 30 minutes</a:t>
-                      </a:r>
-                    </a:p>
-                  </a:txBody>
-                  <a:tcPr marL="9525" marR="9525" marT="9525" marB="0" anchor="ctr">
-                    <a:lnL w="3175" cap="flat" cmpd="sng" algn="ctr">
-                      <a:solidFill>
-                        <a:srgbClr val="B7B8B8"/>
-                      </a:solidFill>
-                      <a:prstDash val="solid"/>
-                      <a:round/>
-                      <a:headEnd type="none" w="med" len="med"/>
-                      <a:tailEnd type="none" w="med" len="med"/>
-                    </a:lnL>
-                    <a:lnR w="3175">
-                      <a:solidFill>
-                        <a:srgbClr val="B7B8B8"/>
-                      </a:solidFill>
-                      <a:prstDash val="solid"/>
-                    </a:lnR>
-                    <a:lnT w="76200" cap="flat" cmpd="sng" algn="ctr">
-                      <a:solidFill>
-                        <a:srgbClr val="2E8FFF"/>
-                      </a:solidFill>
-                      <a:prstDash val="solid"/>
-                      <a:round/>
-                      <a:headEnd type="none" w="med" len="med"/>
-                      <a:tailEnd type="none" w="med" len="med"/>
-                    </a:lnT>
-                    <a:lnB w="3175" cap="flat" cmpd="sng" algn="ctr">
-                      <a:solidFill>
-                        <a:srgbClr val="B7B8B8"/>
-                      </a:solidFill>
-                      <a:prstDash val="solid"/>
-                      <a:round/>
-                      <a:headEnd type="none" w="med" len="med"/>
-                      <a:tailEnd type="none" w="med" len="med"/>
-                    </a:lnB>
-                  </a:tcPr>
-                </a:tc>
-                <a:tc>
-                  <a:txBody>
-                    <a:bodyPr/>
-                    <a:lstStyle/>
-                    <a:p>
-                      <a:pPr algn="ctr" fontAlgn="t"/>
+                      </a:br>
                       <a:r>
-                        <a:rPr lang="en-US" sz="900" b="0" i="0" u="none" strike="noStrike" dirty="0">
+                        <a:rPr lang="ja-JP" sz="900" b="0" i="0" u="none" strike="noStrike" dirty="0">
                           <a:solidFill>
                             <a:srgbClr val="020302"/>
                           </a:solidFill>
-                          <a:effectLst/>
-                          <a:latin typeface="AdobeClean-Light"/>
+                          <a:latin typeface="Adobe Clean Han Light" panose="020B0300000000000000" pitchFamily="34" charset="-128"/>
+                          <a:ea typeface="Adobe Clean Han Light" panose="020B0300000000000000" pitchFamily="34" charset="-128"/>
                         </a:rPr>
-                        <a:t>24x7 / 15 minutes</a:t>
+                        <a:t>1 時間</a:t>
+                      </a:r>
+                    </a:p>
+                  </a:txBody>
+                  <a:tcPr marL="9525" marR="9525" marT="9525" marB="0" anchor="ctr">
+                    <a:lnL w="3175">
+                      <a:solidFill>
+                        <a:srgbClr val="B7B8B8"/>
+                      </a:solidFill>
+                      <a:prstDash val="solid"/>
+                    </a:lnL>
+                    <a:lnR w="3175">
+                      <a:solidFill>
+                        <a:srgbClr val="B7B8B8"/>
+                      </a:solidFill>
+                      <a:prstDash val="solid"/>
+                    </a:lnR>
+                    <a:lnT w="76200">
+                      <a:solidFill>
+                        <a:srgbClr val="858585"/>
+                      </a:solidFill>
+                      <a:prstDash val="solid"/>
+                    </a:lnT>
+                    <a:lnB w="3175">
+                      <a:solidFill>
+                        <a:srgbClr val="B7B8B8"/>
+                      </a:solidFill>
+                      <a:prstDash val="solid"/>
+                    </a:lnB>
+                  </a:tcPr>
+                </a:tc>
+                <a:tc>
+                  <a:txBody>
+                    <a:bodyPr/>
+                    <a:lstStyle/>
+                    <a:p>
+                      <a:pPr algn="ctr" fontAlgn="t"/>
+                      <a:r>
+                        <a:rPr lang="ja-JP" sz="900" b="0" i="0" u="none" strike="noStrike" dirty="0">
+                          <a:solidFill>
+                            <a:srgbClr val="020302"/>
+                          </a:solidFill>
+                          <a:latin typeface="Adobe Clean Han Light" panose="020B0300000000000000" pitchFamily="34" charset="-128"/>
+                          <a:ea typeface="Adobe Clean Han Light" panose="020B0300000000000000" pitchFamily="34" charset="-128"/>
+                        </a:rPr>
+                        <a:t>24 時間年中無休／</a:t>
+                      </a:r>
+                      <a:br>
+                        <a:rPr lang="cs-CZ" altLang="ja-JP" sz="900" b="0" i="0" u="none" strike="noStrike" dirty="0">
+                          <a:solidFill>
+                            <a:srgbClr val="020302"/>
+                          </a:solidFill>
+                          <a:latin typeface="Adobe Clean Han Light" panose="020B0300000000000000" pitchFamily="34" charset="-128"/>
+                          <a:ea typeface="Adobe Clean Han Light" panose="020B0300000000000000" pitchFamily="34" charset="-128"/>
+                        </a:rPr>
+                      </a:br>
+                      <a:r>
+                        <a:rPr lang="ja-JP" sz="900" b="0" i="0" u="none" strike="noStrike" dirty="0">
+                          <a:solidFill>
+                            <a:srgbClr val="020302"/>
+                          </a:solidFill>
+                          <a:latin typeface="Adobe Clean Han Light" panose="020B0300000000000000" pitchFamily="34" charset="-128"/>
+                          <a:ea typeface="Adobe Clean Han Light" panose="020B0300000000000000" pitchFamily="34" charset="-128"/>
+                        </a:rPr>
+                        <a:t>30 分</a:t>
+                      </a:r>
+                    </a:p>
+                  </a:txBody>
+                  <a:tcPr marL="9525" marR="9525" marT="9525" marB="0" anchor="ctr">
+                    <a:lnL w="3175" cap="flat" cmpd="sng" algn="ctr">
+                      <a:solidFill>
+                        <a:srgbClr val="B7B8B8"/>
+                      </a:solidFill>
+                      <a:prstDash val="solid"/>
+                      <a:round/>
+                      <a:headEnd type="none" w="med" len="med"/>
+                      <a:tailEnd type="none" w="med" len="med"/>
+                    </a:lnL>
+                    <a:lnR w="3175">
+                      <a:solidFill>
+                        <a:srgbClr val="B7B8B8"/>
+                      </a:solidFill>
+                      <a:prstDash val="solid"/>
+                    </a:lnR>
+                    <a:lnT w="76200" cap="flat" cmpd="sng" algn="ctr">
+                      <a:solidFill>
+                        <a:srgbClr val="2E8FFF"/>
+                      </a:solidFill>
+                      <a:prstDash val="solid"/>
+                      <a:round/>
+                      <a:headEnd type="none" w="med" len="med"/>
+                      <a:tailEnd type="none" w="med" len="med"/>
+                    </a:lnT>
+                    <a:lnB w="3175" cap="flat" cmpd="sng" algn="ctr">
+                      <a:solidFill>
+                        <a:srgbClr val="B7B8B8"/>
+                      </a:solidFill>
+                      <a:prstDash val="solid"/>
+                      <a:round/>
+                      <a:headEnd type="none" w="med" len="med"/>
+                      <a:tailEnd type="none" w="med" len="med"/>
+                    </a:lnB>
+                  </a:tcPr>
+                </a:tc>
+                <a:tc>
+                  <a:txBody>
+                    <a:bodyPr/>
+                    <a:lstStyle/>
+                    <a:p>
+                      <a:pPr algn="ctr" fontAlgn="t"/>
+                      <a:r>
+                        <a:rPr lang="ja-JP" sz="900" b="0" i="0" u="none" strike="noStrike" dirty="0">
+                          <a:solidFill>
+                            <a:srgbClr val="020302"/>
+                          </a:solidFill>
+                          <a:latin typeface="Adobe Clean Han Light" panose="020B0300000000000000" pitchFamily="34" charset="-128"/>
+                          <a:ea typeface="Adobe Clean Han Light" panose="020B0300000000000000" pitchFamily="34" charset="-128"/>
+                        </a:rPr>
+                        <a:t>24 時間年中無休／</a:t>
+                      </a:r>
+                      <a:br>
+                        <a:rPr lang="cs-CZ" altLang="ja-JP" sz="900" b="0" i="0" u="none" strike="noStrike" dirty="0">
+                          <a:solidFill>
+                            <a:srgbClr val="020302"/>
+                          </a:solidFill>
+                          <a:latin typeface="Adobe Clean Han Light" panose="020B0300000000000000" pitchFamily="34" charset="-128"/>
+                          <a:ea typeface="Adobe Clean Han Light" panose="020B0300000000000000" pitchFamily="34" charset="-128"/>
+                        </a:rPr>
+                      </a:br>
+                      <a:r>
+                        <a:rPr lang="ja-JP" sz="900" b="0" i="0" u="none" strike="noStrike" dirty="0">
+                          <a:solidFill>
+                            <a:srgbClr val="020302"/>
+                          </a:solidFill>
+                          <a:latin typeface="Adobe Clean Han Light" panose="020B0300000000000000" pitchFamily="34" charset="-128"/>
+                          <a:ea typeface="Adobe Clean Han Light" panose="020B0300000000000000" pitchFamily="34" charset="-128"/>
+                        </a:rPr>
+                        <a:t>15 分</a:t>
                       </a:r>
                     </a:p>
                   </a:txBody>
@@ -6631,19 +6431,16 @@
                         </a:spcBef>
                       </a:pPr>
                       <a:r>
-                        <a:rPr sz="900" b="1" spc="0" dirty="0">
+                        <a:rPr lang="ja-JP" sz="900" b="1" dirty="0">
                           <a:solidFill>
                             <a:srgbClr val="020302"/>
                           </a:solidFill>
-                          <a:latin typeface="Adobe Clean"/>
+                          <a:latin typeface="Adobe Clean Han Bold" panose="020B0600000000000000" pitchFamily="34" charset="-128"/>
+                          <a:ea typeface="Adobe Clean Han Bold" panose="020B0600000000000000" pitchFamily="34" charset="-128"/>
                           <a:cs typeface="Adobe Clean"/>
                         </a:rPr>
-                        <a:t>PRIORITY 2</a:t>
+                        <a:t>優先度 2</a:t>
                       </a:r>
-                      <a:endParaRPr sz="900" spc="0" dirty="0">
-                        <a:latin typeface="Adobe Clean"/>
-                        <a:cs typeface="Adobe Clean"/>
-                      </a:endParaRPr>
                     </a:p>
                     <a:p>
                       <a:pPr marL="50165" marR="203200" indent="0" defTabSz="914400" eaLnBrk="1" fontAlgn="auto" latinLnBrk="0" hangingPunct="1">
@@ -6664,19 +6461,15 @@
                         <a:defRPr/>
                       </a:pPr>
                       <a:r>
-                        <a:rPr lang="en-US" sz="900" b="0" i="0" spc="0" dirty="0">
+                        <a:rPr lang="ja-JP" sz="900" b="0" i="0" dirty="0">
                           <a:solidFill>
                             <a:srgbClr val="000000"/>
                           </a:solidFill>
-                          <a:effectLst/>
-                          <a:latin typeface="Adobe Clean Light" panose="020B0303020404020204" pitchFamily="34" charset="0"/>
+                          <a:latin typeface="Adobe Clean Han Light" panose="020B0300000000000000" pitchFamily="34" charset="-128"/>
+                          <a:ea typeface="Adobe Clean Han Light" panose="020B0300000000000000" pitchFamily="34" charset="-128"/>
                         </a:rPr>
-                        <a:t>Customer's business functions have major service degradation or potential data loss, or a major feature is impacted </a:t>
+                        <a:t>お客様の業務機能に重大なサービス低下や潜在的なデータ損失があるか、主な機能が影響を受けている。 </a:t>
                       </a:r>
-                      <a:endParaRPr sz="900" b="0" i="0" spc="0" dirty="0">
-                        <a:latin typeface="Adobe Clean Light" panose="020B0303020404020204" pitchFamily="34" charset="0"/>
-                        <a:cs typeface="AdobeClean-Light"/>
-                      </a:endParaRPr>
                     </a:p>
                   </a:txBody>
                   <a:tcPr marL="0" marR="0" marT="0" marB="0" anchor="ctr">
@@ -6716,14 +6509,14 @@
                     <a:p>
                       <a:pPr algn="ctr" fontAlgn="t"/>
                       <a:r>
-                        <a:rPr lang="en-US" sz="900" b="0" i="0" u="none" strike="noStrike" dirty="0">
+                        <a:rPr lang="ja-JP" sz="900" b="0" i="0" u="none" strike="noStrike" dirty="0">
                           <a:solidFill>
                             <a:srgbClr val="020302"/>
                           </a:solidFill>
-                          <a:effectLst/>
-                          <a:latin typeface="AdobeClean-Light"/>
+                          <a:latin typeface="Adobe Clean Han Light" panose="020B0300000000000000" pitchFamily="34" charset="-128"/>
+                          <a:ea typeface="Adobe Clean Han Light" panose="020B0300000000000000" pitchFamily="34" charset="-128"/>
                         </a:rPr>
-                        <a:t>Business hours / 4 hours</a:t>
+                        <a:t>営業時間内／4 時間</a:t>
                       </a:r>
                     </a:p>
                   </a:txBody>
@@ -6761,14 +6554,14 @@
                     <a:p>
                       <a:pPr algn="ctr" fontAlgn="t"/>
                       <a:r>
-                        <a:rPr lang="en-US" sz="900" b="0" i="0" u="none" strike="noStrike" dirty="0">
+                        <a:rPr lang="ja-JP" sz="900" b="0" i="0" u="none" strike="noStrike">
                           <a:solidFill>
                             <a:srgbClr val="020302"/>
                           </a:solidFill>
-                          <a:effectLst/>
-                          <a:latin typeface="AdobeClean-Light"/>
+                          <a:latin typeface="Adobe Clean Han Light" panose="020B0300000000000000" pitchFamily="34" charset="-128"/>
+                          <a:ea typeface="Adobe Clean Han Light" panose="020B0300000000000000" pitchFamily="34" charset="-128"/>
                         </a:rPr>
-                        <a:t>24x5 / 1 hour</a:t>
+                        <a:t>平日 24 時間／1 時間</a:t>
                       </a:r>
                     </a:p>
                   </a:txBody>
@@ -6815,14 +6608,14 @@
                     <a:p>
                       <a:pPr algn="ctr" fontAlgn="t"/>
                       <a:r>
-                        <a:rPr lang="en-US" sz="900" b="0" i="0" u="none" strike="noStrike" dirty="0">
+                        <a:rPr lang="ja-JP" sz="900" b="0" i="0" u="none" strike="noStrike">
                           <a:solidFill>
                             <a:srgbClr val="020302"/>
                           </a:solidFill>
-                          <a:effectLst/>
-                          <a:latin typeface="AdobeClean-Light"/>
+                          <a:latin typeface="Adobe Clean Han Light" panose="020B0300000000000000" pitchFamily="34" charset="-128"/>
+                          <a:ea typeface="Adobe Clean Han Light" panose="020B0300000000000000" pitchFamily="34" charset="-128"/>
                         </a:rPr>
-                        <a:t>24x5 / 30 minutes</a:t>
+                        <a:t>平日 24 時間／30 分</a:t>
                       </a:r>
                     </a:p>
                   </a:txBody>
@@ -6874,29 +6667,16 @@
                         </a:spcBef>
                       </a:pPr>
                       <a:r>
-                        <a:rPr sz="900" b="1" spc="0" dirty="0">
+                        <a:rPr lang="ja-JP" sz="900" b="1" dirty="0">
                           <a:solidFill>
                             <a:srgbClr val="020302"/>
                           </a:solidFill>
-                          <a:latin typeface="Adobe Clean"/>
+                          <a:latin typeface="Adobe Clean Han Bold" panose="020B0600000000000000" pitchFamily="34" charset="-128"/>
+                          <a:ea typeface="Adobe Clean Han Bold" panose="020B0600000000000000" pitchFamily="34" charset="-128"/>
                           <a:cs typeface="Adobe Clean"/>
                         </a:rPr>
-                        <a:t>PRIORITY</a:t>
+                        <a:t>優先度 3</a:t>
                       </a:r>
-                      <a:r>
-                        <a:rPr lang="en-US" sz="900" b="1" spc="0" dirty="0">
-                          <a:solidFill>
-                            <a:srgbClr val="020302"/>
-                          </a:solidFill>
-                          <a:latin typeface="Adobe Clean"/>
-                          <a:cs typeface="Adobe Clean"/>
-                        </a:rPr>
-                        <a:t> 3</a:t>
-                      </a:r>
-                      <a:endParaRPr lang="en-US" sz="900" spc="0" dirty="0">
-                        <a:latin typeface="Adobe Clean"/>
-                        <a:cs typeface="Adobe Clean"/>
-                      </a:endParaRPr>
                     </a:p>
                     <a:p>
                       <a:pPr marL="49530" marR="212090" indent="-2540" defTabSz="914400" eaLnBrk="1" fontAlgn="auto" latinLnBrk="0" hangingPunct="1">
@@ -6917,26 +6697,21 @@
                         <a:defRPr/>
                       </a:pPr>
                       <a:r>
-                        <a:rPr kumimoji="0" lang="en-US" sz="900" b="0" i="0" u="none" strike="noStrike" kern="1200" cap="none" spc="0" normalizeH="0" baseline="0" noProof="0" dirty="0">
+                        <a:rPr kumimoji="0" lang="ja-JP" sz="900" b="0" i="0" u="none" strike="noStrike" cap="none" normalizeH="0" baseline="0" noProof="0" dirty="0">
                           <a:ln>
                             <a:noFill/>
                           </a:ln>
                           <a:solidFill>
                             <a:srgbClr val="000000"/>
                           </a:solidFill>
-                          <a:effectLst/>
                           <a:uLnTx/>
                           <a:uFillTx/>
-                          <a:latin typeface="Adobe Clean Light" panose="020B0303020404020204" pitchFamily="34" charset="0"/>
-                          <a:ea typeface="+mn-ea"/>
+                          <a:latin typeface="Adobe Clean Han Light" panose="020B0300000000000000" pitchFamily="34" charset="-128"/>
+                          <a:ea typeface="Adobe Clean Han Light" panose="020B0300000000000000" pitchFamily="34" charset="-128"/>
                           <a:cs typeface="+mn-cs"/>
                         </a:rPr>
-                        <a:t>Customer's business functions have minor service degradation but there exists a solution/workaround allowing business functions to continue normally </a:t>
+                        <a:t>お客様の業務機能に軽微なサービス低下があるが、業務機能を正常に続行できる解決策／回避策が存在する。 </a:t>
                       </a:r>
-                      <a:endParaRPr lang="en-US" sz="900" b="0" i="0" spc="0" dirty="0">
-                        <a:latin typeface="Adobe Clean Light" panose="020B0303020404020204" pitchFamily="34" charset="0"/>
-                        <a:cs typeface="AdobeClean-Light"/>
-                      </a:endParaRPr>
                     </a:p>
                   </a:txBody>
                   <a:tcPr marL="0" marR="0" marT="0" marB="0" anchor="ctr">
@@ -6976,14 +6751,14 @@
                     <a:p>
                       <a:pPr algn="ctr" fontAlgn="t"/>
                       <a:r>
-                        <a:rPr lang="en-US" sz="900" b="0" i="0" u="none" strike="noStrike" dirty="0">
+                        <a:rPr lang="ja-JP" sz="900" b="0" i="0" u="none" strike="noStrike" dirty="0">
                           <a:solidFill>
                             <a:srgbClr val="020302"/>
                           </a:solidFill>
-                          <a:effectLst/>
-                          <a:latin typeface="AdobeClean-Light"/>
+                          <a:latin typeface="Adobe Clean Han Light" panose="020B0300000000000000" pitchFamily="34" charset="-128"/>
+                          <a:ea typeface="Adobe Clean Han Light" panose="020B0300000000000000" pitchFamily="34" charset="-128"/>
                         </a:rPr>
-                        <a:t>Business hours / 6 hours</a:t>
+                        <a:t>営業時間内／6 時間</a:t>
                       </a:r>
                     </a:p>
                   </a:txBody>
@@ -7021,14 +6796,14 @@
                     <a:p>
                       <a:pPr algn="ctr" fontAlgn="t"/>
                       <a:r>
-                        <a:rPr lang="en-US" sz="900" b="0" i="0" u="none" strike="noStrike" dirty="0">
+                        <a:rPr lang="ja-JP" sz="900" b="0" i="0" u="none" strike="noStrike" dirty="0">
                           <a:solidFill>
                             <a:srgbClr val="020302"/>
                           </a:solidFill>
-                          <a:effectLst/>
-                          <a:latin typeface="AdobeClean-Light"/>
+                          <a:latin typeface="Adobe Clean Han Light" panose="020B0300000000000000" pitchFamily="34" charset="-128"/>
+                          <a:ea typeface="Adobe Clean Han Light" panose="020B0300000000000000" pitchFamily="34" charset="-128"/>
                         </a:rPr>
-                        <a:t>Business hours / 2 hours</a:t>
+                        <a:t>営業時間内／2 時間</a:t>
                       </a:r>
                     </a:p>
                   </a:txBody>
@@ -7075,14 +6850,14 @@
                     <a:p>
                       <a:pPr algn="ctr" fontAlgn="t"/>
                       <a:r>
-                        <a:rPr lang="en-US" sz="900" b="0" i="0" u="none" strike="noStrike" dirty="0">
+                        <a:rPr lang="ja-JP" sz="900" b="0" i="0" u="none" strike="noStrike">
                           <a:solidFill>
                             <a:srgbClr val="020302"/>
                           </a:solidFill>
-                          <a:effectLst/>
-                          <a:latin typeface="AdobeClean-Light"/>
+                          <a:latin typeface="Adobe Clean Han Light" panose="020B0300000000000000" pitchFamily="34" charset="-128"/>
+                          <a:ea typeface="Adobe Clean Han Light" panose="020B0300000000000000" pitchFamily="34" charset="-128"/>
                         </a:rPr>
-                        <a:t>24x5 / 1 hour</a:t>
+                        <a:t>平日 24 時間／1 時間</a:t>
                       </a:r>
                     </a:p>
                   </a:txBody>
@@ -7134,19 +6909,16 @@
                         </a:spcBef>
                       </a:pPr>
                       <a:r>
-                        <a:rPr sz="900" b="1" spc="0" dirty="0">
+                        <a:rPr lang="ja-JP" sz="900" b="1" dirty="0">
                           <a:solidFill>
                             <a:srgbClr val="020302"/>
                           </a:solidFill>
-                          <a:latin typeface="Adobe Clean"/>
+                          <a:latin typeface="Adobe Clean Han Bold" panose="020B0600000000000000" pitchFamily="34" charset="-128"/>
+                          <a:ea typeface="Adobe Clean Han Bold" panose="020B0600000000000000" pitchFamily="34" charset="-128"/>
                           <a:cs typeface="Adobe Clean"/>
                         </a:rPr>
-                        <a:t>PRIORITY 4</a:t>
+                        <a:t>優先度 4</a:t>
                       </a:r>
-                      <a:endParaRPr sz="900" spc="0" dirty="0">
-                        <a:latin typeface="Adobe Clean"/>
-                        <a:cs typeface="Adobe Clean"/>
-                      </a:endParaRPr>
                     </a:p>
                     <a:p>
                       <a:pPr marL="48895" marR="0" indent="0" defTabSz="914400" eaLnBrk="1" fontAlgn="auto" latinLnBrk="0" hangingPunct="1">
@@ -7167,19 +6939,15 @@
                         <a:defRPr/>
                       </a:pPr>
                       <a:r>
-                        <a:rPr lang="en-US" sz="900" b="0" i="0" spc="0" dirty="0">
+                        <a:rPr lang="ja-JP" sz="900" b="0" i="0" dirty="0">
                           <a:solidFill>
                             <a:srgbClr val="000000"/>
                           </a:solidFill>
-                          <a:effectLst/>
-                          <a:latin typeface="Adobe Clean Light" panose="020B0303020404020204" pitchFamily="34" charset="0"/>
+                          <a:latin typeface="Adobe Clean Han Light" panose="020B0300000000000000" pitchFamily="34" charset="-128"/>
+                          <a:ea typeface="Adobe Clean Han Light" panose="020B0300000000000000" pitchFamily="34" charset="-128"/>
                         </a:rPr>
-                        <a:t>General question regarding current product functionality or an enhancement request </a:t>
+                        <a:t>現在の製品機能に関する一般的な質問または機能拡張のリクエスト。 </a:t>
                       </a:r>
-                      <a:endParaRPr sz="900" b="0" i="0" spc="0" dirty="0">
-                        <a:latin typeface="Adobe Clean Light" panose="020B0303020404020204" pitchFamily="34" charset="0"/>
-                        <a:cs typeface="AdobeClean-Light"/>
-                      </a:endParaRPr>
                     </a:p>
                   </a:txBody>
                   <a:tcPr marL="0" marR="0" marT="0" marB="0" anchor="ctr">
@@ -7219,14 +6987,14 @@
                     <a:p>
                       <a:pPr algn="ctr" fontAlgn="t"/>
                       <a:r>
-                        <a:rPr lang="en-US" sz="900" b="0" i="0" u="none" strike="noStrike" dirty="0">
+                        <a:rPr lang="ja-JP" sz="900" b="0" i="0" u="none" strike="noStrike">
                           <a:solidFill>
                             <a:srgbClr val="020302"/>
                           </a:solidFill>
-                          <a:effectLst/>
-                          <a:latin typeface="AdobeClean-Light"/>
+                          <a:latin typeface="Adobe Clean Han Light" panose="020B0300000000000000" pitchFamily="34" charset="-128"/>
+                          <a:ea typeface="Adobe Clean Han Light" panose="020B0300000000000000" pitchFamily="34" charset="-128"/>
                         </a:rPr>
-                        <a:t>Business days / 3 days</a:t>
+                        <a:t>営業日／3 日</a:t>
                       </a:r>
                     </a:p>
                   </a:txBody>
@@ -7264,14 +7032,14 @@
                     <a:p>
                       <a:pPr algn="ctr" fontAlgn="t"/>
                       <a:r>
-                        <a:rPr lang="en-US" sz="900" b="0" i="0" u="none" strike="noStrike" dirty="0">
+                        <a:rPr lang="ja-JP" sz="900" b="0" i="0" u="none" strike="noStrike">
                           <a:solidFill>
                             <a:srgbClr val="020302"/>
                           </a:solidFill>
-                          <a:effectLst/>
-                          <a:latin typeface="AdobeClean-Light" panose="020B0503020404020204" pitchFamily="34" charset="0"/>
+                          <a:latin typeface="Adobe Clean Han Light" panose="020B0300000000000000" pitchFamily="34" charset="-128"/>
+                          <a:ea typeface="Adobe Clean Han Light" panose="020B0300000000000000" pitchFamily="34" charset="-128"/>
                         </a:rPr>
-                        <a:t>Business day / 1 day</a:t>
+                        <a:t>営業日／1 日</a:t>
                       </a:r>
                     </a:p>
                   </a:txBody>
@@ -7315,14 +7083,14 @@
                     <a:p>
                       <a:pPr algn="ctr" fontAlgn="t"/>
                       <a:r>
-                        <a:rPr lang="en-US" sz="900" b="0" i="0" u="none" strike="noStrike" dirty="0">
+                        <a:rPr lang="ja-JP" sz="900" b="0" i="0" u="none" strike="noStrike" dirty="0">
                           <a:solidFill>
                             <a:srgbClr val="020302"/>
                           </a:solidFill>
-                          <a:effectLst/>
-                          <a:latin typeface="AdobeClean-Light" panose="020B0503020404020204" pitchFamily="34" charset="0"/>
+                          <a:latin typeface="Adobe Clean Han Light" panose="020B0300000000000000" pitchFamily="34" charset="-128"/>
+                          <a:ea typeface="Adobe Clean Han Light" panose="020B0300000000000000" pitchFamily="34" charset="-128"/>
                         </a:rPr>
-                        <a:t>Business day / 1 day</a:t>
+                        <a:t>営業日／1 日</a:t>
                       </a:r>
                     </a:p>
                   </a:txBody>
@@ -7403,20 +7171,12 @@
               </a:spcBef>
             </a:pPr>
             <a:r>
-              <a:rPr sz="2300" dirty="0">
-                <a:latin typeface="Adobe Clean"/>
+              <a:rPr lang="ja-JP" sz="2300" dirty="0">
+                <a:latin typeface="Adobe Clean Han Bold" panose="020B0600000000000000" pitchFamily="34" charset="-128"/>
+                <a:ea typeface="Adobe Clean Han Bold" panose="020B0600000000000000" pitchFamily="34" charset="-128"/>
               </a:rPr>
-              <a:t>ADOBE </a:t>
+              <a:t>アドビサポートのプラン</a:t>
             </a:r>
-            <a:r>
-              <a:rPr lang="en-US" sz="2300" dirty="0">
-                <a:latin typeface="Adobe Clean"/>
-              </a:rPr>
-              <a:t>SUPPORT PLANS</a:t>
-            </a:r>
-            <a:endParaRPr sz="2300" dirty="0">
-              <a:latin typeface="Adobe Clean" panose="020B0503020404020204" pitchFamily="34" charset="0"/>
-            </a:endParaRPr>
           </a:p>
         </p:txBody>
       </p:sp>
@@ -7455,6 +7215,68 @@
                 </a:solidFill>
               </a:rPr>
               <a:t>Adobe Experience Cloud</a:t>
+            </a:r>
+          </a:p>
+        </p:txBody>
+      </p:sp>
+      <p:sp>
+        <p:nvSpPr>
+          <p:cNvPr id="11" name="object 10">
+            <a:extLst>
+              <a:ext uri="{FF2B5EF4-FFF2-40B4-BE49-F238E27FC236}">
+                <a16:creationId xmlns:a16="http://schemas.microsoft.com/office/drawing/2014/main" id="{E8E7CE62-6531-423D-9940-A4C45FE2814C}"/>
+              </a:ext>
+            </a:extLst>
+          </p:cNvPr>
+          <p:cNvSpPr txBox="1">
+            <a:spLocks noGrp="1"/>
+          </p:cNvSpPr>
+          <p:nvPr>
+            <p:ph type="ftr" sz="quarter" idx="5"/>
+          </p:nvPr>
+        </p:nvSpPr>
+        <p:spPr>
+          <a:xfrm>
+            <a:off x="5307201" y="9862966"/>
+            <a:ext cx="2270125" cy="132729"/>
+          </a:xfrm>
+          <a:prstGeom prst="rect">
+            <a:avLst/>
+          </a:prstGeom>
+        </p:spPr>
+        <p:txBody>
+          <a:bodyPr vert="horz" wrap="square" lIns="0" tIns="9525" rIns="0" bIns="0" rtlCol="0">
+            <a:spAutoFit/>
+          </a:bodyPr>
+          <a:lstStyle/>
+          <a:p>
+            <a:pPr marL="12700">
+              <a:lnSpc>
+                <a:spcPct val="100000"/>
+              </a:lnSpc>
+              <a:spcBef>
+                <a:spcPts val="75"/>
+              </a:spcBef>
+            </a:pPr>
+            <a:r>
+              <a:rPr spc="-5" dirty="0"/>
+              <a:t>©202</a:t>
+            </a:r>
+            <a:r>
+              <a:rPr lang="en-US" spc="-5" dirty="0"/>
+              <a:t>1</a:t>
+            </a:r>
+            <a:r>
+              <a:rPr spc="-5" dirty="0"/>
+              <a:t> Adobe. All Rights Reserved. Adobe</a:t>
+            </a:r>
+            <a:r>
+              <a:rPr spc="60" dirty="0"/>
+              <a:t> </a:t>
+            </a:r>
+            <a:r>
+              <a:rPr spc="-5" dirty="0"/>
+              <a:t>Confidential.</a:t>
             </a:r>
           </a:p>
         </p:txBody>
@@ -7631,7 +7453,10 @@
           <a:bodyPr wrap="square" lIns="0" tIns="0" rIns="0" bIns="0" rtlCol="0"/>
           <a:lstStyle/>
           <a:p>
-            <a:endParaRPr/>
+            <a:endParaRPr>
+              <a:latin typeface="Adobe Clean Han Light" panose="020B0300000000000000" pitchFamily="34" charset="-128"/>
+              <a:ea typeface="Adobe Clean Han Light" panose="020B0300000000000000" pitchFamily="34" charset="-128"/>
+            </a:endParaRPr>
           </a:p>
         </p:txBody>
       </p:sp>
@@ -7673,7 +7498,10 @@
           <a:bodyPr wrap="square" lIns="0" tIns="0" rIns="0" bIns="0" rtlCol="0"/>
           <a:lstStyle/>
           <a:p>
-            <a:endParaRPr/>
+            <a:endParaRPr>
+              <a:latin typeface="Adobe Clean Han Light" panose="020B0300000000000000" pitchFamily="34" charset="-128"/>
+              <a:ea typeface="Adobe Clean Han Light" panose="020B0300000000000000" pitchFamily="34" charset="-128"/>
+            </a:endParaRPr>
           </a:p>
         </p:txBody>
       </p:sp>
@@ -7686,7 +7514,7 @@
         <p:spPr>
           <a:xfrm>
             <a:off x="244598" y="1844378"/>
-            <a:ext cx="7070597" cy="379463"/>
+            <a:ext cx="7070597" cy="561949"/>
           </a:xfrm>
           <a:prstGeom prst="rect">
             <a:avLst/>
@@ -7707,406 +7535,37 @@
               </a:spcBef>
             </a:pPr>
             <a:r>
-              <a:rPr lang="en-US" sz="1000" spc="-20" dirty="0">
+              <a:rPr lang="ja-JP" sz="1000" dirty="0">
                 <a:solidFill>
                   <a:srgbClr val="020302"/>
                 </a:solidFill>
-                <a:latin typeface="AdobeClean-Light"/>
+                <a:latin typeface="Adobe Clean Han Light" panose="020B0300000000000000" pitchFamily="34" charset="-128"/>
+                <a:ea typeface="Adobe Clean Han Light" panose="020B0300000000000000" pitchFamily="34" charset="-128"/>
                 <a:cs typeface="AdobeClean-Light"/>
               </a:rPr>
-              <a:t>Adobe Customer Support offers a</a:t>
+              <a:t>アドビカスタマーサポートでは、ドキュメントのオンラインリソースへのアクセス、ベストプラクティスのための他のエキスパートやお客様との連携、トラブルシューティングのヒントやテクニックのためのウェビナーシリーズ（Office Hours）</a:t>
             </a:r>
-            <a:r>
-              <a:rPr sz="1000" spc="-20" dirty="0">
+            <a:br>
+              <a:rPr lang="cs-CZ" altLang="ja-JP" sz="1000" dirty="0">
                 <a:solidFill>
                   <a:srgbClr val="020302"/>
                 </a:solidFill>
-                <a:latin typeface="AdobeClean-Light"/>
+                <a:latin typeface="Adobe Clean Han Light" panose="020B0300000000000000" pitchFamily="34" charset="-128"/>
+                <a:ea typeface="Adobe Clean Han Light" panose="020B0300000000000000" pitchFamily="34" charset="-128"/>
                 <a:cs typeface="AdobeClean-Light"/>
               </a:rPr>
-              <a:t>ccess</a:t>
-            </a:r>
+            </a:br>
             <a:r>
-              <a:rPr sz="1000" spc="-90" dirty="0">
+              <a:rPr lang="ja-JP" sz="1000" dirty="0">
                 <a:solidFill>
                   <a:srgbClr val="020302"/>
                 </a:solidFill>
-                <a:latin typeface="AdobeClean-Light"/>
+                <a:latin typeface="Adobe Clean Han Light" panose="020B0300000000000000" pitchFamily="34" charset="-128"/>
+                <a:ea typeface="Adobe Clean Han Light" panose="020B0300000000000000" pitchFamily="34" charset="-128"/>
                 <a:cs typeface="AdobeClean-Light"/>
               </a:rPr>
-              <a:t> </a:t>
+              <a:t>を提供しています。また、質問やケース申請のために、いくつかのチャネルが用意されています。</a:t>
             </a:r>
-            <a:r>
-              <a:rPr sz="1000" spc="-10" dirty="0">
-                <a:solidFill>
-                  <a:srgbClr val="020302"/>
-                </a:solidFill>
-                <a:latin typeface="AdobeClean-Light"/>
-                <a:cs typeface="AdobeClean-Light"/>
-              </a:rPr>
-              <a:t>to</a:t>
-            </a:r>
-            <a:r>
-              <a:rPr sz="1000" spc="10" dirty="0">
-                <a:solidFill>
-                  <a:srgbClr val="020302"/>
-                </a:solidFill>
-                <a:latin typeface="AdobeClean-Light"/>
-                <a:cs typeface="AdobeClean-Light"/>
-              </a:rPr>
-              <a:t> </a:t>
-            </a:r>
-            <a:r>
-              <a:rPr lang="en-US" sz="1000" spc="-20" dirty="0">
-                <a:solidFill>
-                  <a:srgbClr val="020302"/>
-                </a:solidFill>
-                <a:latin typeface="AdobeClean-Light"/>
-                <a:cs typeface="AdobeClean-Light"/>
-              </a:rPr>
-              <a:t>online resources </a:t>
-            </a:r>
-            <a:r>
-              <a:rPr sz="1000" spc="-15" dirty="0">
-                <a:solidFill>
-                  <a:srgbClr val="020302"/>
-                </a:solidFill>
-                <a:latin typeface="AdobeClean-Light"/>
-                <a:cs typeface="AdobeClean-Light"/>
-              </a:rPr>
-              <a:t>for</a:t>
-            </a:r>
-            <a:r>
-              <a:rPr sz="1000" spc="-30" dirty="0">
-                <a:solidFill>
-                  <a:srgbClr val="020302"/>
-                </a:solidFill>
-                <a:latin typeface="AdobeClean-Light"/>
-                <a:cs typeface="AdobeClean-Light"/>
-              </a:rPr>
-              <a:t> </a:t>
-            </a:r>
-            <a:r>
-              <a:rPr sz="1000" spc="-15" dirty="0">
-                <a:solidFill>
-                  <a:srgbClr val="020302"/>
-                </a:solidFill>
-                <a:latin typeface="AdobeClean-Light"/>
-                <a:cs typeface="AdobeClean-Light"/>
-              </a:rPr>
-              <a:t>documentation,</a:t>
-            </a:r>
-            <a:r>
-              <a:rPr lang="en-US" sz="1000" spc="-15" dirty="0">
-                <a:solidFill>
-                  <a:srgbClr val="020302"/>
-                </a:solidFill>
-                <a:latin typeface="AdobeClean-Light"/>
-                <a:cs typeface="AdobeClean-Light"/>
-              </a:rPr>
-              <a:t> </a:t>
-            </a:r>
-            <a:r>
-              <a:rPr sz="1000" spc="-15" dirty="0">
-                <a:solidFill>
-                  <a:srgbClr val="020302"/>
-                </a:solidFill>
-                <a:latin typeface="AdobeClean-Light"/>
-                <a:cs typeface="AdobeClean-Light"/>
-              </a:rPr>
-              <a:t>engagement</a:t>
-            </a:r>
-            <a:r>
-              <a:rPr lang="en-US" sz="1000" spc="-15" dirty="0">
-                <a:solidFill>
-                  <a:srgbClr val="020302"/>
-                </a:solidFill>
-                <a:latin typeface="AdobeClean-Light"/>
-                <a:cs typeface="AdobeClean-Light"/>
-              </a:rPr>
-              <a:t> </a:t>
-            </a:r>
-            <a:r>
-              <a:rPr sz="1000" spc="-15" dirty="0">
-                <a:solidFill>
-                  <a:srgbClr val="020302"/>
-                </a:solidFill>
-                <a:latin typeface="AdobeClean-Light"/>
-                <a:cs typeface="AdobeClean-Light"/>
-              </a:rPr>
-              <a:t>with</a:t>
-            </a:r>
-            <a:r>
-              <a:rPr sz="1000" spc="-35" dirty="0">
-                <a:solidFill>
-                  <a:srgbClr val="020302"/>
-                </a:solidFill>
-                <a:latin typeface="AdobeClean-Light"/>
-                <a:cs typeface="AdobeClean-Light"/>
-              </a:rPr>
-              <a:t> </a:t>
-            </a:r>
-            <a:r>
-              <a:rPr sz="1000" spc="-20" dirty="0">
-                <a:solidFill>
-                  <a:srgbClr val="020302"/>
-                </a:solidFill>
-                <a:latin typeface="AdobeClean-Light"/>
-                <a:cs typeface="AdobeClean-Light"/>
-              </a:rPr>
-              <a:t>other experts </a:t>
-            </a:r>
-            <a:r>
-              <a:rPr sz="1000" spc="-15" dirty="0">
-                <a:solidFill>
-                  <a:srgbClr val="020302"/>
-                </a:solidFill>
-                <a:latin typeface="AdobeClean-Light"/>
-                <a:cs typeface="AdobeClean-Light"/>
-              </a:rPr>
-              <a:t>and </a:t>
-            </a:r>
-            <a:r>
-              <a:rPr sz="1000" spc="-20" dirty="0">
-                <a:solidFill>
-                  <a:srgbClr val="020302"/>
-                </a:solidFill>
-                <a:latin typeface="AdobeClean-Light"/>
-                <a:cs typeface="AdobeClean-Light"/>
-              </a:rPr>
-              <a:t>customers </a:t>
-            </a:r>
-            <a:r>
-              <a:rPr sz="1000" spc="-15" dirty="0">
-                <a:solidFill>
-                  <a:srgbClr val="020302"/>
-                </a:solidFill>
-                <a:latin typeface="AdobeClean-Light"/>
-                <a:cs typeface="AdobeClean-Light"/>
-              </a:rPr>
-              <a:t>for best </a:t>
-            </a:r>
-            <a:r>
-              <a:rPr sz="1000" spc="-20" dirty="0">
-                <a:solidFill>
-                  <a:srgbClr val="020302"/>
-                </a:solidFill>
-                <a:latin typeface="AdobeClean-Light"/>
-                <a:cs typeface="AdobeClean-Light"/>
-              </a:rPr>
-              <a:t>practices, </a:t>
-            </a:r>
-            <a:r>
-              <a:rPr sz="1000" spc="-15" dirty="0">
-                <a:solidFill>
-                  <a:srgbClr val="020302"/>
-                </a:solidFill>
-                <a:latin typeface="AdobeClean-Light"/>
-                <a:cs typeface="AdobeClean-Light"/>
-              </a:rPr>
-              <a:t>and </a:t>
-            </a:r>
-            <a:r>
-              <a:rPr sz="1000" spc="-20" dirty="0">
-                <a:solidFill>
-                  <a:srgbClr val="020302"/>
-                </a:solidFill>
-                <a:latin typeface="AdobeClean-Light"/>
-                <a:cs typeface="AdobeClean-Light"/>
-              </a:rPr>
-              <a:t>webinar series (Office </a:t>
-            </a:r>
-            <a:r>
-              <a:rPr sz="1000" spc="-15" dirty="0">
-                <a:solidFill>
-                  <a:srgbClr val="020302"/>
-                </a:solidFill>
-                <a:latin typeface="AdobeClean-Light"/>
-                <a:cs typeface="AdobeClean-Light"/>
-              </a:rPr>
-              <a:t>Hours) for </a:t>
-            </a:r>
-            <a:r>
-              <a:rPr sz="1000" spc="-20" dirty="0">
-                <a:solidFill>
-                  <a:srgbClr val="020302"/>
-                </a:solidFill>
-                <a:latin typeface="AdobeClean-Light"/>
-                <a:cs typeface="AdobeClean-Light"/>
-              </a:rPr>
-              <a:t>troubleshooting </a:t>
-            </a:r>
-            <a:r>
-              <a:rPr sz="1000" spc="-15" dirty="0">
-                <a:solidFill>
-                  <a:srgbClr val="020302"/>
-                </a:solidFill>
-                <a:latin typeface="AdobeClean-Light"/>
-                <a:cs typeface="AdobeClean-Light"/>
-              </a:rPr>
-              <a:t>tips and </a:t>
-            </a:r>
-            <a:r>
-              <a:rPr sz="1000" spc="-20" dirty="0">
-                <a:solidFill>
-                  <a:srgbClr val="020302"/>
-                </a:solidFill>
-                <a:latin typeface="AdobeClean-Light"/>
-                <a:cs typeface="AdobeClean-Light"/>
-              </a:rPr>
-              <a:t>tricks. Several channels </a:t>
-            </a:r>
-            <a:r>
-              <a:rPr lang="en-US" sz="1000" spc="-15" dirty="0">
-                <a:solidFill>
-                  <a:srgbClr val="020302"/>
-                </a:solidFill>
-                <a:latin typeface="AdobeClean-Light"/>
-                <a:cs typeface="AdobeClean-Light"/>
-              </a:rPr>
-              <a:t>are </a:t>
-            </a:r>
-            <a:r>
-              <a:rPr lang="en-US" sz="1000" spc="-20" dirty="0">
-                <a:solidFill>
-                  <a:srgbClr val="020302"/>
-                </a:solidFill>
-                <a:latin typeface="AdobeClean-Light"/>
-                <a:cs typeface="AdobeClean-Light"/>
-              </a:rPr>
-              <a:t>also</a:t>
-            </a:r>
-            <a:r>
-              <a:rPr lang="en-US" sz="1000" dirty="0">
-                <a:latin typeface="AdobeClean-Light"/>
-                <a:cs typeface="AdobeClean-Light"/>
-              </a:rPr>
-              <a:t> </a:t>
-            </a:r>
-            <a:r>
-              <a:rPr sz="1000" spc="-25" dirty="0">
-                <a:solidFill>
-                  <a:srgbClr val="020302"/>
-                </a:solidFill>
-                <a:latin typeface="AdobeClean-Light"/>
-                <a:cs typeface="AdobeClean-Light"/>
-              </a:rPr>
-              <a:t>available</a:t>
-            </a:r>
-            <a:r>
-              <a:rPr sz="1000" spc="-65" dirty="0">
-                <a:solidFill>
-                  <a:srgbClr val="020302"/>
-                </a:solidFill>
-                <a:latin typeface="AdobeClean-Light"/>
-                <a:cs typeface="AdobeClean-Light"/>
-              </a:rPr>
-              <a:t> </a:t>
-            </a:r>
-            <a:r>
-              <a:rPr sz="1000" spc="-15" dirty="0">
-                <a:solidFill>
-                  <a:srgbClr val="020302"/>
-                </a:solidFill>
-                <a:latin typeface="AdobeClean-Light"/>
-                <a:cs typeface="AdobeClean-Light"/>
-              </a:rPr>
-              <a:t>for</a:t>
-            </a:r>
-            <a:r>
-              <a:rPr sz="1000" spc="-25" dirty="0">
-                <a:solidFill>
-                  <a:srgbClr val="020302"/>
-                </a:solidFill>
-                <a:latin typeface="AdobeClean-Light"/>
-                <a:cs typeface="AdobeClean-Light"/>
-              </a:rPr>
-              <a:t> </a:t>
-            </a:r>
-            <a:r>
-              <a:rPr sz="1000" spc="-20" dirty="0">
-                <a:solidFill>
-                  <a:srgbClr val="020302"/>
-                </a:solidFill>
-                <a:latin typeface="AdobeClean-Light"/>
-                <a:cs typeface="AdobeClean-Light"/>
-              </a:rPr>
-              <a:t>questions</a:t>
-            </a:r>
-            <a:r>
-              <a:rPr sz="1000" spc="-114" dirty="0">
-                <a:solidFill>
-                  <a:srgbClr val="020302"/>
-                </a:solidFill>
-                <a:latin typeface="AdobeClean-Light"/>
-                <a:cs typeface="AdobeClean-Light"/>
-              </a:rPr>
-              <a:t> </a:t>
-            </a:r>
-            <a:r>
-              <a:rPr sz="1000" spc="-15" dirty="0">
-                <a:solidFill>
-                  <a:srgbClr val="020302"/>
-                </a:solidFill>
-                <a:latin typeface="AdobeClean-Light"/>
-                <a:cs typeface="AdobeClean-Light"/>
-              </a:rPr>
-              <a:t>and</a:t>
-            </a:r>
-            <a:r>
-              <a:rPr sz="1000" spc="-45" dirty="0">
-                <a:solidFill>
-                  <a:srgbClr val="020302"/>
-                </a:solidFill>
-                <a:latin typeface="AdobeClean-Light"/>
-                <a:cs typeface="AdobeClean-Light"/>
-              </a:rPr>
-              <a:t> </a:t>
-            </a:r>
-            <a:r>
-              <a:rPr sz="1000" spc="-20" dirty="0">
-                <a:solidFill>
-                  <a:srgbClr val="020302"/>
-                </a:solidFill>
-                <a:latin typeface="AdobeClean-Light"/>
-                <a:cs typeface="AdobeClean-Light"/>
-              </a:rPr>
-              <a:t>case</a:t>
-            </a:r>
-            <a:r>
-              <a:rPr sz="1000" spc="-35" dirty="0">
-                <a:solidFill>
-                  <a:srgbClr val="020302"/>
-                </a:solidFill>
-                <a:latin typeface="AdobeClean-Light"/>
-                <a:cs typeface="AdobeClean-Light"/>
-              </a:rPr>
-              <a:t> </a:t>
-            </a:r>
-            <a:r>
-              <a:rPr sz="1000" spc="-20" dirty="0">
-                <a:solidFill>
-                  <a:srgbClr val="020302"/>
-                </a:solidFill>
-                <a:latin typeface="AdobeClean-Light"/>
-                <a:cs typeface="AdobeClean-Light"/>
-              </a:rPr>
-              <a:t>submissions</a:t>
-            </a:r>
-            <a:r>
-              <a:rPr lang="en-US" sz="1000" spc="-20" dirty="0">
-                <a:solidFill>
-                  <a:srgbClr val="020302"/>
-                </a:solidFill>
-                <a:latin typeface="AdobeClean-Light"/>
-                <a:cs typeface="AdobeClean-Light"/>
-              </a:rPr>
-              <a:t>.</a:t>
-            </a:r>
-            <a:endParaRPr sz="1000" dirty="0">
-              <a:latin typeface="AdobeClean-Light"/>
-              <a:cs typeface="AdobeClean-Light"/>
-            </a:endParaRPr>
           </a:p>
         </p:txBody>
       </p:sp>
@@ -8119,7 +7578,7 @@
         <p:spPr>
           <a:xfrm>
             <a:off x="206585" y="8494028"/>
-            <a:ext cx="3270885" cy="302647"/>
+            <a:ext cx="3270885" cy="579646"/>
           </a:xfrm>
           <a:prstGeom prst="rect">
             <a:avLst/>
@@ -8140,174 +7599,15 @@
               </a:tabLst>
             </a:pPr>
             <a:r>
-              <a:rPr sz="900" spc="-20" dirty="0">
+              <a:rPr lang="ja-JP" sz="900" dirty="0">
                 <a:solidFill>
                   <a:srgbClr val="020302"/>
                 </a:solidFill>
-                <a:latin typeface="AdobeClean-Light"/>
+                <a:latin typeface="Adobe Clean Han Light" panose="020B0300000000000000" pitchFamily="34" charset="-128"/>
+                <a:ea typeface="Adobe Clean Han Light" panose="020B0300000000000000" pitchFamily="34" charset="-128"/>
                 <a:cs typeface="AdobeClean-Light"/>
               </a:rPr>
-              <a:t>Start </a:t>
-            </a:r>
-            <a:r>
-              <a:rPr sz="900" dirty="0">
-                <a:solidFill>
-                  <a:srgbClr val="020302"/>
-                </a:solidFill>
-                <a:latin typeface="AdobeClean-Light"/>
-                <a:cs typeface="AdobeClean-Light"/>
-              </a:rPr>
-              <a:t>a </a:t>
-            </a:r>
-            <a:r>
-              <a:rPr sz="900" spc="-15" dirty="0">
-                <a:solidFill>
-                  <a:srgbClr val="020302"/>
-                </a:solidFill>
-                <a:latin typeface="AdobeClean-Light"/>
-                <a:cs typeface="AdobeClean-Light"/>
-              </a:rPr>
-              <a:t>chat </a:t>
-            </a:r>
-            <a:r>
-              <a:rPr sz="900" spc="-10" dirty="0">
-                <a:solidFill>
-                  <a:srgbClr val="020302"/>
-                </a:solidFill>
-                <a:latin typeface="AdobeClean-Light"/>
-                <a:cs typeface="AdobeClean-Light"/>
-              </a:rPr>
-              <a:t>session </a:t>
-            </a:r>
-            <a:r>
-              <a:rPr sz="900" spc="-5" dirty="0">
-                <a:solidFill>
-                  <a:srgbClr val="020302"/>
-                </a:solidFill>
-                <a:latin typeface="AdobeClean-Light"/>
-                <a:cs typeface="AdobeClean-Light"/>
-              </a:rPr>
-              <a:t>to </a:t>
-            </a:r>
-            <a:r>
-              <a:rPr sz="900" spc="-10" dirty="0">
-                <a:solidFill>
-                  <a:srgbClr val="020302"/>
-                </a:solidFill>
-                <a:latin typeface="AdobeClean-Light"/>
-                <a:cs typeface="AdobeClean-Light"/>
-              </a:rPr>
-              <a:t>get</a:t>
-            </a:r>
-            <a:r>
-              <a:rPr lang="en-US" sz="900" spc="-10" dirty="0">
-                <a:solidFill>
-                  <a:srgbClr val="020302"/>
-                </a:solidFill>
-                <a:latin typeface="AdobeClean-Light"/>
-                <a:cs typeface="AdobeClean-Light"/>
-              </a:rPr>
-              <a:t> </a:t>
-            </a:r>
-            <a:r>
-              <a:rPr sz="900" spc="30" dirty="0">
-                <a:solidFill>
-                  <a:srgbClr val="020302"/>
-                </a:solidFill>
-                <a:latin typeface="AdobeClean-Light"/>
-                <a:cs typeface="AdobeClean-Light"/>
-              </a:rPr>
-              <a:t> </a:t>
-            </a:r>
-            <a:r>
-              <a:rPr sz="900" spc="-20" dirty="0">
-                <a:solidFill>
-                  <a:srgbClr val="020302"/>
-                </a:solidFill>
-                <a:latin typeface="AdobeClean-Light"/>
-                <a:cs typeface="AdobeClean-Light"/>
-              </a:rPr>
-              <a:t>answers</a:t>
-            </a:r>
-            <a:r>
-              <a:rPr lang="en-US" sz="900" spc="-45" dirty="0">
-                <a:solidFill>
-                  <a:srgbClr val="020302"/>
-                </a:solidFill>
-                <a:latin typeface="AdobeClean-Light"/>
-                <a:cs typeface="AdobeClean-Light"/>
-              </a:rPr>
-              <a:t> </a:t>
-            </a:r>
-            <a:r>
-              <a:rPr lang="en-US" sz="900" dirty="0">
-                <a:solidFill>
-                  <a:srgbClr val="020302"/>
-                </a:solidFill>
-                <a:latin typeface="AdobeClean-Light"/>
-                <a:cs typeface="AdobeClean-Light"/>
-              </a:rPr>
-              <a:t>&amp; </a:t>
-            </a:r>
-            <a:r>
-              <a:rPr sz="900" spc="-15" dirty="0">
-                <a:solidFill>
-                  <a:srgbClr val="020302"/>
-                </a:solidFill>
-                <a:latin typeface="AdobeClean-Light"/>
-                <a:cs typeface="AdobeClean-Light"/>
-              </a:rPr>
-              <a:t>help </a:t>
-            </a:r>
-            <a:r>
-              <a:rPr sz="900" spc="-10" dirty="0">
-                <a:solidFill>
-                  <a:srgbClr val="020302"/>
-                </a:solidFill>
-                <a:latin typeface="AdobeClean-Light"/>
-                <a:cs typeface="AdobeClean-Light"/>
-              </a:rPr>
-              <a:t>with</a:t>
-            </a:r>
-            <a:r>
-              <a:rPr sz="900" spc="85" dirty="0">
-                <a:solidFill>
-                  <a:srgbClr val="020302"/>
-                </a:solidFill>
-                <a:latin typeface="AdobeClean-Light"/>
-                <a:cs typeface="AdobeClean-Light"/>
-              </a:rPr>
-              <a:t> </a:t>
-            </a:r>
-            <a:r>
-              <a:rPr sz="900" spc="-10" dirty="0">
-                <a:solidFill>
-                  <a:srgbClr val="020302"/>
-                </a:solidFill>
-                <a:latin typeface="AdobeClean-Light"/>
-                <a:cs typeface="AdobeClean-Light"/>
-              </a:rPr>
-              <a:t>case </a:t>
-            </a:r>
-            <a:r>
-              <a:rPr sz="900" spc="-20" dirty="0">
-                <a:solidFill>
-                  <a:srgbClr val="020302"/>
-                </a:solidFill>
-                <a:latin typeface="AdobeClean-Light"/>
-                <a:cs typeface="AdobeClean-Light"/>
-              </a:rPr>
-              <a:t>submission</a:t>
-            </a:r>
-            <a:r>
-              <a:rPr lang="en-US" sz="900" spc="-20" dirty="0">
-                <a:solidFill>
-                  <a:srgbClr val="020302"/>
-                </a:solidFill>
-                <a:latin typeface="AdobeClean-Light"/>
-                <a:cs typeface="AdobeClean-Light"/>
-              </a:rPr>
-              <a:t>.</a:t>
+              <a:t>チャットセッションを開始すると、回答やケース申請による支援を受けることができます。</a:t>
             </a:r>
           </a:p>
           <a:p>
@@ -8323,29 +7623,16 @@
               </a:tabLst>
             </a:pPr>
             <a:r>
-              <a:rPr sz="900" i="1" spc="-10" dirty="0">
+              <a:rPr lang="ja-JP" sz="900" i="1" dirty="0">
                 <a:solidFill>
                   <a:srgbClr val="7A7A7A"/>
                 </a:solidFill>
-                <a:latin typeface="AdobeClean-LightIt"/>
+                <a:latin typeface="Adobe Clean Han Light" panose="020B0300000000000000" pitchFamily="34" charset="-128"/>
+                <a:ea typeface="Adobe Clean Han Light" panose="020B0300000000000000" pitchFamily="34" charset="-128"/>
                 <a:cs typeface="AdobeClean-LightIt"/>
               </a:rPr>
-              <a:t>*Not all </a:t>
+              <a:t>* すべての製品にライブチャットサポートがあるわけではありません。  </a:t>
             </a:r>
-            <a:r>
-              <a:rPr sz="900" i="1" spc="-20" dirty="0">
-                <a:solidFill>
-                  <a:srgbClr val="7A7A7A"/>
-                </a:solidFill>
-                <a:latin typeface="AdobeClean-LightIt"/>
-                <a:cs typeface="AdobeClean-LightIt"/>
-              </a:rPr>
-              <a:t>products have live chat support.  </a:t>
-            </a:r>
-            <a:endParaRPr sz="900" dirty="0">
-              <a:latin typeface="AdobeClean-Light"/>
-              <a:cs typeface="AdobeClean-Light"/>
-            </a:endParaRPr>
           </a:p>
         </p:txBody>
       </p:sp>
@@ -8393,7 +7680,7 @@
         <p:spPr>
           <a:xfrm>
             <a:off x="244599" y="1037692"/>
-            <a:ext cx="1501052" cy="307777"/>
+            <a:ext cx="1303562" cy="307777"/>
           </a:xfrm>
           <a:prstGeom prst="rect">
             <a:avLst/>
@@ -8414,19 +7701,16 @@
               </a:spcBef>
             </a:pPr>
             <a:r>
-              <a:rPr lang="en-US" sz="1400" b="1" spc="-10" dirty="0">
+              <a:rPr lang="ja-JP" sz="1400" b="1" dirty="0">
                 <a:solidFill>
                   <a:srgbClr val="020302"/>
                 </a:solidFill>
-                <a:latin typeface="Adobe Clean"/>
+                <a:latin typeface="Adobe Clean Han Bold" panose="020B0600000000000000" pitchFamily="34" charset="-128"/>
+                <a:ea typeface="Adobe Clean Han Bold" panose="020B0600000000000000" pitchFamily="34" charset="-128"/>
                 <a:cs typeface="Adobe Clean"/>
               </a:rPr>
-              <a:t>Standard Support</a:t>
+              <a:t>標準サポート</a:t>
             </a:r>
-            <a:endParaRPr lang="en-US" sz="1400" dirty="0">
-              <a:latin typeface="Adobe Clean"/>
-              <a:cs typeface="Adobe Clean"/>
-            </a:endParaRPr>
           </a:p>
         </p:txBody>
       </p:sp>
@@ -8447,7 +7731,7 @@
         <p:spPr>
           <a:xfrm>
             <a:off x="296036" y="3364174"/>
-            <a:ext cx="1568246" cy="184666"/>
+            <a:ext cx="1568246" cy="369332"/>
           </a:xfrm>
           <a:prstGeom prst="rect">
             <a:avLst/>
@@ -8473,12 +7757,14 @@
               <a:defRPr/>
             </a:pPr>
             <a:r>
-              <a:rPr lang="en-US" sz="1200" dirty="0">
+              <a:rPr lang="ja-JP" sz="1200" dirty="0">
                 <a:solidFill>
                   <a:srgbClr val="000000"/>
                 </a:solidFill>
+                <a:latin typeface="Adobe Clean Han Light" panose="020B0300000000000000" pitchFamily="34" charset="-128"/>
+                <a:ea typeface="Adobe Clean Han Light" panose="020B0300000000000000" pitchFamily="34" charset="-128"/>
               </a:rPr>
-              <a:t>Community Forums</a:t>
+              <a:t>コミュニティフォーラム</a:t>
             </a:r>
           </a:p>
         </p:txBody>
@@ -8499,8 +7785,8 @@
         </p:nvSpPr>
         <p:spPr>
           <a:xfrm>
-            <a:off x="296036" y="3607329"/>
-            <a:ext cx="959314" cy="184666"/>
+            <a:off x="296035" y="3607329"/>
+            <a:ext cx="2066163" cy="184666"/>
           </a:xfrm>
           <a:prstGeom prst="rect">
             <a:avLst/>
@@ -8521,12 +7807,12 @@
               </a:spcAft>
             </a:pPr>
             <a:r>
-              <a:rPr lang="en-US" sz="1200" b="1" dirty="0">
-                <a:latin typeface="+mj-lt"/>
-                <a:ea typeface="Open Sans" pitchFamily="34" charset="0"/>
+              <a:rPr lang="ja-JP" sz="1200" b="1" dirty="0">
+                <a:latin typeface="Adobe Clean Han Bold" panose="020B0600000000000000" pitchFamily="34" charset="-128"/>
+                <a:ea typeface="Adobe Clean Han Bold" panose="020B0600000000000000" pitchFamily="34" charset="-128"/>
                 <a:cs typeface="Open Sans" pitchFamily="34" charset="0"/>
               </a:rPr>
-              <a:t>Online Forums</a:t>
+              <a:t>オンラインフォーラム</a:t>
             </a:r>
           </a:p>
         </p:txBody>
@@ -8546,7 +7832,7 @@
         <p:spPr>
           <a:xfrm>
             <a:off x="244599" y="3893151"/>
-            <a:ext cx="3413002" cy="651460"/>
+            <a:ext cx="3413002" cy="805349"/>
           </a:xfrm>
           <a:prstGeom prst="rect">
             <a:avLst/>
@@ -8559,13 +7845,14 @@
           <a:lstStyle/>
           <a:p>
             <a:r>
-              <a:rPr lang="en-US" sz="1000" dirty="0">
+              <a:rPr lang="ja-JP" sz="1000">
                 <a:solidFill>
                   <a:srgbClr val="000000"/>
                 </a:solidFill>
-                <a:latin typeface="Adobe Clean Light" panose="020B0303020404020204" pitchFamily="34" charset="0"/>
+                <a:latin typeface="Adobe Clean Han Light" panose="020B0300000000000000" pitchFamily="34" charset="-128"/>
+                <a:ea typeface="Adobe Clean Han Light" panose="020B0300000000000000" pitchFamily="34" charset="-128"/>
               </a:rPr>
-              <a:t>Continuous online access to a growing database of technical solutions, product documentation, FAQs and more. Connect with practitioners and other customers on Adobe Community to share best practices and lessons learned.</a:t>
+              <a:t>テクニカルソリューション、製品ドキュメント、FAQ などの増大するデータベースにオンラインで継続的にアクセスできます。また、アドビコミュニティで実務担当者や他のお客様と繋がり、ベストプラクティスや学習した内容を共有できます。</a:t>
             </a:r>
           </a:p>
         </p:txBody>
@@ -8613,10 +7900,12 @@
               <a:defRPr/>
             </a:pPr>
             <a:r>
-              <a:rPr lang="en-US" sz="1200" dirty="0">
+              <a:rPr lang="ja-JP" sz="1200">
                 <a:solidFill>
                   <a:srgbClr val="000000"/>
                 </a:solidFill>
+                <a:latin typeface="Adobe Clean Han Light" panose="020B0300000000000000" pitchFamily="34" charset="-128"/>
+                <a:ea typeface="Adobe Clean Han Light" panose="020B0300000000000000" pitchFamily="34" charset="-128"/>
               </a:rPr>
               <a:t>Experience League</a:t>
             </a:r>
@@ -8640,7 +7929,7 @@
         <p:spPr>
           <a:xfrm>
             <a:off x="235430" y="5871701"/>
-            <a:ext cx="1316707" cy="184666"/>
+            <a:ext cx="1745671" cy="184666"/>
           </a:xfrm>
           <a:prstGeom prst="rect">
             <a:avLst/>
@@ -8661,12 +7950,12 @@
               </a:spcAft>
             </a:pPr>
             <a:r>
-              <a:rPr lang="en-US" sz="1200" b="1" dirty="0">
-                <a:latin typeface="+mj-lt"/>
-                <a:ea typeface="Open Sans" pitchFamily="34" charset="0"/>
+              <a:rPr lang="ja-JP" sz="1200" b="1">
+                <a:latin typeface="Adobe Clean Han Bold" panose="020B0600000000000000" pitchFamily="34" charset="-128"/>
+                <a:ea typeface="Adobe Clean Han Bold" panose="020B0600000000000000" pitchFamily="34" charset="-128"/>
                 <a:cs typeface="Open Sans" pitchFamily="34" charset="0"/>
               </a:rPr>
-              <a:t>Self-guided Journeys</a:t>
+              <a:t>セルフガイドジャーニー</a:t>
             </a:r>
           </a:p>
         </p:txBody>
@@ -8686,7 +7975,7 @@
         <p:spPr>
           <a:xfrm>
             <a:off x="257325" y="6132567"/>
-            <a:ext cx="3413002" cy="651460"/>
+            <a:ext cx="3413002" cy="959237"/>
           </a:xfrm>
           <a:prstGeom prst="rect">
             <a:avLst/>
@@ -8699,13 +7988,14 @@
           <a:lstStyle/>
           <a:p>
             <a:r>
-              <a:rPr lang="en-US" sz="1000" dirty="0">
+              <a:rPr lang="ja-JP" sz="1000">
                 <a:solidFill>
                   <a:srgbClr val="000000"/>
                 </a:solidFill>
-                <a:latin typeface="Adobe Clean Light" panose="020B0303020404020204" pitchFamily="34" charset="0"/>
+                <a:latin typeface="Adobe Clean Han Light" panose="020B0300000000000000" pitchFamily="34" charset="-128"/>
+                <a:ea typeface="Adobe Clean Han Light" panose="020B0300000000000000" pitchFamily="34" charset="-128"/>
               </a:rPr>
-              <a:t>Experience Makers are made with Experience League. Customers can kickstart their Customer Experience Management abilities with personalized learning to develop skills, engage with a global community of peers, and earn career advancing recognition. </a:t>
+              <a:t>エクスペリエンスメーカーは、Experience League から誕生します。Experience League に参加すると、パーソナライズされた学習で、顧客体験管理能力を強化することができます。スキルの向上や、グローバルコミュニティでの仲間との交流のほか、キャリアアップに役立つ評価の獲得も可能です。 </a:t>
             </a:r>
           </a:p>
         </p:txBody>
@@ -8753,10 +8043,12 @@
               <a:defRPr/>
             </a:pPr>
             <a:r>
-              <a:rPr lang="en-US" sz="1200" dirty="0">
+              <a:rPr lang="ja-JP" sz="1200">
                 <a:solidFill>
                   <a:srgbClr val="000000"/>
                 </a:solidFill>
+                <a:latin typeface="Adobe Clean Han Light" panose="020B0300000000000000" pitchFamily="34" charset="-128"/>
+                <a:ea typeface="Adobe Clean Han Light" panose="020B0300000000000000" pitchFamily="34" charset="-128"/>
               </a:rPr>
               <a:t>Office Hours</a:t>
             </a:r>
@@ -8780,7 +8072,7 @@
         <p:spPr>
           <a:xfrm>
             <a:off x="3846881" y="3607329"/>
-            <a:ext cx="604974" cy="184666"/>
+            <a:ext cx="793487" cy="184666"/>
           </a:xfrm>
           <a:prstGeom prst="rect">
             <a:avLst/>
@@ -8801,12 +8093,12 @@
               </a:spcAft>
             </a:pPr>
             <a:r>
-              <a:rPr lang="en-US" sz="1200" b="1" dirty="0">
-                <a:latin typeface="+mj-lt"/>
-                <a:ea typeface="Open Sans" pitchFamily="34" charset="0"/>
+              <a:rPr lang="ja-JP" sz="1200" b="1">
+                <a:latin typeface="Adobe Clean Han Bold" panose="020B0600000000000000" pitchFamily="34" charset="-128"/>
+                <a:ea typeface="Adobe Clean Han Bold" panose="020B0600000000000000" pitchFamily="34" charset="-128"/>
                 <a:cs typeface="Open Sans" pitchFamily="34" charset="0"/>
               </a:rPr>
-              <a:t>Webinars</a:t>
+              <a:t>ウェビナー</a:t>
             </a:r>
           </a:p>
         </p:txBody>
@@ -8826,7 +8118,7 @@
         <p:spPr>
           <a:xfrm>
             <a:off x="3810000" y="3893151"/>
-            <a:ext cx="3413002" cy="651460"/>
+            <a:ext cx="3413002" cy="805349"/>
           </a:xfrm>
           <a:prstGeom prst="rect">
             <a:avLst/>
@@ -8839,13 +8131,14 @@
           <a:lstStyle/>
           <a:p>
             <a:r>
-              <a:rPr lang="en-US" sz="1000" dirty="0">
+              <a:rPr lang="ja-JP" sz="1000">
                 <a:solidFill>
                   <a:srgbClr val="000000"/>
                 </a:solidFill>
-                <a:latin typeface="Adobe Clean Light" panose="020B0303020404020204" pitchFamily="34" charset="0"/>
+                <a:latin typeface="Adobe Clean Han Light" panose="020B0300000000000000" pitchFamily="34" charset="-128"/>
+                <a:ea typeface="Adobe Clean Han Light" panose="020B0300000000000000" pitchFamily="34" charset="-128"/>
               </a:rPr>
-              <a:t>Office  Hours  led  by  the  Adobe  Customer Support  team  includes  sessions  designed to  inform  as  well  as  help  participants troubleshoot  problems  and  provide  tips and  tricks  for  success  with  Adobe  solutions.</a:t>
+              <a:t>アドビカスタマーサポートチームによる Office Hours には、参加者に情報を提供するだけでなく、問題のトラブルシューティングやアドビソリューションで成功するためのヒントやテクニックを紹介することを目的としたセッションが含まれています。</a:t>
             </a:r>
           </a:p>
         </p:txBody>
@@ -8893,12 +8186,14 @@
               <a:defRPr/>
             </a:pPr>
             <a:r>
-              <a:rPr lang="en-US" sz="1200" dirty="0">
+              <a:rPr lang="ja-JP" sz="1200">
                 <a:solidFill>
                   <a:srgbClr val="000000"/>
                 </a:solidFill>
+                <a:latin typeface="Adobe Clean Han Light" panose="020B0300000000000000" pitchFamily="34" charset="-128"/>
+                <a:ea typeface="Adobe Clean Han Light" panose="020B0300000000000000" pitchFamily="34" charset="-128"/>
               </a:rPr>
-              <a:t>Self-help Portals</a:t>
+              <a:t>セルフサービスポータル</a:t>
             </a:r>
           </a:p>
         </p:txBody>
@@ -8920,7 +8215,7 @@
         <p:spPr>
           <a:xfrm>
             <a:off x="3827103" y="5871701"/>
-            <a:ext cx="1267206" cy="184666"/>
+            <a:ext cx="2587696" cy="184666"/>
           </a:xfrm>
           <a:prstGeom prst="rect">
             <a:avLst/>
@@ -8941,12 +8236,12 @@
               </a:spcAft>
             </a:pPr>
             <a:r>
-              <a:rPr lang="en-US" sz="1200" b="1" dirty="0">
-                <a:latin typeface="+mj-lt"/>
-                <a:ea typeface="Open Sans" pitchFamily="34" charset="0"/>
+              <a:rPr lang="ja-JP" sz="1200" b="1">
+                <a:latin typeface="Adobe Clean Han Bold" panose="020B0600000000000000" pitchFamily="34" charset="-128"/>
+                <a:ea typeface="Adobe Clean Han Bold" panose="020B0600000000000000" pitchFamily="34" charset="-128"/>
                 <a:cs typeface="Open Sans" pitchFamily="34" charset="0"/>
               </a:rPr>
-              <a:t>24/7 Support Portal</a:t>
+              <a:t>24 時間年中無休のサポートポータル</a:t>
             </a:r>
           </a:p>
         </p:txBody>
@@ -8966,7 +8261,7 @@
         <p:spPr>
           <a:xfrm>
             <a:off x="3849036" y="6132567"/>
-            <a:ext cx="3413002" cy="497572"/>
+            <a:ext cx="3413002" cy="805349"/>
           </a:xfrm>
           <a:prstGeom prst="rect">
             <a:avLst/>
@@ -8979,13 +8274,14 @@
           <a:lstStyle/>
           <a:p>
             <a:r>
-              <a:rPr lang="en-US" sz="1000" dirty="0">
+              <a:rPr lang="ja-JP" sz="1000">
                 <a:solidFill>
                   <a:srgbClr val="000000"/>
                 </a:solidFill>
-                <a:latin typeface="Adobe Clean Light" panose="020B0303020404020204" pitchFamily="34" charset="0"/>
+                <a:latin typeface="Adobe Clean Han Light" panose="020B0300000000000000" pitchFamily="34" charset="-128"/>
+                <a:ea typeface="Adobe Clean Han Light" panose="020B0300000000000000" pitchFamily="34" charset="-128"/>
               </a:rPr>
-              <a:t>On-demand access to the online Self-help Support Portal to submit support requests, review case status, and browse other resources, like our knowledgebase, news and alerts, featured tips, and more.</a:t>
+              <a:t>オンラインのセルフサービスサポートポータルにオンデマンドでアクセスして、サポートリクエストを申請したり、ケースのステータスを確認したり、その他のリソース（ナレッジベース、ニュースとアラート、注目すべきヒントなど）を参照したりできます。</a:t>
             </a:r>
           </a:p>
         </p:txBody>
@@ -9033,12 +8329,14 @@
               <a:defRPr/>
             </a:pPr>
             <a:r>
-              <a:rPr lang="en-US" sz="1200" dirty="0">
+              <a:rPr lang="ja-JP" sz="1200">
                 <a:solidFill>
                   <a:srgbClr val="000000"/>
                 </a:solidFill>
+                <a:latin typeface="Adobe Clean Han Light" panose="020B0300000000000000" pitchFamily="34" charset="-128"/>
+                <a:ea typeface="Adobe Clean Han Light" panose="020B0300000000000000" pitchFamily="34" charset="-128"/>
               </a:rPr>
-              <a:t>Live Chat  Support*</a:t>
+              <a:t>ライブチャットサポート*</a:t>
             </a:r>
           </a:p>
         </p:txBody>
@@ -9060,7 +8358,7 @@
         <p:spPr>
           <a:xfrm>
             <a:off x="221179" y="8234650"/>
-            <a:ext cx="840166" cy="184666"/>
+            <a:ext cx="1269578" cy="184666"/>
           </a:xfrm>
           <a:prstGeom prst="rect">
             <a:avLst/>
@@ -9081,12 +8379,12 @@
               </a:spcAft>
             </a:pPr>
             <a:r>
-              <a:rPr lang="en-US" sz="1200" b="1" dirty="0">
-                <a:latin typeface="+mj-lt"/>
-                <a:ea typeface="Open Sans" pitchFamily="34" charset="0"/>
+              <a:rPr lang="ja-JP" sz="1200" b="1">
+                <a:latin typeface="Adobe Clean Han Bold" panose="020B0600000000000000" pitchFamily="34" charset="-128"/>
+                <a:ea typeface="Adobe Clean Han Bold" panose="020B0600000000000000" pitchFamily="34" charset="-128"/>
                 <a:cs typeface="Open Sans" pitchFamily="34" charset="0"/>
               </a:rPr>
-              <a:t>Chat Support</a:t>
+              <a:t>チャットサポート</a:t>
             </a:r>
           </a:p>
         </p:txBody>
@@ -9134,12 +8432,14 @@
               <a:defRPr/>
             </a:pPr>
             <a:r>
-              <a:rPr lang="en-US" sz="1200" dirty="0">
+              <a:rPr lang="ja-JP" sz="1200">
                 <a:solidFill>
                   <a:srgbClr val="000000"/>
                 </a:solidFill>
+                <a:latin typeface="Adobe Clean Han Light" panose="020B0300000000000000" pitchFamily="34" charset="-128"/>
+                <a:ea typeface="Adobe Clean Han Light" panose="020B0300000000000000" pitchFamily="34" charset="-128"/>
               </a:rPr>
-              <a:t>24 X 7 X 365 P1 </a:t>
+              <a:t>24 時間年中無休 P1 </a:t>
             </a:r>
           </a:p>
         </p:txBody>
@@ -9161,7 +8461,7 @@
         <p:spPr>
           <a:xfrm>
             <a:off x="3844036" y="8234650"/>
-            <a:ext cx="992259" cy="184666"/>
+            <a:ext cx="952184" cy="184666"/>
           </a:xfrm>
           <a:prstGeom prst="rect">
             <a:avLst/>
@@ -9182,12 +8482,12 @@
               </a:spcAft>
             </a:pPr>
             <a:r>
-              <a:rPr lang="en-US" sz="1200" b="1" dirty="0">
-                <a:latin typeface="+mj-lt"/>
-                <a:ea typeface="Open Sans" pitchFamily="34" charset="0"/>
+              <a:rPr lang="ja-JP" sz="1200" b="1">
+                <a:latin typeface="Adobe Clean Han Bold" panose="020B0600000000000000" pitchFamily="34" charset="-128"/>
+                <a:ea typeface="Adobe Clean Han Bold" panose="020B0600000000000000" pitchFamily="34" charset="-128"/>
                 <a:cs typeface="Open Sans" pitchFamily="34" charset="0"/>
               </a:rPr>
-              <a:t>Phone  Support</a:t>
+              <a:t>電話サポート</a:t>
             </a:r>
           </a:p>
         </p:txBody>
@@ -9207,7 +8507,7 @@
         <p:spPr>
           <a:xfrm>
             <a:off x="3833993" y="8494028"/>
-            <a:ext cx="3413002" cy="497572"/>
+            <a:ext cx="3413002" cy="651460"/>
           </a:xfrm>
           <a:prstGeom prst="rect">
             <a:avLst/>
@@ -9220,87 +8520,21 @@
           <a:lstStyle/>
           <a:p>
             <a:r>
-              <a:rPr lang="en-US" sz="1000" dirty="0">
+              <a:rPr lang="ja-JP" sz="1000">
                 <a:solidFill>
                   <a:srgbClr val="020302"/>
                 </a:solidFill>
-                <a:latin typeface="AdobeClean-Light"/>
+                <a:latin typeface="Adobe Clean Han Light" panose="020B0300000000000000" pitchFamily="34" charset="-128"/>
+                <a:ea typeface="Adobe Clean Han Light" panose="020B0300000000000000" pitchFamily="34" charset="-128"/>
               </a:rPr>
-              <a:t>Authorized users or Named Support Contacts </a:t>
+              <a:t>承認済みユーザーまたはサポート対象ユーザーは、</a:t>
             </a:r>
             <a:r>
-              <a:rPr lang="en-US" sz="1000" dirty="0">
-                <a:latin typeface="Adobe Clean Light" panose="020B0303020404020204" pitchFamily="34" charset="0"/>
+              <a:rPr lang="ja-JP" sz="1000">
+                <a:latin typeface="Adobe Clean Han Light" panose="020B0300000000000000" pitchFamily="34" charset="-128"/>
+                <a:ea typeface="Adobe Clean Han Light" panose="020B0300000000000000" pitchFamily="34" charset="-128"/>
               </a:rPr>
-              <a:t>can submit issues through all available  channels (including phone for P1) and interact with our technical support team on behalf of your company. </a:t>
-            </a:r>
-            <a:endParaRPr lang="en-US" sz="1000" dirty="0">
-              <a:solidFill>
-                <a:srgbClr val="000000"/>
-              </a:solidFill>
-              <a:latin typeface="Adobe Clean Light" panose="020B0303020404020204" pitchFamily="34" charset="0"/>
-            </a:endParaRPr>
-          </a:p>
-        </p:txBody>
-      </p:sp>
-      <p:sp>
-        <p:nvSpPr>
-          <p:cNvPr id="84" name="object 10">
-            <a:extLst>
-              <a:ext uri="{FF2B5EF4-FFF2-40B4-BE49-F238E27FC236}">
-                <a16:creationId xmlns:a16="http://schemas.microsoft.com/office/drawing/2014/main" id="{CBCF4964-CAC8-F146-B2E2-51ED8B3DC99A}"/>
-              </a:ext>
-            </a:extLst>
-          </p:cNvPr>
-          <p:cNvSpPr txBox="1">
-            <a:spLocks noGrp="1"/>
-          </p:cNvSpPr>
-          <p:nvPr>
-            <p:ph type="ftr" sz="quarter" idx="5"/>
-          </p:nvPr>
-        </p:nvSpPr>
-        <p:spPr>
-          <a:xfrm>
-            <a:off x="5253416" y="9862966"/>
-            <a:ext cx="2270125" cy="132729"/>
-          </a:xfrm>
-          <a:prstGeom prst="rect">
-            <a:avLst/>
-          </a:prstGeom>
-        </p:spPr>
-        <p:txBody>
-          <a:bodyPr vert="horz" wrap="square" lIns="0" tIns="9525" rIns="0" bIns="0" rtlCol="0">
-            <a:spAutoFit/>
-          </a:bodyPr>
-          <a:lstStyle/>
-          <a:p>
-            <a:pPr marL="12700">
-              <a:lnSpc>
-                <a:spcPct val="100000"/>
-              </a:lnSpc>
-              <a:spcBef>
-                <a:spcPts val="75"/>
-              </a:spcBef>
-            </a:pPr>
-            <a:r>
-              <a:rPr spc="-5" dirty="0"/>
-              <a:t>©202</a:t>
-            </a:r>
-            <a:r>
-              <a:rPr lang="en-US" spc="-5" dirty="0"/>
-              <a:t>1</a:t>
-            </a:r>
-            <a:r>
-              <a:rPr spc="-5" dirty="0"/>
-              <a:t> Adobe. All Rights Reserved. Adobe</a:t>
-            </a:r>
-            <a:r>
-              <a:rPr spc="60" dirty="0"/>
-              <a:t> </a:t>
-            </a:r>
-            <a:r>
-              <a:rPr spc="-5" dirty="0"/>
-              <a:t>Confidential.</a:t>
+              <a:t>使用可能なすべてのチャネル（P1 の場合は電話を含む）を通じて問題を申請でき、お客様の会社を代表してアドビのテクニカルサポートチームとやり取りできます。 </a:t>
             </a:r>
           </a:p>
         </p:txBody>
@@ -9539,6 +8773,68 @@
           </a:prstGeom>
         </p:spPr>
       </p:pic>
+      <p:sp>
+        <p:nvSpPr>
+          <p:cNvPr id="35" name="object 10">
+            <a:extLst>
+              <a:ext uri="{FF2B5EF4-FFF2-40B4-BE49-F238E27FC236}">
+                <a16:creationId xmlns:a16="http://schemas.microsoft.com/office/drawing/2014/main" id="{0B990270-26B7-4984-9BC3-D75855605D1B}"/>
+              </a:ext>
+            </a:extLst>
+          </p:cNvPr>
+          <p:cNvSpPr txBox="1">
+            <a:spLocks noGrp="1"/>
+          </p:cNvSpPr>
+          <p:nvPr>
+            <p:ph type="ftr" sz="quarter" idx="5"/>
+          </p:nvPr>
+        </p:nvSpPr>
+        <p:spPr>
+          <a:xfrm>
+            <a:off x="5307201" y="9862966"/>
+            <a:ext cx="2270125" cy="132729"/>
+          </a:xfrm>
+          <a:prstGeom prst="rect">
+            <a:avLst/>
+          </a:prstGeom>
+        </p:spPr>
+        <p:txBody>
+          <a:bodyPr vert="horz" wrap="square" lIns="0" tIns="9525" rIns="0" bIns="0" rtlCol="0">
+            <a:spAutoFit/>
+          </a:bodyPr>
+          <a:lstStyle/>
+          <a:p>
+            <a:pPr marL="12700">
+              <a:lnSpc>
+                <a:spcPct val="100000"/>
+              </a:lnSpc>
+              <a:spcBef>
+                <a:spcPts val="75"/>
+              </a:spcBef>
+            </a:pPr>
+            <a:r>
+              <a:rPr spc="-5" dirty="0"/>
+              <a:t>©202</a:t>
+            </a:r>
+            <a:r>
+              <a:rPr lang="en-US" spc="-5" dirty="0"/>
+              <a:t>1</a:t>
+            </a:r>
+            <a:r>
+              <a:rPr spc="-5" dirty="0"/>
+              <a:t> Adobe. All Rights Reserved. Adobe</a:t>
+            </a:r>
+            <a:r>
+              <a:rPr spc="60" dirty="0"/>
+              <a:t> </a:t>
+            </a:r>
+            <a:r>
+              <a:rPr spc="-5" dirty="0"/>
+              <a:t>Confidential.</a:t>
+            </a:r>
+          </a:p>
+        </p:txBody>
+      </p:sp>
     </p:spTree>
   </p:cSld>
   <p:clrMapOvr>
@@ -9591,49 +8887,16 @@
               </a:lnSpc>
             </a:pPr>
             <a:r>
-              <a:rPr sz="500" spc="-5" dirty="0">
+              <a:rPr lang="ja-JP" sz="500">
                 <a:solidFill>
                   <a:srgbClr val="6C6C6C"/>
                 </a:solidFill>
                 <a:latin typeface="Adobe Clean"/>
+                <a:ea typeface="MS Mincho"/>
                 <a:cs typeface="Adobe Clean"/>
               </a:rPr>
-              <a:t>©2020 Adobe. All Rights Reserved. </a:t>
+              <a:t>©2020 Adobe.All Rights Reserved.Adobe Confidential.</a:t>
             </a:r>
-            <a:r>
-              <a:rPr sz="500" dirty="0">
-                <a:solidFill>
-                  <a:srgbClr val="6C6C6C"/>
-                </a:solidFill>
-                <a:latin typeface="Adobe Clean"/>
-                <a:cs typeface="Adobe Clean"/>
-              </a:rPr>
-              <a:t>Adobe</a:t>
-            </a:r>
-            <a:r>
-              <a:rPr sz="500" spc="5" dirty="0">
-                <a:solidFill>
-                  <a:srgbClr val="6C6C6C"/>
-                </a:solidFill>
-                <a:latin typeface="Adobe Clean"/>
-                <a:cs typeface="Adobe Clean"/>
-              </a:rPr>
-              <a:t> </a:t>
-            </a:r>
-            <a:r>
-              <a:rPr sz="500" spc="-5" dirty="0">
-                <a:solidFill>
-                  <a:srgbClr val="6C6C6C"/>
-                </a:solidFill>
-                <a:latin typeface="Adobe Clean"/>
-                <a:cs typeface="Adobe Clean"/>
-              </a:rPr>
-              <a:t>Confidential.</a:t>
-            </a:r>
-            <a:endParaRPr sz="500">
-              <a:latin typeface="Adobe Clean"/>
-              <a:cs typeface="Adobe Clean"/>
-            </a:endParaRPr>
           </a:p>
           <a:p>
             <a:pPr>
@@ -9659,39 +8922,16 @@
               </a:spcBef>
             </a:pPr>
             <a:r>
-              <a:rPr sz="800" spc="-5" dirty="0">
+              <a:rPr lang="ja-JP" sz="800">
                 <a:solidFill>
                   <a:srgbClr val="6D6D6D"/>
                 </a:solidFill>
                 <a:latin typeface="Adobe Clean"/>
+                <a:ea typeface="MS Mincho"/>
                 <a:cs typeface="Adobe Clean"/>
               </a:rPr>
-              <a:t>©2020 Adobe. All Rights Reserved. Adobe</a:t>
+              <a:t>©2020 Adobe.All Rights Reserved.Adobe Confidential.</a:t>
             </a:r>
-            <a:r>
-              <a:rPr sz="800" spc="75" dirty="0">
-                <a:solidFill>
-                  <a:srgbClr val="6D6D6D"/>
-                </a:solidFill>
-                <a:latin typeface="Adobe Clean"/>
-                <a:cs typeface="Adobe Clean"/>
-              </a:rPr>
-              <a:t> </a:t>
-            </a:r>
-            <a:r>
-              <a:rPr sz="800" spc="-5" dirty="0">
-                <a:solidFill>
-                  <a:srgbClr val="6D6D6D"/>
-                </a:solidFill>
-                <a:latin typeface="Adobe Clean"/>
-                <a:cs typeface="Adobe Clean"/>
-              </a:rPr>
-              <a:t>Confidential.</a:t>
-            </a:r>
-            <a:endParaRPr sz="800">
-              <a:latin typeface="Adobe Clean"/>
-              <a:cs typeface="Adobe Clean"/>
-            </a:endParaRPr>
           </a:p>
         </p:txBody>
       </p:sp>
@@ -9775,201 +9015,16 @@
               </a:spcBef>
             </a:pPr>
             <a:r>
-              <a:rPr lang="en-US" sz="1400" b="1" spc="-15" dirty="0">
+              <a:rPr lang="ja-JP" sz="1400" b="1" dirty="0">
                 <a:solidFill>
                   <a:srgbClr val="020302"/>
                 </a:solidFill>
-                <a:latin typeface="Adobe Clean"/>
+                <a:latin typeface="Adobe Clean Han Bold" panose="020B0600000000000000" pitchFamily="34" charset="-128"/>
+                <a:ea typeface="Adobe Clean Han Bold" panose="020B0600000000000000" pitchFamily="34" charset="-128"/>
                 <a:cs typeface="Adobe Clean"/>
               </a:rPr>
-              <a:t>Resources</a:t>
+              <a:t>リソース</a:t>
             </a:r>
-            <a:endParaRPr sz="1400" dirty="0">
-              <a:latin typeface="Adobe Clean"/>
-              <a:cs typeface="Adobe Clean"/>
-            </a:endParaRPr>
-          </a:p>
-        </p:txBody>
-      </p:sp>
-      <p:sp>
-        <p:nvSpPr>
-          <p:cNvPr id="24" name="object 24"/>
-          <p:cNvSpPr txBox="1"/>
-          <p:nvPr/>
-        </p:nvSpPr>
-        <p:spPr>
-          <a:xfrm>
-            <a:off x="6754821" y="9283729"/>
-            <a:ext cx="930275" cy="758541"/>
-          </a:xfrm>
-          <a:prstGeom prst="rect">
-            <a:avLst/>
-          </a:prstGeom>
-        </p:spPr>
-        <p:txBody>
-          <a:bodyPr vert="horz" wrap="square" lIns="0" tIns="12065" rIns="0" bIns="0" rtlCol="0" anchor="t">
-            <a:spAutoFit/>
-          </a:bodyPr>
-          <a:lstStyle/>
-          <a:p>
-            <a:pPr marL="12700">
-              <a:lnSpc>
-                <a:spcPts val="930"/>
-              </a:lnSpc>
-              <a:spcBef>
-                <a:spcPts val="95"/>
-              </a:spcBef>
-            </a:pPr>
-            <a:r>
-              <a:rPr sz="800" spc="-15" dirty="0">
-                <a:solidFill>
-                  <a:srgbClr val="777879"/>
-                </a:solidFill>
-                <a:latin typeface="Adobe Clean"/>
-                <a:cs typeface="Adobe Clean"/>
-              </a:rPr>
-              <a:t>Adobe</a:t>
-            </a:r>
-            <a:endParaRPr sz="800">
-              <a:latin typeface="Adobe Clean"/>
-              <a:cs typeface="Adobe Clean"/>
-            </a:endParaRPr>
-          </a:p>
-          <a:p>
-            <a:pPr marL="12700">
-              <a:lnSpc>
-                <a:spcPts val="915"/>
-              </a:lnSpc>
-            </a:pPr>
-            <a:r>
-              <a:rPr sz="800" spc="-15" dirty="0">
-                <a:solidFill>
-                  <a:srgbClr val="777879"/>
-                </a:solidFill>
-                <a:latin typeface="Adobe Clean"/>
-                <a:cs typeface="Adobe Clean"/>
-              </a:rPr>
-              <a:t>345 </a:t>
-            </a:r>
-            <a:r>
-              <a:rPr lang="en-US" sz="800" spc="-15" dirty="0">
-                <a:solidFill>
-                  <a:srgbClr val="777879"/>
-                </a:solidFill>
-                <a:latin typeface="Adobe Clean"/>
-                <a:cs typeface="Adobe Clean"/>
-              </a:rPr>
-              <a:t>Park Avenue</a:t>
-            </a:r>
-            <a:endParaRPr sz="800" dirty="0">
-              <a:latin typeface="Adobe Clean"/>
-              <a:cs typeface="Adobe Clean"/>
-            </a:endParaRPr>
-          </a:p>
-          <a:p>
-            <a:pPr marL="12700">
-              <a:lnSpc>
-                <a:spcPts val="944"/>
-              </a:lnSpc>
-            </a:pPr>
-            <a:r>
-              <a:rPr sz="800" spc="-10" dirty="0">
-                <a:solidFill>
-                  <a:srgbClr val="777879"/>
-                </a:solidFill>
-                <a:latin typeface="Adobe Clean"/>
-                <a:cs typeface="Adobe Clean"/>
-              </a:rPr>
-              <a:t>San </a:t>
-            </a:r>
-            <a:r>
-              <a:rPr sz="800" spc="-15" dirty="0">
-                <a:solidFill>
-                  <a:srgbClr val="777879"/>
-                </a:solidFill>
-                <a:latin typeface="Adobe Clean"/>
-                <a:cs typeface="Adobe Clean"/>
-              </a:rPr>
-              <a:t>Jose,</a:t>
-            </a:r>
-            <a:r>
-              <a:rPr sz="800" spc="-140" dirty="0">
-                <a:solidFill>
-                  <a:srgbClr val="777879"/>
-                </a:solidFill>
-                <a:latin typeface="Adobe Clean"/>
-                <a:cs typeface="Adobe Clean"/>
-              </a:rPr>
-              <a:t> </a:t>
-            </a:r>
-            <a:r>
-              <a:rPr sz="800" spc="-20" dirty="0">
-                <a:solidFill>
-                  <a:srgbClr val="777879"/>
-                </a:solidFill>
-                <a:latin typeface="Adobe Clean"/>
-                <a:cs typeface="Adobe Clean"/>
-              </a:rPr>
-              <a:t>CA95110-2704</a:t>
-            </a:r>
-            <a:endParaRPr sz="800">
-              <a:latin typeface="Adobe Clean"/>
-              <a:cs typeface="Adobe Clean"/>
-            </a:endParaRPr>
-          </a:p>
-          <a:p>
-            <a:pPr marL="12700">
-              <a:lnSpc>
-                <a:spcPct val="100000"/>
-              </a:lnSpc>
-              <a:spcBef>
-                <a:spcPts val="45"/>
-              </a:spcBef>
-            </a:pPr>
-            <a:r>
-              <a:rPr sz="800" spc="-10" dirty="0">
-                <a:solidFill>
-                  <a:srgbClr val="777879"/>
-                </a:solidFill>
-                <a:latin typeface="Adobe Clean"/>
-                <a:cs typeface="Adobe Clean"/>
-              </a:rPr>
-              <a:t>USA</a:t>
-            </a:r>
-            <a:endParaRPr sz="800">
-              <a:latin typeface="Adobe Clean"/>
-              <a:cs typeface="Adobe Clean"/>
-            </a:endParaRPr>
-          </a:p>
-          <a:p>
-            <a:pPr marL="12700">
-              <a:lnSpc>
-                <a:spcPct val="100000"/>
-              </a:lnSpc>
-              <a:spcBef>
-                <a:spcPts val="265"/>
-              </a:spcBef>
-            </a:pPr>
-            <a:r>
-              <a:rPr sz="800" u="sng" spc="-25" dirty="0">
-                <a:solidFill>
-                  <a:srgbClr val="5F5F5F"/>
-                </a:solidFill>
-                <a:uFill>
-                  <a:solidFill>
-                    <a:srgbClr val="0000FF"/>
-                  </a:solidFill>
-                </a:uFill>
-                <a:latin typeface="Adobe Clean"/>
-                <a:cs typeface="Adobe Clean"/>
-                <a:hlinkClick r:id="rId3"/>
-              </a:rPr>
-              <a:t>www.adobe.com</a:t>
-            </a:r>
-            <a:endParaRPr sz="800">
-              <a:latin typeface="Adobe Clean"/>
-              <a:cs typeface="Adobe Clean"/>
-            </a:endParaRPr>
           </a:p>
         </p:txBody>
       </p:sp>
@@ -9988,7 +9043,7 @@
             <a:avLst/>
           </a:prstGeom>
           <a:blipFill>
-            <a:blip r:embed="rId4" cstate="print"/>
+            <a:blip r:embed="rId3" cstate="print"/>
             <a:stretch>
               <a:fillRect/>
             </a:stretch>
@@ -10100,7 +9155,7 @@
             <a:avLst/>
           </a:prstGeom>
           <a:blipFill>
-            <a:blip r:embed="rId5" cstate="print"/>
+            <a:blip r:embed="rId4" cstate="print"/>
             <a:stretch>
               <a:fillRect/>
             </a:stretch>
@@ -10123,7 +9178,7 @@
         <p:spPr>
           <a:xfrm>
             <a:off x="75947" y="9437110"/>
-            <a:ext cx="5466715" cy="570865"/>
+            <a:ext cx="5896662" cy="563616"/>
           </a:xfrm>
           <a:prstGeom prst="rect">
             <a:avLst/>
@@ -10144,449 +9199,16 @@
               </a:spcBef>
             </a:pPr>
             <a:r>
-              <a:rPr sz="1100" i="1" spc="-10" dirty="0">
+              <a:rPr lang="ja-JP" sz="1100" i="1" dirty="0">
                 <a:solidFill>
                   <a:srgbClr val="777879"/>
                 </a:solidFill>
-                <a:latin typeface="AdobeClean-LightIt"/>
+                <a:latin typeface="Adobe Clean Han Light" panose="020B0300000000000000" pitchFamily="34" charset="-128"/>
+                <a:ea typeface="Adobe Clean Han Light" panose="020B0300000000000000" pitchFamily="34" charset="-128"/>
                 <a:cs typeface="AdobeClean-LightIt"/>
               </a:rPr>
-              <a:t>To</a:t>
+              <a:t>アドビサポートのサービスやお客様に最適なレベルについて詳しくは、専任アカウントマネージャー（NAM）またはカスタマーサクセスマネージャー（CSM）にお問い合わせください。</a:t>
             </a:r>
-            <a:r>
-              <a:rPr sz="1100" i="1" spc="-50" dirty="0">
-                <a:solidFill>
-                  <a:srgbClr val="777879"/>
-                </a:solidFill>
-                <a:latin typeface="AdobeClean-LightIt"/>
-                <a:cs typeface="AdobeClean-LightIt"/>
-              </a:rPr>
-              <a:t> </a:t>
-            </a:r>
-            <a:r>
-              <a:rPr sz="1100" i="1" spc="-15" dirty="0">
-                <a:solidFill>
-                  <a:srgbClr val="777879"/>
-                </a:solidFill>
-                <a:latin typeface="AdobeClean-LightIt"/>
-                <a:cs typeface="AdobeClean-LightIt"/>
-              </a:rPr>
-              <a:t>learn</a:t>
-            </a:r>
-            <a:r>
-              <a:rPr sz="1100" i="1" spc="-40" dirty="0">
-                <a:solidFill>
-                  <a:srgbClr val="777879"/>
-                </a:solidFill>
-                <a:latin typeface="AdobeClean-LightIt"/>
-                <a:cs typeface="AdobeClean-LightIt"/>
-              </a:rPr>
-              <a:t> </a:t>
-            </a:r>
-            <a:r>
-              <a:rPr sz="1100" i="1" spc="-15" dirty="0">
-                <a:solidFill>
-                  <a:srgbClr val="777879"/>
-                </a:solidFill>
-                <a:latin typeface="AdobeClean-LightIt"/>
-                <a:cs typeface="AdobeClean-LightIt"/>
-              </a:rPr>
-              <a:t>more</a:t>
-            </a:r>
-            <a:r>
-              <a:rPr sz="1100" i="1" spc="-45" dirty="0">
-                <a:solidFill>
-                  <a:srgbClr val="777879"/>
-                </a:solidFill>
-                <a:latin typeface="AdobeClean-LightIt"/>
-                <a:cs typeface="AdobeClean-LightIt"/>
-              </a:rPr>
-              <a:t> </a:t>
-            </a:r>
-            <a:r>
-              <a:rPr sz="1100" i="1" spc="-15" dirty="0">
-                <a:solidFill>
-                  <a:srgbClr val="777879"/>
-                </a:solidFill>
-                <a:latin typeface="AdobeClean-LightIt"/>
-                <a:cs typeface="AdobeClean-LightIt"/>
-              </a:rPr>
-              <a:t>about</a:t>
-            </a:r>
-            <a:r>
-              <a:rPr sz="1100" i="1" spc="-45" dirty="0">
-                <a:solidFill>
-                  <a:srgbClr val="777879"/>
-                </a:solidFill>
-                <a:latin typeface="AdobeClean-LightIt"/>
-                <a:cs typeface="AdobeClean-LightIt"/>
-              </a:rPr>
-              <a:t> </a:t>
-            </a:r>
-            <a:r>
-              <a:rPr sz="1100" i="1" spc="-15" dirty="0">
-                <a:solidFill>
-                  <a:srgbClr val="777879"/>
-                </a:solidFill>
-                <a:latin typeface="AdobeClean-LightIt"/>
-                <a:cs typeface="AdobeClean-LightIt"/>
-              </a:rPr>
-              <a:t>Adobe</a:t>
-            </a:r>
-            <a:r>
-              <a:rPr sz="1100" i="1" spc="-60" dirty="0">
-                <a:solidFill>
-                  <a:srgbClr val="777879"/>
-                </a:solidFill>
-                <a:latin typeface="AdobeClean-LightIt"/>
-                <a:cs typeface="AdobeClean-LightIt"/>
-              </a:rPr>
-              <a:t> </a:t>
-            </a:r>
-            <a:r>
-              <a:rPr sz="1100" i="1" spc="-15" dirty="0">
-                <a:solidFill>
-                  <a:srgbClr val="777879"/>
-                </a:solidFill>
-                <a:latin typeface="AdobeClean-LightIt"/>
-                <a:cs typeface="AdobeClean-LightIt"/>
-              </a:rPr>
-              <a:t>Support</a:t>
-            </a:r>
-            <a:r>
-              <a:rPr lang="en-US" sz="1100" i="1" spc="-15" dirty="0">
-                <a:solidFill>
-                  <a:srgbClr val="777879"/>
-                </a:solidFill>
-                <a:latin typeface="AdobeClean-LightIt"/>
-                <a:cs typeface="AdobeClean-LightIt"/>
-              </a:rPr>
-              <a:t> Offerings</a:t>
-            </a:r>
-            <a:r>
-              <a:rPr sz="1100" i="1" spc="-75" dirty="0">
-                <a:solidFill>
-                  <a:srgbClr val="777879"/>
-                </a:solidFill>
-                <a:latin typeface="AdobeClean-LightIt"/>
-                <a:cs typeface="AdobeClean-LightIt"/>
-              </a:rPr>
-              <a:t> </a:t>
-            </a:r>
-            <a:r>
-              <a:rPr sz="1100" i="1" spc="-15" dirty="0">
-                <a:solidFill>
-                  <a:srgbClr val="777879"/>
-                </a:solidFill>
-                <a:latin typeface="AdobeClean-LightIt"/>
-                <a:cs typeface="AdobeClean-LightIt"/>
-              </a:rPr>
-              <a:t>and</a:t>
-            </a:r>
-            <a:r>
-              <a:rPr sz="1100" i="1" spc="-50" dirty="0">
-                <a:solidFill>
-                  <a:srgbClr val="777879"/>
-                </a:solidFill>
-                <a:latin typeface="AdobeClean-LightIt"/>
-                <a:cs typeface="AdobeClean-LightIt"/>
-              </a:rPr>
-              <a:t> </a:t>
-            </a:r>
-            <a:r>
-              <a:rPr sz="1100" i="1" spc="-15" dirty="0">
-                <a:solidFill>
-                  <a:srgbClr val="777879"/>
-                </a:solidFill>
-                <a:latin typeface="AdobeClean-LightIt"/>
-                <a:cs typeface="AdobeClean-LightIt"/>
-              </a:rPr>
-              <a:t>the</a:t>
-            </a:r>
-            <a:r>
-              <a:rPr sz="1100" i="1" spc="-55" dirty="0">
-                <a:solidFill>
-                  <a:srgbClr val="777879"/>
-                </a:solidFill>
-                <a:latin typeface="AdobeClean-LightIt"/>
-                <a:cs typeface="AdobeClean-LightIt"/>
-              </a:rPr>
-              <a:t> </a:t>
-            </a:r>
-            <a:r>
-              <a:rPr sz="1100" i="1" spc="-15" dirty="0">
-                <a:solidFill>
-                  <a:srgbClr val="777879"/>
-                </a:solidFill>
-                <a:latin typeface="AdobeClean-LightIt"/>
-                <a:cs typeface="AdobeClean-LightIt"/>
-              </a:rPr>
-              <a:t>right</a:t>
-            </a:r>
-            <a:r>
-              <a:rPr sz="1100" i="1" spc="-95" dirty="0">
-                <a:solidFill>
-                  <a:srgbClr val="777879"/>
-                </a:solidFill>
-                <a:latin typeface="AdobeClean-LightIt"/>
-                <a:cs typeface="AdobeClean-LightIt"/>
-              </a:rPr>
-              <a:t> </a:t>
-            </a:r>
-            <a:r>
-              <a:rPr sz="1100" i="1" spc="-15" dirty="0">
-                <a:solidFill>
-                  <a:srgbClr val="777879"/>
-                </a:solidFill>
-                <a:latin typeface="AdobeClean-LightIt"/>
-                <a:cs typeface="AdobeClean-LightIt"/>
-              </a:rPr>
-              <a:t>level</a:t>
-            </a:r>
-            <a:r>
-              <a:rPr sz="1100" i="1" spc="-55" dirty="0">
-                <a:solidFill>
-                  <a:srgbClr val="777879"/>
-                </a:solidFill>
-                <a:latin typeface="AdobeClean-LightIt"/>
-                <a:cs typeface="AdobeClean-LightIt"/>
-              </a:rPr>
-              <a:t> </a:t>
-            </a:r>
-            <a:r>
-              <a:rPr sz="1100" i="1" spc="-15" dirty="0">
-                <a:solidFill>
-                  <a:srgbClr val="777879"/>
-                </a:solidFill>
-                <a:latin typeface="AdobeClean-LightIt"/>
-                <a:cs typeface="AdobeClean-LightIt"/>
-              </a:rPr>
-              <a:t>for</a:t>
-            </a:r>
-            <a:r>
-              <a:rPr sz="1100" i="1" spc="-85" dirty="0">
-                <a:solidFill>
-                  <a:srgbClr val="777879"/>
-                </a:solidFill>
-                <a:latin typeface="AdobeClean-LightIt"/>
-                <a:cs typeface="AdobeClean-LightIt"/>
-              </a:rPr>
-              <a:t> </a:t>
-            </a:r>
-            <a:r>
-              <a:rPr sz="1100" i="1" spc="-15" dirty="0">
-                <a:solidFill>
-                  <a:srgbClr val="777879"/>
-                </a:solidFill>
-                <a:latin typeface="AdobeClean-LightIt"/>
-                <a:cs typeface="AdobeClean-LightIt"/>
-              </a:rPr>
-              <a:t>you,</a:t>
-            </a:r>
-            <a:r>
-              <a:rPr sz="1100" i="1" spc="-65" dirty="0">
-                <a:solidFill>
-                  <a:srgbClr val="777879"/>
-                </a:solidFill>
-                <a:latin typeface="AdobeClean-LightIt"/>
-                <a:cs typeface="AdobeClean-LightIt"/>
-              </a:rPr>
-              <a:t> </a:t>
-            </a:r>
-            <a:r>
-              <a:rPr sz="1100" i="1" spc="-15" dirty="0">
-                <a:solidFill>
-                  <a:srgbClr val="777879"/>
-                </a:solidFill>
-                <a:latin typeface="AdobeClean-LightIt"/>
-                <a:cs typeface="AdobeClean-LightIt"/>
-              </a:rPr>
-              <a:t>contact</a:t>
-            </a:r>
-            <a:r>
-              <a:rPr sz="1100" i="1" spc="-85" dirty="0">
-                <a:solidFill>
-                  <a:srgbClr val="777879"/>
-                </a:solidFill>
-                <a:latin typeface="AdobeClean-LightIt"/>
-                <a:cs typeface="AdobeClean-LightIt"/>
-              </a:rPr>
-              <a:t> </a:t>
-            </a:r>
-            <a:r>
-              <a:rPr sz="1100" i="1" spc="-15" dirty="0">
-                <a:solidFill>
-                  <a:srgbClr val="777879"/>
-                </a:solidFill>
-                <a:latin typeface="AdobeClean-LightIt"/>
-                <a:cs typeface="AdobeClean-LightIt"/>
-              </a:rPr>
-              <a:t>your</a:t>
-            </a:r>
-            <a:r>
-              <a:rPr sz="1100" i="1" spc="-70" dirty="0">
-                <a:solidFill>
-                  <a:srgbClr val="777879"/>
-                </a:solidFill>
-                <a:latin typeface="AdobeClean-LightIt"/>
-                <a:cs typeface="AdobeClean-LightIt"/>
-              </a:rPr>
-              <a:t> </a:t>
-            </a:r>
-            <a:r>
-              <a:rPr sz="1100" i="1" spc="-15" dirty="0">
-                <a:solidFill>
-                  <a:srgbClr val="777879"/>
-                </a:solidFill>
-                <a:latin typeface="AdobeClean-LightIt"/>
-                <a:cs typeface="AdobeClean-LightIt"/>
-              </a:rPr>
-              <a:t>Named</a:t>
-            </a:r>
-            <a:r>
-              <a:rPr sz="1100" i="1" spc="-55" dirty="0">
-                <a:solidFill>
-                  <a:srgbClr val="777879"/>
-                </a:solidFill>
-                <a:latin typeface="AdobeClean-LightIt"/>
-                <a:cs typeface="AdobeClean-LightIt"/>
-              </a:rPr>
-              <a:t> </a:t>
-            </a:r>
-            <a:r>
-              <a:rPr sz="1100" i="1" spc="-25" dirty="0">
-                <a:solidFill>
-                  <a:srgbClr val="777879"/>
-                </a:solidFill>
-                <a:latin typeface="AdobeClean-LightIt"/>
-                <a:cs typeface="AdobeClean-LightIt"/>
-              </a:rPr>
-              <a:t>Account</a:t>
-            </a:r>
-            <a:r>
-              <a:rPr sz="1100" i="1" spc="-120" dirty="0">
-                <a:solidFill>
-                  <a:srgbClr val="777879"/>
-                </a:solidFill>
-                <a:latin typeface="AdobeClean-LightIt"/>
-                <a:cs typeface="AdobeClean-LightIt"/>
-              </a:rPr>
-              <a:t> </a:t>
-            </a:r>
-            <a:r>
-              <a:rPr sz="1100" i="1" spc="-20" dirty="0">
-                <a:solidFill>
-                  <a:srgbClr val="777879"/>
-                </a:solidFill>
-                <a:latin typeface="AdobeClean-LightIt"/>
-                <a:cs typeface="AdobeClean-LightIt"/>
-              </a:rPr>
-              <a:t>Manager</a:t>
-            </a:r>
-            <a:r>
-              <a:rPr lang="en-US" sz="1100" i="1" spc="-20" dirty="0">
-                <a:solidFill>
-                  <a:srgbClr val="777879"/>
-                </a:solidFill>
-                <a:latin typeface="AdobeClean-LightIt"/>
-                <a:cs typeface="AdobeClean-LightIt"/>
-              </a:rPr>
-              <a:t> </a:t>
-            </a:r>
-            <a:r>
-              <a:rPr sz="1100" i="1" spc="-20" dirty="0">
-                <a:solidFill>
-                  <a:srgbClr val="777879"/>
-                </a:solidFill>
-                <a:latin typeface="AdobeClean-LightIt"/>
-                <a:cs typeface="AdobeClean-LightIt"/>
-              </a:rPr>
-              <a:t> </a:t>
-            </a:r>
-            <a:r>
-              <a:rPr sz="1100" i="1" spc="-15" dirty="0">
-                <a:solidFill>
-                  <a:srgbClr val="777879"/>
-                </a:solidFill>
-                <a:latin typeface="AdobeClean-LightIt"/>
-                <a:cs typeface="AdobeClean-LightIt"/>
-              </a:rPr>
-              <a:t>(NAM) </a:t>
-            </a:r>
-            <a:r>
-              <a:rPr sz="1100" i="1" spc="-10" dirty="0">
-                <a:solidFill>
-                  <a:srgbClr val="777879"/>
-                </a:solidFill>
-                <a:latin typeface="AdobeClean-LightIt"/>
-                <a:cs typeface="AdobeClean-LightIt"/>
-              </a:rPr>
-              <a:t>or </a:t>
-            </a:r>
-            <a:r>
-              <a:rPr sz="1100" i="1" spc="-15" dirty="0">
-                <a:solidFill>
-                  <a:srgbClr val="777879"/>
-                </a:solidFill>
-                <a:latin typeface="AdobeClean-LightIt"/>
-                <a:cs typeface="AdobeClean-LightIt"/>
-              </a:rPr>
-              <a:t>Customer </a:t>
-            </a:r>
-            <a:r>
-              <a:rPr sz="1100" i="1" spc="-20" dirty="0">
-                <a:solidFill>
-                  <a:srgbClr val="777879"/>
-                </a:solidFill>
-                <a:latin typeface="AdobeClean-LightIt"/>
-                <a:cs typeface="AdobeClean-LightIt"/>
-              </a:rPr>
-              <a:t>Success</a:t>
-            </a:r>
-            <a:r>
-              <a:rPr lang="en-US" sz="1100" i="1" spc="-20" dirty="0">
-                <a:solidFill>
-                  <a:srgbClr val="777879"/>
-                </a:solidFill>
-                <a:latin typeface="AdobeClean-LightIt"/>
-                <a:cs typeface="AdobeClean-LightIt"/>
-              </a:rPr>
-              <a:t> </a:t>
-            </a:r>
-            <a:r>
-              <a:rPr sz="1100" i="1" spc="-15" dirty="0">
-                <a:solidFill>
-                  <a:srgbClr val="777879"/>
-                </a:solidFill>
-                <a:latin typeface="AdobeClean-LightIt"/>
-                <a:cs typeface="AdobeClean-LightIt"/>
-              </a:rPr>
-              <a:t>Manager</a:t>
-            </a:r>
-            <a:r>
-              <a:rPr lang="en-US" sz="1100" i="1" spc="-15" dirty="0">
-                <a:solidFill>
-                  <a:srgbClr val="777879"/>
-                </a:solidFill>
-                <a:latin typeface="AdobeClean-LightIt"/>
-                <a:cs typeface="AdobeClean-LightIt"/>
-              </a:rPr>
-              <a:t> </a:t>
-            </a:r>
-            <a:r>
-              <a:rPr sz="1100" i="1" spc="-15" dirty="0">
-                <a:solidFill>
-                  <a:srgbClr val="777879"/>
-                </a:solidFill>
-                <a:latin typeface="AdobeClean-LightIt"/>
-                <a:cs typeface="AdobeClean-LightIt"/>
-              </a:rPr>
-              <a:t>(CSM)</a:t>
-            </a:r>
-            <a:endParaRPr sz="1100" dirty="0">
-              <a:latin typeface="AdobeClean-LightIt"/>
-              <a:cs typeface="AdobeClean-LightIt"/>
-            </a:endParaRPr>
           </a:p>
           <a:p>
             <a:pPr marL="34290">
@@ -10598,14 +9220,24 @@
               </a:spcBef>
             </a:pPr>
             <a:r>
-              <a:rPr sz="800" spc="-5" dirty="0">
+              <a:rPr lang="en-US" sz="800" spc="-5" dirty="0">
                 <a:solidFill>
                   <a:srgbClr val="6D6D6D"/>
                 </a:solidFill>
                 <a:latin typeface="Adobe Clean"/>
                 <a:cs typeface="Adobe Clean"/>
               </a:rPr>
-              <a:t>©202</a:t>
+              <a:t>©2021 Adobe. All Rights Reserved. Adobe</a:t>
+            </a:r>
+            <a:r>
+              <a:rPr lang="en-US" sz="800" spc="75" dirty="0">
+                <a:solidFill>
+                  <a:srgbClr val="6D6D6D"/>
+                </a:solidFill>
+                <a:latin typeface="Adobe Clean"/>
+                <a:cs typeface="Adobe Clean"/>
+              </a:rPr>
+              <a:t> </a:t>
             </a:r>
             <a:r>
               <a:rPr lang="en-US" sz="800" spc="-5" dirty="0">
@@ -10615,39 +9247,9 @@
                 <a:latin typeface="Adobe Clean"/>
                 <a:cs typeface="Adobe Clean"/>
               </a:rPr>
-              <a:t>1</a:t>
-            </a:r>
-            <a:r>
-              <a:rPr sz="800" spc="-5" dirty="0">
-                <a:solidFill>
-                  <a:srgbClr val="6D6D6D"/>
-                </a:solidFill>
-                <a:latin typeface="Adobe Clean"/>
-                <a:cs typeface="Adobe Clean"/>
-              </a:rPr>
-              <a:t> Adobe. All Rights Reserved. Adobe</a:t>
-            </a:r>
-            <a:r>
-              <a:rPr sz="800" spc="75" dirty="0">
-                <a:solidFill>
-                  <a:srgbClr val="6D6D6D"/>
-                </a:solidFill>
-                <a:latin typeface="Adobe Clean"/>
-                <a:cs typeface="Adobe Clean"/>
-              </a:rPr>
-              <a:t> </a:t>
-            </a:r>
-            <a:r>
-              <a:rPr sz="800" spc="-5" dirty="0">
-                <a:solidFill>
-                  <a:srgbClr val="6D6D6D"/>
-                </a:solidFill>
-                <a:latin typeface="Adobe Clean"/>
-                <a:cs typeface="Adobe Clean"/>
-              </a:rPr>
               <a:t>Confidential.</a:t>
             </a:r>
-            <a:endParaRPr sz="800" dirty="0">
+            <a:endParaRPr lang="en-US" sz="800" dirty="0">
               <a:latin typeface="Adobe Clean"/>
               <a:cs typeface="Adobe Clean"/>
             </a:endParaRPr>
@@ -10687,14 +9289,15 @@
               </a:spcBef>
             </a:pPr>
             <a:r>
-              <a:rPr lang="en-US" sz="1400" b="1" spc="-15" dirty="0">
+              <a:rPr lang="ja-JP" sz="1400" b="1" dirty="0">
                 <a:solidFill>
                   <a:srgbClr val="020302"/>
                 </a:solidFill>
-                <a:latin typeface="Adobe Clean"/>
+                <a:latin typeface="Adobe Clean Han Bold" panose="020B0600000000000000" pitchFamily="34" charset="-128"/>
+                <a:ea typeface="Adobe Clean Han Bold" panose="020B0600000000000000" pitchFamily="34" charset="-128"/>
                 <a:cs typeface="Adobe Clean"/>
               </a:rPr>
-              <a:t>Regional scope of Adobe Support, Local Hours Of Operation And Language Support</a:t>
+              <a:t>アドビサポートの対象地域、現地の営業時間、言語サポート</a:t>
             </a:r>
           </a:p>
           <a:p>
@@ -10704,13 +9307,14 @@
               </a:spcBef>
             </a:pPr>
             <a:r>
-              <a:rPr lang="en-US" sz="1000" spc="-15" dirty="0">
+              <a:rPr lang="ja-JP" sz="1000" dirty="0">
                 <a:solidFill>
                   <a:srgbClr val="1F1F1F"/>
                 </a:solidFill>
-                <a:latin typeface="AdobeClean-Light"/>
+                <a:latin typeface="Adobe Clean Han Light" panose="020B0300000000000000" pitchFamily="34" charset="-128"/>
+                <a:ea typeface="Adobe Clean Han Light" panose="020B0300000000000000" pitchFamily="34" charset="-128"/>
               </a:rPr>
-              <a:t>The Regional scope of Adobe Support is established by aligning the customer's billing address (via the Sales Order or other Adobe Support purchasing document) to one of the following regions:</a:t>
+              <a:t>アドビサポートの対象地域と現地営業時間は、以下のとおりです。対象地域は、お客様のセールスオーダーやその他のアドビサポートのご契約資料に記載されている請求先の地域に準じます。</a:t>
             </a:r>
           </a:p>
         </p:txBody>
@@ -10730,7 +9334,7 @@
           <p:nvPr>
             <p:extLst>
               <p:ext uri="{D42A27DB-BD31-4B8C-83A1-F6EECF244321}">
-                <p14:modId xmlns:p14="http://schemas.microsoft.com/office/powerpoint/2010/main" val="2846210228"/>
+                <p14:modId xmlns:p14="http://schemas.microsoft.com/office/powerpoint/2010/main" val="2074600776"/>
               </p:ext>
             </p:extLst>
           </p:nvPr>
@@ -10783,13 +9387,14 @@
                     <a:p>
                       <a:pPr algn="ctr"/>
                       <a:r>
-                        <a:rPr lang="en-US" sz="1100" dirty="0">
+                        <a:rPr lang="ja-JP" sz="1100" dirty="0">
                           <a:solidFill>
                             <a:schemeClr val="tx1"/>
                           </a:solidFill>
-                          <a:latin typeface="Adobe Clean" panose="020B0503020404020204" pitchFamily="34" charset="0"/>
+                          <a:latin typeface="Adobe Clean Han Bold" panose="020B0600000000000000" pitchFamily="34" charset="-128"/>
+                          <a:ea typeface="Adobe Clean Han Bold" panose="020B0600000000000000" pitchFamily="34" charset="-128"/>
                         </a:rPr>
-                        <a:t>Americas</a:t>
+                        <a:t>南北アメリカ</a:t>
                       </a:r>
                     </a:p>
                   </a:txBody>
@@ -10848,13 +9453,33 @@
                     <a:p>
                       <a:pPr algn="ctr"/>
                       <a:r>
-                        <a:rPr lang="en-US" sz="1100" dirty="0">
+                        <a:rPr lang="ja-JP" sz="1100" dirty="0">
                           <a:solidFill>
                             <a:schemeClr val="tx1"/>
                           </a:solidFill>
-                          <a:latin typeface="Adobe Clean" panose="020B0503020404020204" pitchFamily="34" charset="0"/>
+                          <a:latin typeface="Adobe Clean Han Bold" panose="020B0600000000000000" pitchFamily="34" charset="-128"/>
+                          <a:ea typeface="Adobe Clean Han Bold" panose="020B0600000000000000" pitchFamily="34" charset="-128"/>
                         </a:rPr>
-                        <a:t>Europe, Middle East &amp; Africa</a:t>
+                        <a:t>ヨーロッパ、中東、</a:t>
+                      </a:r>
+                      <a:br>
+                        <a:rPr lang="cs-CZ" altLang="ja-JP" sz="1100" dirty="0">
+                          <a:solidFill>
+                            <a:schemeClr val="tx1"/>
+                          </a:solidFill>
+                          <a:latin typeface="Adobe Clean Han Bold" panose="020B0600000000000000" pitchFamily="34" charset="-128"/>
+                          <a:ea typeface="Adobe Clean Han Bold" panose="020B0600000000000000" pitchFamily="34" charset="-128"/>
+                        </a:rPr>
+                      </a:br>
+                      <a:r>
+                        <a:rPr lang="ja-JP" sz="1100" dirty="0">
+                          <a:solidFill>
+                            <a:schemeClr val="tx1"/>
+                          </a:solidFill>
+                          <a:latin typeface="Adobe Clean Han Bold" panose="020B0600000000000000" pitchFamily="34" charset="-128"/>
+                          <a:ea typeface="Adobe Clean Han Bold" panose="020B0600000000000000" pitchFamily="34" charset="-128"/>
+                        </a:rPr>
+                        <a:t>アフリカ</a:t>
                       </a:r>
                     </a:p>
                   </a:txBody>
@@ -10913,13 +9538,14 @@
                     <a:p>
                       <a:pPr algn="ctr"/>
                       <a:r>
-                        <a:rPr lang="en-US" sz="1100" dirty="0">
+                        <a:rPr lang="ja-JP" sz="1100">
                           <a:solidFill>
                             <a:schemeClr val="tx1"/>
                           </a:solidFill>
-                          <a:latin typeface="Adobe Clean" panose="020B0503020404020204" pitchFamily="34" charset="0"/>
+                          <a:latin typeface="Adobe Clean Han Bold" panose="020B0600000000000000" pitchFamily="34" charset="-128"/>
+                          <a:ea typeface="Adobe Clean Han Bold" panose="020B0600000000000000" pitchFamily="34" charset="-128"/>
                         </a:rPr>
-                        <a:t>Asia Pacific</a:t>
+                        <a:t>アジア太平洋</a:t>
                       </a:r>
                     </a:p>
                   </a:txBody>
@@ -10978,29 +9604,25 @@
                     <a:p>
                       <a:pPr algn="ctr"/>
                       <a:r>
-                        <a:rPr lang="en-US" sz="1100" dirty="0">
+                        <a:rPr lang="ja-JP" sz="1100">
                           <a:solidFill>
                             <a:schemeClr val="tx1"/>
                           </a:solidFill>
-                          <a:latin typeface="Adobe Clean"/>
+                          <a:latin typeface="Adobe Clean Han Bold" panose="020B0600000000000000" pitchFamily="34" charset="-128"/>
+                          <a:ea typeface="Adobe Clean Han Bold" panose="020B0600000000000000" pitchFamily="34" charset="-128"/>
                         </a:rPr>
-                        <a:t>Japan </a:t>
+                        <a:t>日本 </a:t>
                       </a:r>
                       <a:r>
-                        <a:rPr lang="en-US" sz="1100" baseline="30000" dirty="0">
+                        <a:rPr lang="ja-JP" sz="1100" baseline="30000">
                           <a:solidFill>
                             <a:schemeClr val="tx1"/>
                           </a:solidFill>
-                          <a:latin typeface="Adobe Clean"/>
+                          <a:latin typeface="Adobe Clean Han Bold" panose="020B0600000000000000" pitchFamily="34" charset="-128"/>
+                          <a:ea typeface="Adobe Clean Han Bold" panose="020B0600000000000000" pitchFamily="34" charset="-128"/>
                         </a:rPr>
                         <a:t>1 </a:t>
                       </a:r>
-                      <a:endParaRPr lang="en-US" sz="1100" dirty="0">
-                        <a:solidFill>
-                          <a:schemeClr val="tx1"/>
-                        </a:solidFill>
-                        <a:latin typeface="Adobe Clean" panose="020B0503020404020204" pitchFamily="34" charset="0"/>
-                      </a:endParaRPr>
                     </a:p>
                   </a:txBody>
                   <a:tcPr anchor="ctr">
@@ -11065,13 +9687,14 @@
                     <a:p>
                       <a:pPr algn="ctr"/>
                       <a:r>
-                        <a:rPr lang="en-US" sz="1100" dirty="0">
+                        <a:rPr lang="ja-JP" sz="1100">
                           <a:solidFill>
                             <a:schemeClr val="tx1"/>
                           </a:solidFill>
-                          <a:latin typeface="Adobe Clean" panose="020B0503020404020204" pitchFamily="34" charset="0"/>
+                          <a:latin typeface="Adobe Clean Han Bold" panose="020B0600000000000000" pitchFamily="34" charset="-128"/>
+                          <a:ea typeface="Adobe Clean Han Bold" panose="020B0600000000000000" pitchFamily="34" charset="-128"/>
                         </a:rPr>
-                        <a:t>6 am – 5:30 pm</a:t>
+                        <a:t>午前 6:00 ～午後 5:30</a:t>
                       </a:r>
                     </a:p>
                   </a:txBody>
@@ -11130,13 +9753,14 @@
                     <a:p>
                       <a:pPr algn="ctr"/>
                       <a:r>
-                        <a:rPr lang="en-US" sz="1100" dirty="0">
+                        <a:rPr lang="ja-JP" sz="1100">
                           <a:solidFill>
                             <a:schemeClr val="tx1"/>
                           </a:solidFill>
-                          <a:latin typeface="Adobe Clean" panose="020B0503020404020204" pitchFamily="34" charset="0"/>
+                          <a:latin typeface="Adobe Clean Han Bold" panose="020B0600000000000000" pitchFamily="34" charset="-128"/>
+                          <a:ea typeface="Adobe Clean Han Bold" panose="020B0600000000000000" pitchFamily="34" charset="-128"/>
                         </a:rPr>
-                        <a:t>9 am – 5 pm</a:t>
+                        <a:t>午前 9:00 ～午後 5:00</a:t>
                       </a:r>
                     </a:p>
                   </a:txBody>
@@ -11195,13 +9819,14 @@
                     <a:p>
                       <a:pPr algn="ctr"/>
                       <a:r>
-                        <a:rPr lang="en-US" sz="1100" dirty="0">
+                        <a:rPr lang="ja-JP" sz="1100" dirty="0">
                           <a:solidFill>
                             <a:schemeClr val="tx1"/>
                           </a:solidFill>
-                          <a:latin typeface="Adobe Clean" panose="020B0503020404020204" pitchFamily="34" charset="0"/>
+                          <a:latin typeface="Adobe Clean Han Bold" panose="020B0600000000000000" pitchFamily="34" charset="-128"/>
+                          <a:ea typeface="Adobe Clean Han Bold" panose="020B0600000000000000" pitchFamily="34" charset="-128"/>
                         </a:rPr>
-                        <a:t>9 am – 5 pm</a:t>
+                        <a:t>午前 9:00 ～午後 5:00</a:t>
                       </a:r>
                     </a:p>
                   </a:txBody>
@@ -11260,13 +9885,14 @@
                     <a:p>
                       <a:pPr algn="ctr"/>
                       <a:r>
-                        <a:rPr lang="en-US" sz="1100" dirty="0">
+                        <a:rPr lang="ja-JP" sz="1100">
                           <a:solidFill>
                             <a:schemeClr val="tx1"/>
                           </a:solidFill>
-                          <a:latin typeface="Adobe Clean" panose="020B0503020404020204" pitchFamily="34" charset="0"/>
+                          <a:latin typeface="Adobe Clean Han Bold" panose="020B0600000000000000" pitchFamily="34" charset="-128"/>
+                          <a:ea typeface="Adobe Clean Han Bold" panose="020B0600000000000000" pitchFamily="34" charset="-128"/>
                         </a:rPr>
-                        <a:t>9 am – 5:30 pm</a:t>
+                        <a:t>午前 9:00 ～午後 5:30</a:t>
                       </a:r>
                     </a:p>
                   </a:txBody>
@@ -11346,20 +9972,15 @@
                         <a:buNone/>
                       </a:pPr>
                       <a:r>
-                        <a:rPr lang="en-US" sz="1100" dirty="0">
+                        <a:rPr lang="ja-JP" sz="1100" dirty="0">
                           <a:solidFill>
                             <a:schemeClr val="tx1"/>
                           </a:solidFill>
-                          <a:latin typeface="Adobe Clean"/>
+                          <a:latin typeface="Adobe Clean Han Bold" panose="020B0600000000000000" pitchFamily="34" charset="-128"/>
+                          <a:ea typeface="Adobe Clean Han Bold" panose="020B0600000000000000" pitchFamily="34" charset="-128"/>
                         </a:rPr>
-                        <a:t>Language support is only available in English and Japanese.</a:t>
+                        <a:t>サポートで対応している言語は、英語および日本語のみです。</a:t>
                       </a:r>
-                      <a:endParaRPr lang="en-US" sz="1100" dirty="0">
-                        <a:solidFill>
-                          <a:schemeClr val="tx1"/>
-                        </a:solidFill>
-                        <a:latin typeface="Adobe Clean" panose="020B0503020404020204" pitchFamily="34" charset="0"/>
-                      </a:endParaRPr>
                     </a:p>
                     <a:p>
                       <a:pPr marL="0" marR="0" lvl="0" indent="0" algn="ctr" defTabSz="914400" eaLnBrk="1" fontAlgn="auto" latinLnBrk="0" hangingPunct="1">
@@ -11380,17 +10001,18 @@
                         <a:defRPr/>
                       </a:pPr>
                       <a:r>
-                        <a:rPr lang="en-US" sz="1100" i="1" dirty="0">
+                        <a:rPr lang="ja-JP" sz="1100" i="1" dirty="0">
                           <a:solidFill>
                             <a:schemeClr val="tx1"/>
                           </a:solidFill>
-                          <a:latin typeface="Adobe Clean"/>
+                          <a:latin typeface="Adobe Clean Han Bold" panose="020B0600000000000000" pitchFamily="34" charset="-128"/>
+                          <a:ea typeface="Adobe Clean Han Bold" panose="020B0600000000000000" pitchFamily="34" charset="-128"/>
                         </a:rPr>
-                        <a:t>*Adobe Commerce excludes Japanese language support.</a:t>
+                        <a:t>*Adobe Commerce のサポートは、日本語に対応していません。</a:t>
                       </a:r>
                     </a:p>
                     <a:p>
-                      <a:pPr algn="ctr"/>
+                      <a:pPr algn="l" rtl="0"/>
                       <a:endParaRPr kumimoji="0" lang="en-US" sz="1100" b="1" i="0" u="none" strike="noStrike" kern="0" cap="none" spc="0" normalizeH="0" baseline="30000" noProof="0" dirty="0">
                         <a:ln>
                           <a:noFill/>
@@ -11401,54 +10023,52 @@
                         <a:effectLst/>
                         <a:uLnTx/>
                         <a:uFillTx/>
-                        <a:latin typeface="Adobe Clean" panose="020B0503020404020204" pitchFamily="34" charset="0"/>
-                        <a:ea typeface="+mn-ea"/>
+                        <a:latin typeface="Adobe Clean Han Bold" panose="020B0600000000000000" pitchFamily="34" charset="-128"/>
+                        <a:ea typeface="Adobe Clean Han Bold" panose="020B0600000000000000" pitchFamily="34" charset="-128"/>
                         <a:cs typeface="+mn-cs"/>
                       </a:endParaRPr>
                     </a:p>
                     <a:p>
                       <a:pPr algn="ctr"/>
                       <a:r>
-                        <a:rPr lang="en-US" sz="1100" i="0" dirty="0">
+                        <a:rPr lang="ja-JP" sz="1100" i="0" dirty="0">
                           <a:solidFill>
                             <a:schemeClr val="tx1"/>
                           </a:solidFill>
-                          <a:latin typeface="Adobe Clean"/>
+                          <a:latin typeface="Adobe Clean Han Bold" panose="020B0600000000000000" pitchFamily="34" charset="-128"/>
+                          <a:ea typeface="Adobe Clean Han Bold" panose="020B0600000000000000" pitchFamily="34" charset="-128"/>
                         </a:rPr>
                         <a:t> </a:t>
                       </a:r>
                       <a:r>
-                        <a:rPr lang="en-US" sz="1100" i="0" baseline="30000" dirty="0">
+                        <a:rPr lang="ja-JP" sz="1100" i="0" baseline="30000" dirty="0">
                           <a:solidFill>
                             <a:schemeClr val="tx1"/>
                           </a:solidFill>
-                          <a:latin typeface="Adobe Clean"/>
+                          <a:latin typeface="Adobe Clean Han Bold" panose="020B0600000000000000" pitchFamily="34" charset="-128"/>
+                          <a:ea typeface="Adobe Clean Han Bold" panose="020B0600000000000000" pitchFamily="34" charset="-128"/>
                         </a:rPr>
                         <a:t>1 </a:t>
                       </a:r>
                       <a:r>
-                        <a:rPr lang="en-US" sz="1100" i="0" dirty="0">
+                        <a:rPr lang="ja-JP" sz="1100" i="0" dirty="0">
                           <a:solidFill>
                             <a:schemeClr val="tx1"/>
                           </a:solidFill>
-                          <a:latin typeface="Adobe Clean"/>
+                          <a:latin typeface="Adobe Clean Han Bold" panose="020B0600000000000000" pitchFamily="34" charset="-128"/>
+                          <a:ea typeface="Adobe Clean Han Bold" panose="020B0600000000000000" pitchFamily="34" charset="-128"/>
                         </a:rPr>
-                        <a:t>P2, P3, P4 cases are limited to business hours only in Japan.</a:t>
+                        <a:t>P2、P3、P4 の場合は、営業時間内のみの対応です。</a:t>
                       </a:r>
-                      <a:endParaRPr lang="en-US" sz="1100" b="1" i="0" dirty="0">
-                        <a:solidFill>
-                          <a:schemeClr val="tx1"/>
-                        </a:solidFill>
-                        <a:latin typeface="Adobe Clean"/>
-                      </a:endParaRPr>
-                    </a:p>
-                    <a:p>
-                      <a:pPr algn="ctr"/>
+                    </a:p>
+                    <a:p>
+                      <a:pPr algn="l" rtl="0"/>
                       <a:endParaRPr lang="en-US" sz="1100" dirty="0">
                         <a:solidFill>
                           <a:schemeClr val="tx1"/>
                         </a:solidFill>
-                        <a:latin typeface="Adobe Clean" panose="020B0503020404020204" pitchFamily="34" charset="0"/>
+                        <a:latin typeface="Adobe Clean Han Bold" panose="020B0600000000000000" pitchFamily="34" charset="-128"/>
+                        <a:ea typeface="Adobe Clean Han Bold" panose="020B0600000000000000" pitchFamily="34" charset="-128"/>
                       </a:endParaRPr>
                     </a:p>
                   </a:txBody>
@@ -11762,7 +10382,7 @@
           <p:nvPr/>
         </p:nvPicPr>
         <p:blipFill>
-          <a:blip r:embed="rId6" cstate="print"/>
+          <a:blip r:embed="rId5" cstate="print"/>
           <a:stretch>
             <a:fillRect/>
           </a:stretch>
@@ -11792,7 +10412,7 @@
         <p:spPr>
           <a:xfrm>
             <a:off x="2840871" y="8528519"/>
-            <a:ext cx="810895" cy="385445"/>
+            <a:ext cx="810895" cy="408445"/>
           </a:xfrm>
           <a:prstGeom prst="rect">
             <a:avLst/>
@@ -11804,7 +10424,7 @@
           </a:bodyPr>
           <a:lstStyle/>
           <a:p>
-            <a:pPr marL="139065" marR="5080" indent="-139065">
+            <a:pPr marL="139065" marR="5080" indent="-139065" algn="ctr">
               <a:lnSpc>
                 <a:spcPts val="1390"/>
               </a:lnSpc>
@@ -11813,129 +10433,45 @@
               </a:spcBef>
             </a:pPr>
             <a:r>
-              <a:rPr sz="1200" b="1" spc="-15" dirty="0">
+              <a:rPr lang="ja-JP" sz="1200" b="1" dirty="0">
                 <a:solidFill>
                   <a:srgbClr val="FFFFFF"/>
                 </a:solidFill>
-                <a:latin typeface="Adobe Clean"/>
+                <a:latin typeface="Adobe Clean Han Bold" panose="020B0600000000000000" pitchFamily="34" charset="-128"/>
+                <a:ea typeface="Adobe Clean Han Bold" panose="020B0600000000000000" pitchFamily="34" charset="-128"/>
                 <a:cs typeface="Adobe Clean"/>
               </a:rPr>
-              <a:t>U</a:t>
+              <a:t>卓越した</a:t>
             </a:r>
+            <a:endParaRPr lang="cs-CZ" altLang="ja-JP" sz="1200" b="1" dirty="0">
+              <a:solidFill>
+                <a:srgbClr val="FFFFFF"/>
+              </a:solidFill>
+              <a:latin typeface="Adobe Clean Han Bold" panose="020B0600000000000000" pitchFamily="34" charset="-128"/>
+              <a:ea typeface="Adobe Clean Han Bold" panose="020B0600000000000000" pitchFamily="34" charset="-128"/>
+              <a:cs typeface="Adobe Clean"/>
+            </a:endParaRPr>
+          </a:p>
+          <a:p>
+            <a:pPr marL="139065" marR="5080" indent="-139065" algn="ctr">
+              <a:lnSpc>
+                <a:spcPts val="1390"/>
+              </a:lnSpc>
+              <a:spcBef>
+                <a:spcPts val="185"/>
+              </a:spcBef>
+            </a:pPr>
             <a:r>
-              <a:rPr sz="1200" b="1" spc="-20" dirty="0">
+              <a:rPr lang="ja-JP" sz="1200" b="1" dirty="0">
                 <a:solidFill>
                   <a:srgbClr val="FFFFFF"/>
                 </a:solidFill>
-                <a:latin typeface="Adobe Clean"/>
+                <a:latin typeface="Adobe Clean Han Bold" panose="020B0600000000000000" pitchFamily="34" charset="-128"/>
+                <a:ea typeface="Adobe Clean Han Bold" panose="020B0600000000000000" pitchFamily="34" charset="-128"/>
                 <a:cs typeface="Adobe Clean"/>
               </a:rPr>
-              <a:t>n</a:t>
+              <a:t>専門知識</a:t>
             </a:r>
-            <a:r>
-              <a:rPr sz="1200" b="1" spc="-25" dirty="0">
-                <a:solidFill>
-                  <a:srgbClr val="FFFFFF"/>
-                </a:solidFill>
-                <a:latin typeface="Adobe Clean"/>
-                <a:cs typeface="Adobe Clean"/>
-              </a:rPr>
-              <a:t>p</a:t>
-            </a:r>
-            <a:r>
-              <a:rPr sz="1200" b="1" spc="-15" dirty="0">
-                <a:solidFill>
-                  <a:srgbClr val="FFFFFF"/>
-                </a:solidFill>
-                <a:latin typeface="Adobe Clean"/>
-                <a:cs typeface="Adobe Clean"/>
-              </a:rPr>
-              <a:t>a</a:t>
-            </a:r>
-            <a:r>
-              <a:rPr sz="1200" b="1" spc="-25" dirty="0">
-                <a:solidFill>
-                  <a:srgbClr val="FFFFFF"/>
-                </a:solidFill>
-                <a:latin typeface="Adobe Clean"/>
-                <a:cs typeface="Adobe Clean"/>
-              </a:rPr>
-              <a:t>r</a:t>
-            </a:r>
-            <a:r>
-              <a:rPr sz="1200" b="1" spc="-15" dirty="0">
-                <a:solidFill>
-                  <a:srgbClr val="FFFFFF"/>
-                </a:solidFill>
-                <a:latin typeface="Adobe Clean"/>
-                <a:cs typeface="Adobe Clean"/>
-              </a:rPr>
-              <a:t>a</a:t>
-            </a:r>
-            <a:r>
-              <a:rPr sz="1200" b="1" spc="-30" dirty="0">
-                <a:solidFill>
-                  <a:srgbClr val="FFFFFF"/>
-                </a:solidFill>
-                <a:latin typeface="Adobe Clean"/>
-                <a:cs typeface="Adobe Clean"/>
-              </a:rPr>
-              <a:t>ll</a:t>
-            </a:r>
-            <a:r>
-              <a:rPr sz="1200" b="1" spc="-25" dirty="0">
-                <a:solidFill>
-                  <a:srgbClr val="FFFFFF"/>
-                </a:solidFill>
-                <a:latin typeface="Adobe Clean"/>
-                <a:cs typeface="Adobe Clean"/>
-              </a:rPr>
-              <a:t>e</a:t>
-            </a:r>
-            <a:r>
-              <a:rPr sz="1200" b="1" spc="-30" dirty="0">
-                <a:solidFill>
-                  <a:srgbClr val="FFFFFF"/>
-                </a:solidFill>
-                <a:latin typeface="Adobe Clean"/>
-                <a:cs typeface="Adobe Clean"/>
-              </a:rPr>
-              <a:t>l</a:t>
-            </a:r>
-            <a:r>
-              <a:rPr sz="1200" b="1" spc="-25" dirty="0">
-                <a:solidFill>
-                  <a:srgbClr val="FFFFFF"/>
-                </a:solidFill>
-                <a:latin typeface="Adobe Clean"/>
-                <a:cs typeface="Adobe Clean"/>
-              </a:rPr>
-              <a:t>e</a:t>
-            </a:r>
-            <a:r>
-              <a:rPr sz="1200" b="1" dirty="0">
-                <a:solidFill>
-                  <a:srgbClr val="FFFFFF"/>
-                </a:solidFill>
-                <a:latin typeface="Adobe Clean"/>
-                <a:cs typeface="Adobe Clean"/>
-              </a:rPr>
-              <a:t>d  </a:t>
-            </a:r>
-            <a:r>
-              <a:rPr sz="1200" b="1" spc="-25" dirty="0">
-                <a:solidFill>
-                  <a:srgbClr val="FFFFFF"/>
-                </a:solidFill>
-                <a:latin typeface="Adobe Clean"/>
-                <a:cs typeface="Adobe Clean"/>
-              </a:rPr>
-              <a:t>Expertise</a:t>
-            </a:r>
-            <a:endParaRPr sz="1200" dirty="0">
-              <a:latin typeface="Adobe Clean"/>
-              <a:cs typeface="Adobe Clean"/>
-            </a:endParaRPr>
           </a:p>
         </p:txBody>
       </p:sp>
@@ -11954,7 +10490,7 @@
         <p:spPr>
           <a:xfrm>
             <a:off x="4732495" y="8541244"/>
-            <a:ext cx="810895" cy="382797"/>
+            <a:ext cx="810895" cy="408445"/>
           </a:xfrm>
           <a:prstGeom prst="rect">
             <a:avLst/>
@@ -11966,7 +10502,7 @@
           </a:bodyPr>
           <a:lstStyle/>
           <a:p>
-            <a:pPr marL="139065" marR="5080" indent="-139065">
+            <a:pPr marL="139065" marR="5080" indent="-139065" algn="ctr">
               <a:lnSpc>
                 <a:spcPts val="1390"/>
               </a:lnSpc>
@@ -11975,19 +10511,45 @@
               </a:spcBef>
             </a:pPr>
             <a:r>
-              <a:rPr lang="en-US" sz="1200" b="1" spc="-15" dirty="0">
+              <a:rPr lang="ja-JP" sz="1200" b="1" dirty="0">
                 <a:solidFill>
                   <a:srgbClr val="FFFFFF"/>
                 </a:solidFill>
-                <a:latin typeface="Adobe Clean"/>
+                <a:latin typeface="Adobe Clean Han Bold" panose="020B0600000000000000" pitchFamily="34" charset="-128"/>
+                <a:ea typeface="Adobe Clean Han Bold" panose="020B0600000000000000" pitchFamily="34" charset="-128"/>
                 <a:cs typeface="Adobe Clean"/>
               </a:rPr>
-              <a:t>Accelerated Support</a:t>
+              <a:t>迅速な</a:t>
             </a:r>
-            <a:endParaRPr sz="1200" dirty="0">
-              <a:latin typeface="Adobe Clean"/>
+            <a:endParaRPr lang="cs-CZ" altLang="ja-JP" sz="1200" b="1" dirty="0">
+              <a:solidFill>
+                <a:srgbClr val="FFFFFF"/>
+              </a:solidFill>
+              <a:latin typeface="Adobe Clean Han Bold" panose="020B0600000000000000" pitchFamily="34" charset="-128"/>
+              <a:ea typeface="Adobe Clean Han Bold" panose="020B0600000000000000" pitchFamily="34" charset="-128"/>
               <a:cs typeface="Adobe Clean"/>
             </a:endParaRPr>
+          </a:p>
+          <a:p>
+            <a:pPr marL="139065" marR="5080" indent="-139065" algn="ctr">
+              <a:lnSpc>
+                <a:spcPts val="1390"/>
+              </a:lnSpc>
+              <a:spcBef>
+                <a:spcPts val="185"/>
+              </a:spcBef>
+            </a:pPr>
+            <a:r>
+              <a:rPr lang="ja-JP" sz="1200" b="1" dirty="0">
+                <a:solidFill>
+                  <a:srgbClr val="FFFFFF"/>
+                </a:solidFill>
+                <a:latin typeface="Adobe Clean Han Bold" panose="020B0600000000000000" pitchFamily="34" charset="-128"/>
+                <a:ea typeface="Adobe Clean Han Bold" panose="020B0600000000000000" pitchFamily="34" charset="-128"/>
+                <a:cs typeface="Adobe Clean"/>
+              </a:rPr>
+              <a:t>サポート</a:t>
+            </a:r>
           </a:p>
         </p:txBody>
       </p:sp>
@@ -12005,8 +10567,8 @@
         </p:nvSpPr>
         <p:spPr>
           <a:xfrm>
-            <a:off x="6624119" y="8543943"/>
-            <a:ext cx="510540" cy="385445"/>
+            <a:off x="6477000" y="8543943"/>
+            <a:ext cx="810895" cy="408445"/>
           </a:xfrm>
           <a:prstGeom prst="rect">
             <a:avLst/>
@@ -12018,7 +10580,7 @@
           </a:bodyPr>
           <a:lstStyle/>
           <a:p>
-            <a:pPr marL="50800" marR="5080" indent="-51435">
+            <a:pPr marL="50800" marR="5080" indent="-51435" algn="ctr">
               <a:lnSpc>
                 <a:spcPts val="1390"/>
               </a:lnSpc>
@@ -12027,109 +10589,45 @@
               </a:spcBef>
             </a:pPr>
             <a:r>
-              <a:rPr sz="1200" b="1" spc="-50" dirty="0">
+              <a:rPr lang="ja-JP" sz="1200" b="1" dirty="0">
                 <a:solidFill>
                   <a:srgbClr val="FFFFFF"/>
                 </a:solidFill>
-                <a:latin typeface="Adobe Clean"/>
+                <a:latin typeface="Adobe Clean Han Bold" panose="020B0600000000000000" pitchFamily="34" charset="-128"/>
+                <a:ea typeface="Adobe Clean Han Bold" panose="020B0600000000000000" pitchFamily="34" charset="-128"/>
                 <a:cs typeface="Adobe Clean"/>
               </a:rPr>
-              <a:t>S</a:t>
+              <a:t>戦略的</a:t>
             </a:r>
+            <a:endParaRPr lang="cs-CZ" altLang="ja-JP" sz="1200" b="1" dirty="0">
+              <a:solidFill>
+                <a:srgbClr val="FFFFFF"/>
+              </a:solidFill>
+              <a:latin typeface="Adobe Clean Han Bold" panose="020B0600000000000000" pitchFamily="34" charset="-128"/>
+              <a:ea typeface="Adobe Clean Han Bold" panose="020B0600000000000000" pitchFamily="34" charset="-128"/>
+              <a:cs typeface="Adobe Clean"/>
+            </a:endParaRPr>
+          </a:p>
+          <a:p>
+            <a:pPr marL="50800" marR="5080" indent="-51435" algn="ctr">
+              <a:lnSpc>
+                <a:spcPts val="1390"/>
+              </a:lnSpc>
+              <a:spcBef>
+                <a:spcPts val="185"/>
+              </a:spcBef>
+            </a:pPr>
             <a:r>
-              <a:rPr sz="1200" b="1" spc="-20" dirty="0">
+              <a:rPr lang="ja-JP" sz="1200" b="1" dirty="0">
                 <a:solidFill>
                   <a:srgbClr val="FFFFFF"/>
                 </a:solidFill>
-                <a:latin typeface="Adobe Clean"/>
+                <a:latin typeface="Adobe Clean Han Bold" panose="020B0600000000000000" pitchFamily="34" charset="-128"/>
+                <a:ea typeface="Adobe Clean Han Bold" panose="020B0600000000000000" pitchFamily="34" charset="-128"/>
                 <a:cs typeface="Adobe Clean"/>
               </a:rPr>
-              <a:t>t</a:t>
+              <a:t>アドバイス</a:t>
             </a:r>
-            <a:r>
-              <a:rPr sz="1200" b="1" spc="-75" dirty="0">
-                <a:solidFill>
-                  <a:srgbClr val="FFFFFF"/>
-                </a:solidFill>
-                <a:latin typeface="Adobe Clean"/>
-                <a:cs typeface="Adobe Clean"/>
-              </a:rPr>
-              <a:t>r</a:t>
-            </a:r>
-            <a:r>
-              <a:rPr sz="1200" b="1" spc="-90" dirty="0">
-                <a:solidFill>
-                  <a:srgbClr val="FFFFFF"/>
-                </a:solidFill>
-                <a:latin typeface="Adobe Clean"/>
-                <a:cs typeface="Adobe Clean"/>
-              </a:rPr>
-              <a:t>a</a:t>
-            </a:r>
-            <a:r>
-              <a:rPr sz="1200" b="1" spc="-55" dirty="0">
-                <a:solidFill>
-                  <a:srgbClr val="FFFFFF"/>
-                </a:solidFill>
-                <a:latin typeface="Adobe Clean"/>
-                <a:cs typeface="Adobe Clean"/>
-              </a:rPr>
-              <a:t>t</a:t>
-            </a:r>
-            <a:r>
-              <a:rPr sz="1200" b="1" spc="-100" dirty="0">
-                <a:solidFill>
-                  <a:srgbClr val="FFFFFF"/>
-                </a:solidFill>
-                <a:latin typeface="Adobe Clean"/>
-                <a:cs typeface="Adobe Clean"/>
-              </a:rPr>
-              <a:t>e</a:t>
-            </a:r>
-            <a:r>
-              <a:rPr sz="1200" b="1" spc="-80" dirty="0">
-                <a:solidFill>
-                  <a:srgbClr val="FFFFFF"/>
-                </a:solidFill>
-                <a:latin typeface="Adobe Clean"/>
-                <a:cs typeface="Adobe Clean"/>
-              </a:rPr>
-              <a:t>g</a:t>
-            </a:r>
-            <a:r>
-              <a:rPr sz="1200" b="1" spc="-35" dirty="0">
-                <a:solidFill>
-                  <a:srgbClr val="FFFFFF"/>
-                </a:solidFill>
-                <a:latin typeface="Adobe Clean"/>
-                <a:cs typeface="Adobe Clean"/>
-              </a:rPr>
-              <a:t>i</a:t>
-            </a:r>
-            <a:r>
-              <a:rPr sz="1200" b="1" dirty="0">
-                <a:solidFill>
-                  <a:srgbClr val="FFFFFF"/>
-                </a:solidFill>
-                <a:latin typeface="Adobe Clean"/>
-                <a:cs typeface="Adobe Clean"/>
-              </a:rPr>
-              <a:t>c  </a:t>
-            </a:r>
-            <a:r>
-              <a:rPr sz="1200" b="1" spc="-45" dirty="0">
-                <a:solidFill>
-                  <a:srgbClr val="FFFFFF"/>
-                </a:solidFill>
-                <a:latin typeface="Adobe Clean"/>
-                <a:cs typeface="Adobe Clean"/>
-              </a:rPr>
-              <a:t>Advice</a:t>
-            </a:r>
-            <a:endParaRPr sz="1200" dirty="0">
-              <a:latin typeface="Adobe Clean"/>
-              <a:cs typeface="Adobe Clean"/>
-            </a:endParaRPr>
           </a:p>
         </p:txBody>
       </p:sp>
@@ -12148,7 +10646,7 @@
           <p:nvPr>
             <p:extLst>
               <p:ext uri="{D42A27DB-BD31-4B8C-83A1-F6EECF244321}">
-                <p14:modId xmlns:p14="http://schemas.microsoft.com/office/powerpoint/2010/main" val="1366573891"/>
+                <p14:modId xmlns:p14="http://schemas.microsoft.com/office/powerpoint/2010/main" val="2723238087"/>
               </p:ext>
             </p:extLst>
           </p:nvPr>
@@ -12164,14 +10662,14 @@
                 <a:tableStyleId>{5C22544A-7EE6-4342-B048-85BDC9FD1C3A}</a:tableStyleId>
               </a:tblPr>
               <a:tblGrid>
-                <a:gridCol w="3691964">
+                <a:gridCol w="3615764">
                   <a:extLst>
                     <a:ext uri="{9D8B030D-6E8A-4147-A177-3AD203B41FA5}">
                       <a16:colId xmlns:a16="http://schemas.microsoft.com/office/drawing/2014/main" val="2364693614"/>
                     </a:ext>
                   </a:extLst>
                 </a:gridCol>
-                <a:gridCol w="3676327">
+                <a:gridCol w="3752527">
                   <a:extLst>
                     <a:ext uri="{9D8B030D-6E8A-4147-A177-3AD203B41FA5}">
                       <a16:colId xmlns:a16="http://schemas.microsoft.com/office/drawing/2014/main" val="1545335406"/>
@@ -12186,25 +10684,17 @@
                     <a:lstStyle/>
                     <a:p>
                       <a:r>
-                        <a:rPr lang="en-US" sz="1100" b="0" dirty="0">
+                        <a:rPr lang="ja-JP" sz="1100" b="0" dirty="0">
                           <a:solidFill>
                             <a:schemeClr val="tx1"/>
                           </a:solidFill>
-                          <a:latin typeface="Adobe Clean" panose="020B0503020404020204" pitchFamily="34" charset="0"/>
-                          <a:ea typeface="+mn-ea"/>
+                          <a:latin typeface="Adobe Clean Han Bold" panose="020B0600000000000000" pitchFamily="34" charset="-128"/>
+                          <a:ea typeface="Adobe Clean Han Bold" panose="020B0600000000000000" pitchFamily="34" charset="-128"/>
                           <a:cs typeface="+mn-cs"/>
-                          <a:hlinkClick r:id="rId7"/>
+                          <a:hlinkClick r:id="rId6"/>
                         </a:rPr>
                         <a:t>Experience League</a:t>
                       </a:r>
-                      <a:endParaRPr lang="en-US" sz="1100" b="0" dirty="0">
-                        <a:solidFill>
-                          <a:schemeClr val="tx1"/>
-                        </a:solidFill>
-                        <a:latin typeface="Adobe Clean" panose="020B0503020404020204" pitchFamily="34" charset="0"/>
-                        <a:ea typeface="+mn-ea"/>
-                        <a:cs typeface="+mn-cs"/>
-                      </a:endParaRPr>
                     </a:p>
                   </a:txBody>
                   <a:tcPr marL="47625" marR="47625" marT="0" marB="0" anchor="ctr">
@@ -12278,15 +10768,36 @@
                         <a:defRPr/>
                       </a:pPr>
                       <a:r>
-                        <a:rPr lang="en-US" sz="1000" b="0" kern="1200" dirty="0">
+                        <a:rPr lang="ja-JP" sz="1000" b="0" dirty="0">
                           <a:solidFill>
                             <a:srgbClr val="000000"/>
                           </a:solidFill>
-                          <a:latin typeface="Adobe Clean Light" panose="020B0303020404020204" pitchFamily="34" charset="0"/>
-                          <a:ea typeface="+mn-ea"/>
+                          <a:latin typeface="Adobe Clean Han Light" panose="020B0300000000000000" pitchFamily="34" charset="-128"/>
+                          <a:ea typeface="Adobe Clean Han Light" panose="020B0300000000000000" pitchFamily="34" charset="-128"/>
                           <a:cs typeface="+mn-cs"/>
                         </a:rPr>
-                        <a:t>Experience League is how Adobe helps businesses achieve the value they expect from their Adobe investment. It’s the unified place where customers can learn, connect, and grow along a personalized path to success that includes self-help tutorials, product documentation, instructor-led training, community and technical support. </a:t>
+                        <a:t>Experience League では、アドビへの投資に対して企業が期待している価値を実現するための支援を行います。セルフサービスのチュートリアル、製品ドキュメント、講師によるトレーニング、コミュニティ、テクニカルサポートなど、パーソナライズされた成功への道筋に沿って、お客様が学習し、繋がり、</a:t>
+                      </a:r>
+                      <a:br>
+                        <a:rPr lang="cs-CZ" altLang="ja-JP" sz="1000" b="0" dirty="0">
+                          <a:solidFill>
+                            <a:srgbClr val="000000"/>
+                          </a:solidFill>
+                          <a:latin typeface="Adobe Clean Han Light" panose="020B0300000000000000" pitchFamily="34" charset="-128"/>
+                          <a:ea typeface="Adobe Clean Han Light" panose="020B0300000000000000" pitchFamily="34" charset="-128"/>
+                          <a:cs typeface="+mn-cs"/>
+                        </a:rPr>
+                      </a:br>
+                      <a:r>
+                        <a:rPr lang="ja-JP" sz="1000" b="0" dirty="0">
+                          <a:solidFill>
+                            <a:srgbClr val="000000"/>
+                          </a:solidFill>
+                          <a:latin typeface="Adobe Clean Han Light" panose="020B0300000000000000" pitchFamily="34" charset="-128"/>
+                          <a:ea typeface="Adobe Clean Han Light" panose="020B0300000000000000" pitchFamily="34" charset="-128"/>
+                          <a:cs typeface="+mn-cs"/>
+                        </a:rPr>
+                        <a:t>成長できる、統合された場所です。 </a:t>
                       </a:r>
                     </a:p>
                   </a:txBody>
@@ -12368,39 +10879,28 @@
                         <a:defRPr/>
                       </a:pPr>
                       <a:r>
-                        <a:rPr lang="en-US" sz="1100" dirty="0">
+                        <a:rPr lang="ja-JP" sz="1100" dirty="0">
                           <a:solidFill>
                             <a:schemeClr val="dk1"/>
                           </a:solidFill>
-                          <a:effectLst/>
-                          <a:latin typeface="Adobe Clean" panose="020B0503020404020204" pitchFamily="34" charset="0"/>
-                          <a:ea typeface="+mn-ea"/>
+                          <a:latin typeface="Adobe Clean Han Bold" panose="020B0600000000000000" pitchFamily="34" charset="-128"/>
+                          <a:ea typeface="Adobe Clean Han Bold" panose="020B0600000000000000" pitchFamily="34" charset="-128"/>
                           <a:cs typeface="+mn-cs"/>
-                          <a:hlinkClick r:id="rId8"/>
+                          <a:hlinkClick r:id="rId7"/>
                         </a:rPr>
-                        <a:t>Training</a:t>
+                        <a:t>トレーニング</a:t>
                       </a:r>
                       <a:r>
-                        <a:rPr lang="en-US" sz="1100" dirty="0">
+                        <a:rPr lang="ja-JP" sz="1100" dirty="0">
                           <a:solidFill>
                             <a:schemeClr val="dk1"/>
                           </a:solidFill>
-                          <a:effectLst/>
-                          <a:latin typeface="Adobe Clean" panose="020B0503020404020204" pitchFamily="34" charset="0"/>
-                          <a:ea typeface="+mn-ea"/>
+                          <a:latin typeface="Adobe Clean Han Bold" panose="020B0600000000000000" pitchFamily="34" charset="-128"/>
+                          <a:ea typeface="Adobe Clean Han Bold" panose="020B0600000000000000" pitchFamily="34" charset="-128"/>
                           <a:cs typeface="+mn-cs"/>
                         </a:rPr>
                         <a:t> </a:t>
                       </a:r>
-                      <a:endParaRPr lang="en-US" sz="1100" dirty="0">
-                        <a:solidFill>
-                          <a:schemeClr val="tx1"/>
-                        </a:solidFill>
-                        <a:effectLst/>
-                        <a:latin typeface="Adobe Clean" panose="020B0503020404020204" pitchFamily="34" charset="0"/>
-                        <a:ea typeface="+mn-ea"/>
-                        <a:cs typeface="+mn-cs"/>
-                      </a:endParaRPr>
                     </a:p>
                   </a:txBody>
                   <a:tcPr anchor="ctr">
@@ -12474,15 +10974,36 @@
                         <a:defRPr/>
                       </a:pPr>
                       <a:r>
-                        <a:rPr lang="en-US" sz="1000" kern="1200" dirty="0">
+                        <a:rPr lang="ja-JP" sz="1000" dirty="0">
                           <a:solidFill>
                             <a:srgbClr val="000000"/>
                           </a:solidFill>
-                          <a:latin typeface="Adobe Clean Light" panose="020B0303020404020204" pitchFamily="34" charset="0"/>
-                          <a:ea typeface="+mn-ea"/>
+                          <a:latin typeface="Adobe Clean Han Light" panose="020B0300000000000000" pitchFamily="34" charset="-128"/>
+                          <a:ea typeface="Adobe Clean Han Light" panose="020B0300000000000000" pitchFamily="34" charset="-128"/>
                           <a:cs typeface="+mn-cs"/>
                         </a:rPr>
-                        <a:t>Adobe Digital Learning Services courses are accessible from Experience League. Learning courses integrate both on-demand and instructor-led lessons.  Here you can accrue skills that have recognized market value and position them to drive success in your organizations.</a:t>
+                        <a:t>Adobe Digital Learning Services のコースには、Experience League からアクセスできます。ラーニングコースは、オン</a:t>
+                      </a:r>
+                      <a:br>
+                        <a:rPr lang="cs-CZ" altLang="ja-JP" sz="1000" dirty="0">
+                          <a:solidFill>
+                            <a:srgbClr val="000000"/>
+                          </a:solidFill>
+                          <a:latin typeface="Adobe Clean Han Light" panose="020B0300000000000000" pitchFamily="34" charset="-128"/>
+                          <a:ea typeface="Adobe Clean Han Light" panose="020B0300000000000000" pitchFamily="34" charset="-128"/>
+                          <a:cs typeface="+mn-cs"/>
+                        </a:rPr>
+                      </a:br>
+                      <a:r>
+                        <a:rPr lang="ja-JP" sz="1000" dirty="0">
+                          <a:solidFill>
+                            <a:srgbClr val="000000"/>
+                          </a:solidFill>
+                          <a:latin typeface="Adobe Clean Han Light" panose="020B0300000000000000" pitchFamily="34" charset="-128"/>
+                          <a:ea typeface="Adobe Clean Han Light" panose="020B0300000000000000" pitchFamily="34" charset="-128"/>
+                          <a:cs typeface="+mn-cs"/>
+                        </a:rPr>
+                        <a:t>デマンドレッスンと講師によるレッスンが統合されています。  市場価値が認められたスキルを習得し、組織での成功を促進するために活用できます。</a:t>
                       </a:r>
                     </a:p>
                   </a:txBody>
@@ -12564,27 +11085,17 @@
                         <a:defRPr/>
                       </a:pPr>
                       <a:r>
-                        <a:rPr lang="en-US" sz="1100" dirty="0">
+                        <a:rPr lang="ja-JP" sz="1100" dirty="0">
                           <a:solidFill>
                             <a:schemeClr val="tx1"/>
                           </a:solidFill>
-                          <a:effectLst/>
-                          <a:latin typeface="Adobe Clean" panose="020B0503020404020204" pitchFamily="34" charset="0"/>
-                          <a:ea typeface="+mn-ea"/>
+                          <a:latin typeface="Adobe Clean Han Bold" panose="020B0600000000000000" pitchFamily="34" charset="-128"/>
+                          <a:ea typeface="Adobe Clean Han Bold" panose="020B0600000000000000" pitchFamily="34" charset="-128"/>
                           <a:cs typeface="+mn-cs"/>
-                          <a:hlinkClick r:id="rId9"/>
+                          <a:hlinkClick r:id="rId8"/>
                         </a:rPr>
-                        <a:t>Production Issues &amp; System Outages</a:t>
+                        <a:t>本番環境の問題とシステム障害</a:t>
                       </a:r>
-                      <a:endParaRPr lang="en-US" sz="1100" dirty="0">
-                        <a:solidFill>
-                          <a:schemeClr val="tx1"/>
-                        </a:solidFill>
-                        <a:effectLst/>
-                        <a:latin typeface="Adobe Clean" panose="020B0503020404020204" pitchFamily="34" charset="0"/>
-                        <a:ea typeface="+mn-ea"/>
-                        <a:cs typeface="+mn-cs"/>
-                      </a:endParaRPr>
                     </a:p>
                   </a:txBody>
                   <a:tcPr anchor="ctr">
@@ -12658,15 +11169,15 @@
                         <a:defRPr/>
                       </a:pPr>
                       <a:r>
-                        <a:rPr lang="en-US" sz="1000" kern="1200" dirty="0">
+                        <a:rPr lang="ja-JP" sz="1000" dirty="0">
                           <a:solidFill>
                             <a:srgbClr val="000000"/>
                           </a:solidFill>
-                          <a:latin typeface="Adobe Clean Light" panose="020B0303020404020204" pitchFamily="34" charset="0"/>
-                          <a:ea typeface="+mn-ea"/>
+                          <a:latin typeface="Adobe Clean Han Light" panose="020B0300000000000000" pitchFamily="34" charset="-128"/>
+                          <a:ea typeface="Adobe Clean Han Light" panose="020B0300000000000000" pitchFamily="34" charset="-128"/>
                           <a:cs typeface="+mn-cs"/>
                         </a:rPr>
-                        <a:t>Status.adobe.com conveys the health information of all Adobe products and services that are deployed in multi-tenant environments. Customers can choose their subscription preferences to get email notifications whenever Adobe creates, updates or resolves a product event. This can include scheduled maintenance or service issues of varying levels of severity. </a:t>
+                        <a:t>status.adobe.com では、マルチテナント環境にデプロイされたすべてのアドビ製品およびサービスのシステムステータス情報が表示されます。お客様は、アドビが製品イベントを作成、更新、解決した際に電子メール通知を受け取るようサブスクリプション設定を選択できます。イベントには、定期的なメンテナンスや、様々な重大度レベルの問題が含まれています。 </a:t>
                       </a:r>
                     </a:p>
                   </a:txBody>
@@ -12748,27 +11259,17 @@
                         <a:defRPr/>
                       </a:pPr>
                       <a:r>
-                        <a:rPr lang="en-US" sz="1100" dirty="0">
+                        <a:rPr lang="ja-JP" sz="1100" dirty="0">
                           <a:solidFill>
                             <a:schemeClr val="tx1"/>
                           </a:solidFill>
-                          <a:effectLst/>
-                          <a:latin typeface="Adobe Clean" panose="020B0503020404020204" pitchFamily="34" charset="0"/>
-                          <a:ea typeface="+mn-ea"/>
+                          <a:latin typeface="Adobe Clean Han Bold" panose="020B0600000000000000" pitchFamily="34" charset="-128"/>
+                          <a:ea typeface="Adobe Clean Han Bold" panose="020B0600000000000000" pitchFamily="34" charset="-128"/>
                           <a:cs typeface="+mn-cs"/>
-                          <a:hlinkClick r:id="rId10"/>
+                          <a:hlinkClick r:id="rId9"/>
                         </a:rPr>
-                        <a:t>Terms and Conditions</a:t>
+                        <a:t>利用条件</a:t>
                       </a:r>
-                      <a:endParaRPr lang="en-US" sz="1100" dirty="0">
-                        <a:solidFill>
-                          <a:schemeClr val="tx1"/>
-                        </a:solidFill>
-                        <a:effectLst/>
-                        <a:latin typeface="Adobe Clean" panose="020B0503020404020204" pitchFamily="34" charset="0"/>
-                        <a:ea typeface="+mn-ea"/>
-                        <a:cs typeface="+mn-cs"/>
-                      </a:endParaRPr>
                     </a:p>
                   </a:txBody>
                   <a:tcPr anchor="ctr">
@@ -12825,15 +11326,15 @@
                     <a:lstStyle/>
                     <a:p>
                       <a:r>
-                        <a:rPr lang="en-US" sz="1000" kern="1200" dirty="0">
+                        <a:rPr lang="ja-JP" sz="1000" dirty="0">
                           <a:solidFill>
                             <a:srgbClr val="000000"/>
                           </a:solidFill>
-                          <a:latin typeface="Adobe Clean Light" panose="020B0303020404020204" pitchFamily="34" charset="0"/>
-                          <a:ea typeface="+mn-ea"/>
+                          <a:latin typeface="Adobe Clean Han Light" panose="020B0300000000000000" pitchFamily="34" charset="-128"/>
+                          <a:ea typeface="Adobe Clean Han Light" panose="020B0300000000000000" pitchFamily="34" charset="-128"/>
                           <a:cs typeface="+mn-cs"/>
                         </a:rPr>
-                        <a:t>Terms and conditions detailing Support Services offerings.</a:t>
+                        <a:t>提供するサポートサービスについて詳しく説明されています。</a:t>
                       </a:r>
                     </a:p>
                   </a:txBody>
@@ -12910,13 +11411,13 @@
           <p:nvPr/>
         </p:nvPicPr>
         <p:blipFill>
-          <a:blip r:embed="rId11">
+          <a:blip r:embed="rId10">
             <a:extLst>
               <a:ext uri="{28A0092B-C50C-407E-A947-70E740481C1C}">
                 <a14:useLocalDpi xmlns:a14="http://schemas.microsoft.com/office/drawing/2010/main" val="0"/>
               </a:ext>
               <a:ext uri="{96DAC541-7B7A-43D3-8B79-37D633B846F1}">
-                <asvg:svgBlip xmlns:asvg="http://schemas.microsoft.com/office/drawing/2016/SVG/main" r:embed="rId12"/>
+                <asvg:svgBlip xmlns:asvg="http://schemas.microsoft.com/office/drawing/2016/SVG/main" r:embed="rId11"/>
               </a:ext>
             </a:extLst>
           </a:blip>
@@ -12949,13 +11450,13 @@
           <p:nvPr/>
         </p:nvPicPr>
         <p:blipFill>
-          <a:blip r:embed="rId13">
+          <a:blip r:embed="rId12">
             <a:extLst>
               <a:ext uri="{28A0092B-C50C-407E-A947-70E740481C1C}">
                 <a14:useLocalDpi xmlns:a14="http://schemas.microsoft.com/office/drawing/2010/main" val="0"/>
               </a:ext>
               <a:ext uri="{96DAC541-7B7A-43D3-8B79-37D633B846F1}">
-                <asvg:svgBlip xmlns:asvg="http://schemas.microsoft.com/office/drawing/2016/SVG/main" r:embed="rId14"/>
+                <asvg:svgBlip xmlns:asvg="http://schemas.microsoft.com/office/drawing/2016/SVG/main" r:embed="rId13"/>
               </a:ext>
             </a:extLst>
           </a:blip>
@@ -12988,13 +11489,13 @@
           <p:nvPr/>
         </p:nvPicPr>
         <p:blipFill>
-          <a:blip r:embed="rId15">
+          <a:blip r:embed="rId14">
             <a:extLst>
               <a:ext uri="{28A0092B-C50C-407E-A947-70E740481C1C}">
                 <a14:useLocalDpi xmlns:a14="http://schemas.microsoft.com/office/drawing/2010/main" val="0"/>
               </a:ext>
               <a:ext uri="{96DAC541-7B7A-43D3-8B79-37D633B846F1}">
-                <asvg:svgBlip xmlns:asvg="http://schemas.microsoft.com/office/drawing/2016/SVG/main" r:embed="rId16"/>
+                <asvg:svgBlip xmlns:asvg="http://schemas.microsoft.com/office/drawing/2016/SVG/main" r:embed="rId15"/>
               </a:ext>
             </a:extLst>
           </a:blip>
@@ -13012,6 +11513,194 @@
           </a:prstGeom>
         </p:spPr>
       </p:pic>
+      <p:sp>
+        <p:nvSpPr>
+          <p:cNvPr id="21" name="object 24">
+            <a:extLst>
+              <a:ext uri="{FF2B5EF4-FFF2-40B4-BE49-F238E27FC236}">
+                <a16:creationId xmlns:a16="http://schemas.microsoft.com/office/drawing/2014/main" id="{EC128A6C-0681-4034-921E-ABB92EB3B564}"/>
+              </a:ext>
+            </a:extLst>
+          </p:cNvPr>
+          <p:cNvSpPr txBox="1"/>
+          <p:nvPr/>
+        </p:nvSpPr>
+        <p:spPr>
+          <a:xfrm>
+            <a:off x="6754821" y="9283729"/>
+            <a:ext cx="930275" cy="758541"/>
+          </a:xfrm>
+          <a:prstGeom prst="rect">
+            <a:avLst/>
+          </a:prstGeom>
+        </p:spPr>
+        <p:txBody>
+          <a:bodyPr vert="horz" wrap="square" lIns="0" tIns="12065" rIns="0" bIns="0" rtlCol="0" anchor="t">
+            <a:spAutoFit/>
+          </a:bodyPr>
+          <a:lstStyle/>
+          <a:p>
+            <a:pPr marL="12700">
+              <a:lnSpc>
+                <a:spcPts val="930"/>
+              </a:lnSpc>
+              <a:spcBef>
+                <a:spcPts val="95"/>
+              </a:spcBef>
+            </a:pPr>
+            <a:r>
+              <a:rPr sz="800" spc="-15" dirty="0">
+                <a:solidFill>
+                  <a:srgbClr val="777879"/>
+                </a:solidFill>
+                <a:latin typeface="Adobe Clean"/>
+                <a:cs typeface="Adobe Clean"/>
+              </a:rPr>
+              <a:t>Adobe</a:t>
+            </a:r>
+            <a:endParaRPr sz="800" dirty="0">
+              <a:latin typeface="Adobe Clean"/>
+              <a:cs typeface="Adobe Clean"/>
+            </a:endParaRPr>
+          </a:p>
+          <a:p>
+            <a:pPr marL="12700">
+              <a:lnSpc>
+                <a:spcPts val="915"/>
+              </a:lnSpc>
+            </a:pPr>
+            <a:r>
+              <a:rPr sz="800" spc="-15" dirty="0">
+                <a:solidFill>
+                  <a:srgbClr val="777879"/>
+                </a:solidFill>
+                <a:latin typeface="Adobe Clean"/>
+                <a:cs typeface="Adobe Clean"/>
+              </a:rPr>
+              <a:t>345 </a:t>
+            </a:r>
+            <a:r>
+              <a:rPr lang="en-US" sz="800" spc="-15" dirty="0">
+                <a:solidFill>
+                  <a:srgbClr val="777879"/>
+                </a:solidFill>
+                <a:latin typeface="Adobe Clean"/>
+                <a:cs typeface="Adobe Clean"/>
+              </a:rPr>
+              <a:t>Park Avenue</a:t>
+            </a:r>
+            <a:endParaRPr sz="800" dirty="0">
+              <a:latin typeface="Adobe Clean"/>
+              <a:cs typeface="Adobe Clean"/>
+            </a:endParaRPr>
+          </a:p>
+          <a:p>
+            <a:pPr marL="12700">
+              <a:lnSpc>
+                <a:spcPts val="944"/>
+              </a:lnSpc>
+            </a:pPr>
+            <a:r>
+              <a:rPr sz="800" spc="-10" dirty="0">
+                <a:solidFill>
+                  <a:srgbClr val="777879"/>
+                </a:solidFill>
+                <a:latin typeface="Adobe Clean"/>
+                <a:cs typeface="Adobe Clean"/>
+              </a:rPr>
+              <a:t>San </a:t>
+            </a:r>
+            <a:r>
+              <a:rPr sz="800" spc="-15" dirty="0">
+                <a:solidFill>
+                  <a:srgbClr val="777879"/>
+                </a:solidFill>
+                <a:latin typeface="Adobe Clean"/>
+                <a:cs typeface="Adobe Clean"/>
+              </a:rPr>
+              <a:t>Jose,</a:t>
+            </a:r>
+            <a:r>
+              <a:rPr sz="800" spc="-140" dirty="0">
+                <a:solidFill>
+                  <a:srgbClr val="777879"/>
+                </a:solidFill>
+                <a:latin typeface="Adobe Clean"/>
+                <a:cs typeface="Adobe Clean"/>
+              </a:rPr>
+              <a:t> </a:t>
+            </a:r>
+            <a:r>
+              <a:rPr sz="800" spc="-20" dirty="0">
+                <a:solidFill>
+                  <a:srgbClr val="777879"/>
+                </a:solidFill>
+                <a:latin typeface="Adobe Clean"/>
+                <a:cs typeface="Adobe Clean"/>
+              </a:rPr>
+              <a:t>CA95110-2704</a:t>
+            </a:r>
+            <a:endParaRPr sz="800" dirty="0">
+              <a:latin typeface="Adobe Clean"/>
+              <a:cs typeface="Adobe Clean"/>
+            </a:endParaRPr>
+          </a:p>
+          <a:p>
+            <a:pPr marL="12700">
+              <a:lnSpc>
+                <a:spcPct val="100000"/>
+              </a:lnSpc>
+              <a:spcBef>
+                <a:spcPts val="45"/>
+              </a:spcBef>
+            </a:pPr>
+            <a:r>
+              <a:rPr sz="800" spc="-10" dirty="0">
+                <a:solidFill>
+                  <a:srgbClr val="777879"/>
+                </a:solidFill>
+                <a:latin typeface="Adobe Clean"/>
+                <a:cs typeface="Adobe Clean"/>
+              </a:rPr>
+              <a:t>USA</a:t>
+            </a:r>
+            <a:endParaRPr sz="800" dirty="0">
+              <a:latin typeface="Adobe Clean"/>
+              <a:cs typeface="Adobe Clean"/>
+            </a:endParaRPr>
+          </a:p>
+          <a:p>
+            <a:pPr marL="12700">
+              <a:lnSpc>
+                <a:spcPct val="100000"/>
+              </a:lnSpc>
+              <a:spcBef>
+                <a:spcPts val="265"/>
+              </a:spcBef>
+            </a:pPr>
+            <a:r>
+              <a:rPr sz="800" u="sng" spc="-25" dirty="0">
+                <a:solidFill>
+                  <a:srgbClr val="5F5F5F"/>
+                </a:solidFill>
+                <a:uFill>
+                  <a:solidFill>
+                    <a:srgbClr val="0000FF"/>
+                  </a:solidFill>
+                </a:uFill>
+                <a:latin typeface="Adobe Clean"/>
+                <a:cs typeface="Adobe Clean"/>
+                <a:hlinkClick r:id="rId16"/>
+              </a:rPr>
+              <a:t>www.adobe.com</a:t>
+            </a:r>
+            <a:endParaRPr sz="800" dirty="0">
+              <a:latin typeface="Adobe Clean"/>
+              <a:cs typeface="Adobe Clean"/>
+            </a:endParaRPr>
+          </a:p>
+        </p:txBody>
+      </p:sp>
     </p:spTree>
     <p:extLst>
       <p:ext uri="{BB962C8B-B14F-4D97-AF65-F5344CB8AC3E}">
@@ -13069,71 +11758,13 @@
     <a:fontScheme name="Office">
       <a:majorFont>
         <a:latin typeface="Calibri"/>
-        <a:ea typeface=""/>
+        <a:ea typeface="MS Mincho"/>
         <a:cs typeface=""/>
-        <a:font script="Jpan" typeface="ＭＳ Ｐゴシック"/>
-        <a:font script="Hang" typeface="맑은 고딕"/>
-        <a:font script="Hans" typeface="宋体"/>
-        <a:font script="Hant" typeface="新細明體"/>
-        <a:font script="Arab" typeface="Times New Roman"/>
-        <a:font script="Hebr" typeface="Times New Roman"/>
-        <a:font script="Thai" typeface="Angsana New"/>
-        <a:font script="Ethi" typeface="Nyala"/>
-        <a:font script="Beng" typeface="Vrinda"/>
-        <a:font script="Gujr" typeface="Shruti"/>
-        <a:font script="Khmr" typeface="MoolBoran"/>
-        <a:font script="Knda" typeface="Tunga"/>
-        <a:font script="Guru" typeface="Raavi"/>
-        <a:font script="Cans" typeface="Euphemia"/>
-        <a:font script="Cher" typeface="Plantagenet Cherokee"/>
-        <a:font script="Yiii" typeface="Microsoft Yi Baiti"/>
-        <a:font script="Tibt" typeface="Microsoft Himalaya"/>
-        <a:font script="Thaa" typeface="MV Boli"/>
-        <a:font script="Deva" typeface="Mangal"/>
-        <a:font script="Telu" typeface="Gautami"/>
-        <a:font script="Taml" typeface="Latha"/>
-        <a:font script="Syrc" typeface="Estrangelo Edessa"/>
-        <a:font script="Orya" typeface="Kalinga"/>
-        <a:font script="Mlym" typeface="Kartika"/>
-        <a:font script="Laoo" typeface="DokChampa"/>
-        <a:font script="Sinh" typeface="Iskoola Pota"/>
-        <a:font script="Mong" typeface="Mongolian Baiti"/>
-        <a:font script="Viet" typeface="Times New Roman"/>
-        <a:font script="Uigh" typeface="Microsoft Uighur"/>
       </a:majorFont>
       <a:minorFont>
         <a:latin typeface="Calibri"/>
-        <a:ea typeface=""/>
+        <a:ea typeface="MS Mincho"/>
         <a:cs typeface=""/>
-        <a:font script="Jpan" typeface="ＭＳ Ｐゴシック"/>
-        <a:font script="Hang" typeface="맑은 고딕"/>
-        <a:font script="Hans" typeface="宋体"/>
-        <a:font script="Hant" typeface="新細明體"/>
-        <a:font script="Arab" typeface="Arial"/>
-        <a:font script="Hebr" typeface="Arial"/>
-        <a:font script="Thai" typeface="Cordia New"/>
-        <a:font script="Ethi" typeface="Nyala"/>
-        <a:font script="Beng" typeface="Vrinda"/>
-        <a:font script="Gujr" typeface="Shruti"/>
-        <a:font script="Khmr" typeface="DaunPenh"/>
-        <a:font script="Knda" typeface="Tunga"/>
-        <a:font script="Guru" typeface="Raavi"/>
-        <a:font script="Cans" typeface="Euphemia"/>
-        <a:font script="Cher" typeface="Plantagenet Cherokee"/>
-        <a:font script="Yiii" typeface="Microsoft Yi Baiti"/>
-        <a:font script="Tibt" typeface="Microsoft Himalaya"/>
-        <a:font script="Thaa" typeface="MV Boli"/>
-        <a:font script="Deva" typeface="Mangal"/>
-        <a:font script="Telu" typeface="Gautami"/>
-        <a:font script="Taml" typeface="Latha"/>
-        <a:font script="Syrc" typeface="Estrangelo Edessa"/>
-        <a:font script="Orya" typeface="Kalinga"/>
-        <a:font script="Mlym" typeface="Kartika"/>
-        <a:font script="Laoo" typeface="DokChampa"/>
-        <a:font script="Sinh" typeface="Iskoola Pota"/>
-        <a:font script="Mong" typeface="Mongolian Baiti"/>
-        <a:font script="Viet" typeface="Arial"/>
-        <a:font script="Uigh" typeface="Microsoft Uighur"/>
       </a:minorFont>
     </a:fontScheme>
     <a:fmtScheme name="Office">
@@ -13352,107 +11983,13 @@
     <a:fontScheme name="Office">
       <a:majorFont>
         <a:latin typeface="Calibri Light" panose="020F0302020204030204"/>
-        <a:ea typeface=""/>
+        <a:ea typeface="MS Mincho"/>
         <a:cs typeface=""/>
-        <a:font script="Jpan" typeface="游ゴシック Light"/>
-        <a:font script="Hang" typeface="맑은 고딕"/>
-        <a:font script="Hans" typeface="等线 Light"/>
-        <a:font script="Hant" typeface="新細明體"/>
-        <a:font script="Arab" typeface="Times New Roman"/>
-        <a:font script="Hebr" typeface="Times New Roman"/>
-        <a:font script="Thai" typeface="Angsana New"/>
-        <a:font script="Ethi" typeface="Nyala"/>
-        <a:font script="Beng" typeface="Vrinda"/>
-        <a:font script="Gujr" typeface="Shruti"/>
-        <a:font script="Khmr" typeface="MoolBoran"/>
-        <a:font script="Knda" typeface="Tunga"/>
-        <a:font script="Guru" typeface="Raavi"/>
-        <a:font script="Cans" typeface="Euphemia"/>
-        <a:font script="Cher" typeface="Plantagenet Cherokee"/>
-        <a:font script="Yiii" typeface="Microsoft Yi Baiti"/>
-        <a:font script="Tibt" typeface="Microsoft Himalaya"/>
-        <a:font script="Thaa" typeface="MV Boli"/>
-        <a:font script="Deva" typeface="Mangal"/>
-        <a:font script="Telu" typeface="Gautami"/>
-        <a:font script="Taml" typeface="Latha"/>
-        <a:font script="Syrc" typeface="Estrangelo Edessa"/>
-        <a:font script="Orya" typeface="Kalinga"/>
-        <a:font script="Mlym" typeface="Kartika"/>
-        <a:font script="Laoo" typeface="DokChampa"/>
-        <a:font script="Sinh" typeface="Iskoola Pota"/>
-        <a:font script="Mong" typeface="Mongolian Baiti"/>
-        <a:font script="Viet" typeface="Times New Roman"/>
-        <a:font script="Uigh" typeface="Microsoft Uighur"/>
-        <a:font script="Geor" typeface="Sylfaen"/>
-        <a:font script="Armn" typeface="Arial"/>
-        <a:font script="Bugi" typeface="Leelawadee UI"/>
-        <a:font script="Bopo" typeface="Microsoft JhengHei"/>
-        <a:font script="Java" typeface="Javanese Text"/>
-        <a:font script="Lisu" typeface="Segoe UI"/>
-        <a:font script="Mymr" typeface="Myanmar Text"/>
-        <a:font script="Nkoo" typeface="Ebrima"/>
-        <a:font script="Olck" typeface="Nirmala UI"/>
-        <a:font script="Osma" typeface="Ebrima"/>
-        <a:font script="Phag" typeface="Phagspa"/>
-        <a:font script="Syrn" typeface="Estrangelo Edessa"/>
-        <a:font script="Syrj" typeface="Estrangelo Edessa"/>
-        <a:font script="Syre" typeface="Estrangelo Edessa"/>
-        <a:font script="Sora" typeface="Nirmala UI"/>
-        <a:font script="Tale" typeface="Microsoft Tai Le"/>
-        <a:font script="Talu" typeface="Microsoft New Tai Lue"/>
-        <a:font script="Tfng" typeface="Ebrima"/>
       </a:majorFont>
       <a:minorFont>
         <a:latin typeface="Calibri" panose="020F0502020204030204"/>
-        <a:ea typeface=""/>
+        <a:ea typeface="MS Mincho"/>
         <a:cs typeface=""/>
-        <a:font script="Jpan" typeface="游ゴシック"/>
-        <a:font script="Hang" typeface="맑은 고딕"/>
-        <a:font script="Hans" typeface="等线"/>
-        <a:font script="Hant" typeface="新細明體"/>
-        <a:font script="Arab" typeface="Arial"/>
-        <a:font script="Hebr" typeface="Arial"/>
-        <a:font script="Thai" typeface="Cordia New"/>
-        <a:font script="Ethi" typeface="Nyala"/>
-        <a:font script="Beng" typeface="Vrinda"/>
-        <a:font script="Gujr" typeface="Shruti"/>
-        <a:font script="Khmr" typeface="DaunPenh"/>
-        <a:font script="Knda" typeface="Tunga"/>
-        <a:font script="Guru" typeface="Raavi"/>
-        <a:font script="Cans" typeface="Euphemia"/>
-        <a:font script="Cher" typeface="Plantagenet Cherokee"/>
-        <a:font script="Yiii" typeface="Microsoft Yi Baiti"/>
-        <a:font script="Tibt" typeface="Microsoft Himalaya"/>
-        <a:font script="Thaa" typeface="MV Boli"/>
-        <a:font script="Deva" typeface="Mangal"/>
-        <a:font script="Telu" typeface="Gautami"/>
-        <a:font script="Taml" typeface="Latha"/>
-        <a:font script="Syrc" typeface="Estrangelo Edessa"/>
-        <a:font script="Orya" typeface="Kalinga"/>
-        <a:font script="Mlym" typeface="Kartika"/>
-        <a:font script="Laoo" typeface="DokChampa"/>
-        <a:font script="Sinh" typeface="Iskoola Pota"/>
-        <a:font script="Mong" typeface="Mongolian Baiti"/>
-        <a:font script="Viet" typeface="Arial"/>
-        <a:font script="Uigh" typeface="Microsoft Uighur"/>
-        <a:font script="Geor" typeface="Sylfaen"/>
-        <a:font script="Armn" typeface="Arial"/>
-        <a:font script="Bugi" typeface="Leelawadee UI"/>
-        <a:font script="Bopo" typeface="Microsoft JhengHei"/>
-        <a:font script="Java" typeface="Javanese Text"/>
-        <a:font script="Lisu" typeface="Segoe UI"/>
-        <a:font script="Mymr" typeface="Myanmar Text"/>
-        <a:font script="Nkoo" typeface="Ebrima"/>
-        <a:font script="Olck" typeface="Nirmala UI"/>
-        <a:font script="Osma" typeface="Ebrima"/>
-        <a:font script="Phag" typeface="Phagspa"/>
-        <a:font script="Syrn" typeface="Estrangelo Edessa"/>
-        <a:font script="Syrj" typeface="Estrangelo Edessa"/>
-        <a:font script="Syre" typeface="Estrangelo Edessa"/>
-        <a:font script="Sora" typeface="Nirmala UI"/>
-        <a:font script="Tale" typeface="Microsoft Tai Le"/>
-        <a:font script="Talu" typeface="Microsoft New Tai Lue"/>
-        <a:font script="Tfng" typeface="Ebrima"/>
       </a:minorFont>
     </a:fontScheme>
     <a:fmtScheme name="Office">
@@ -13604,9 +12141,12 @@
 </file>
 
 <file path=customXml/item1.xml><?xml version="1.0" encoding="utf-8"?>
-<p:properties xmlns:p="http://schemas.microsoft.com/office/2006/metadata/properties" xmlns:xsi="http://www.w3.org/2001/XMLSchema-instance" xmlns:pc="http://schemas.microsoft.com/office/infopath/2007/PartnerControls">
-  <documentManagement/>
-</p:properties>
+<?mso-contentType ?>
+<FormTemplates xmlns="http://schemas.microsoft.com/sharepoint/v3/contenttype/forms">
+  <Display>DocumentLibraryForm</Display>
+  <Edit>DocumentLibraryForm</Edit>
+  <New>DocumentLibraryForm</New>
+</FormTemplates>
 </file>
 
 <file path=customXml/item2.xml><?xml version="1.0" encoding="utf-8"?>
@@ -13815,27 +12355,15 @@
 </file>
 
 <file path=customXml/item3.xml><?xml version="1.0" encoding="utf-8"?>
-<?mso-contentType ?>
-<FormTemplates xmlns="http://schemas.microsoft.com/sharepoint/v3/contenttype/forms">
-  <Display>DocumentLibraryForm</Display>
-  <Edit>DocumentLibraryForm</Edit>
-  <New>DocumentLibraryForm</New>
-</FormTemplates>
+<p:properties xmlns:p="http://schemas.microsoft.com/office/2006/metadata/properties" xmlns:xsi="http://www.w3.org/2001/XMLSchema-instance" xmlns:pc="http://schemas.microsoft.com/office/infopath/2007/PartnerControls">
+  <documentManagement/>
+</p:properties>
 </file>
 
 <file path=customXml/itemProps1.xml><?xml version="1.0" encoding="utf-8"?>
-<ds:datastoreItem xmlns:ds="http://schemas.openxmlformats.org/officeDocument/2006/customXml" ds:itemID="{8D12BD98-169B-4BEE-86DF-4C9641DF23C4}">
+<ds:datastoreItem xmlns:ds="http://schemas.openxmlformats.org/officeDocument/2006/customXml" ds:itemID="{AC92E7FA-19A2-4675-9C77-2C92D8A268D1}">
   <ds:schemaRefs>
-    <ds:schemaRef ds:uri="http://schemas.microsoft.com/office/2006/documentManagement/types"/>
-    <ds:schemaRef ds:uri="http://purl.org/dc/dcmitype/"/>
-    <ds:schemaRef ds:uri="http://schemas.openxmlformats.org/package/2006/metadata/core-properties"/>
-    <ds:schemaRef ds:uri="http://schemas.microsoft.com/office/infopath/2007/PartnerControls"/>
-    <ds:schemaRef ds:uri="http://www.w3.org/XML/1998/namespace"/>
-    <ds:schemaRef ds:uri="http://schemas.microsoft.com/office/2006/metadata/properties"/>
-    <ds:schemaRef ds:uri="8a053bff-88be-49e4-9a87-e748e18b8b62"/>
-    <ds:schemaRef ds:uri="6c8368ec-3776-49b5-a5bb-90648cf9530f"/>
-    <ds:schemaRef ds:uri="http://purl.org/dc/terms/"/>
-    <ds:schemaRef ds:uri="http://purl.org/dc/elements/1.1/"/>
+    <ds:schemaRef ds:uri="http://schemas.microsoft.com/sharepoint/v3/contenttype/forms"/>
   </ds:schemaRefs>
 </ds:datastoreItem>
 </file>
@@ -13860,9 +12388,18 @@
 </file>
 
 <file path=customXml/itemProps3.xml><?xml version="1.0" encoding="utf-8"?>
-<ds:datastoreItem xmlns:ds="http://schemas.openxmlformats.org/officeDocument/2006/customXml" ds:itemID="{AC92E7FA-19A2-4675-9C77-2C92D8A268D1}">
+<ds:datastoreItem xmlns:ds="http://schemas.openxmlformats.org/officeDocument/2006/customXml" ds:itemID="{8D12BD98-169B-4BEE-86DF-4C9641DF23C4}">
   <ds:schemaRefs>
-    <ds:schemaRef ds:uri="http://schemas.microsoft.com/sharepoint/v3/contenttype/forms"/>
+    <ds:schemaRef ds:uri="http://schemas.microsoft.com/office/2006/documentManagement/types"/>
+    <ds:schemaRef ds:uri="http://purl.org/dc/dcmitype/"/>
+    <ds:schemaRef ds:uri="http://schemas.openxmlformats.org/package/2006/metadata/core-properties"/>
+    <ds:schemaRef ds:uri="http://schemas.microsoft.com/office/infopath/2007/PartnerControls"/>
+    <ds:schemaRef ds:uri="http://www.w3.org/XML/1998/namespace"/>
+    <ds:schemaRef ds:uri="http://schemas.microsoft.com/office/2006/metadata/properties"/>
+    <ds:schemaRef ds:uri="8a053bff-88be-49e4-9a87-e748e18b8b62"/>
+    <ds:schemaRef ds:uri="6c8368ec-3776-49b5-a5bb-90648cf9530f"/>
+    <ds:schemaRef ds:uri="http://purl.org/dc/terms/"/>
+    <ds:schemaRef ds:uri="http://purl.org/dc/elements/1.1/"/>
   </ds:schemaRefs>
 </ds:datastoreItem>
 </file>